--- a/Internet das Coisas (IoT) e Robótica.pptx
+++ b/Internet das Coisas (IoT) e Robótica.pptx
@@ -13,15 +13,17 @@
     <p:sldId id="261" r:id="rId7"/>
     <p:sldId id="265" r:id="rId8"/>
     <p:sldId id="260" r:id="rId9"/>
-    <p:sldId id="266" r:id="rId10"/>
-    <p:sldId id="272" r:id="rId11"/>
-    <p:sldId id="277" r:id="rId12"/>
-    <p:sldId id="269" r:id="rId13"/>
-    <p:sldId id="275" r:id="rId14"/>
-    <p:sldId id="270" r:id="rId15"/>
-    <p:sldId id="273" r:id="rId16"/>
-    <p:sldId id="274" r:id="rId17"/>
-    <p:sldId id="278" r:id="rId18"/>
+    <p:sldId id="279" r:id="rId10"/>
+    <p:sldId id="280" r:id="rId11"/>
+    <p:sldId id="266" r:id="rId12"/>
+    <p:sldId id="272" r:id="rId13"/>
+    <p:sldId id="277" r:id="rId14"/>
+    <p:sldId id="269" r:id="rId15"/>
+    <p:sldId id="275" r:id="rId16"/>
+    <p:sldId id="270" r:id="rId17"/>
+    <p:sldId id="273" r:id="rId18"/>
+    <p:sldId id="274" r:id="rId19"/>
+    <p:sldId id="278" r:id="rId20"/>
   </p:sldIdLst>
   <p:sldSz cx="9144000" cy="6858000" type="screen4x3"/>
   <p:notesSz cx="6858000" cy="9144000"/>
@@ -3896,7 +3898,7 @@
           <a:p>
             <a:r>
               <a:rPr lang="pt-BR" dirty="0" smtClean="0"/>
-              <a:t>Vantagens de RSSF/IoT + robôs</a:t>
+              <a:t>Robótica de enxame</a:t>
             </a:r>
             <a:endParaRPr lang="pt-BR" dirty="0"/>
           </a:p>
@@ -3914,76 +3916,79 @@
         </p:nvSpPr>
         <p:spPr/>
         <p:txBody>
-          <a:bodyPr>
-            <a:normAutofit fontScale="92500"/>
+          <a:bodyPr/>
+          <a:lstStyle/>
+          <a:p>
+            <a:endParaRPr lang="pt-BR" dirty="0"/>
+          </a:p>
+        </p:txBody>
+      </p:sp>
+      <p:pic>
+        <p:nvPicPr>
+          <p:cNvPr id="4" name="Picture 4" descr="Resultado de imagem para swarm robotics"/>
+          <p:cNvPicPr>
+            <a:picLocks noChangeAspect="1" noChangeArrowheads="1"/>
+          </p:cNvPicPr>
+          <p:nvPr/>
+        </p:nvPicPr>
+        <p:blipFill>
+          <a:blip r:embed="rId2" cstate="print">
+            <a:extLst>
+              <a:ext uri="{28A0092B-C50C-407E-A947-70E740481C1C}">
+                <a14:useLocalDpi xmlns:a14="http://schemas.microsoft.com/office/drawing/2010/main" val="0"/>
+              </a:ext>
+            </a:extLst>
+          </a:blip>
+          <a:srcRect/>
+          <a:stretch>
+            <a:fillRect/>
+          </a:stretch>
+        </p:blipFill>
+        <p:spPr bwMode="auto">
+          <a:xfrm>
+            <a:off x="1043608" y="1196752"/>
+            <a:ext cx="6480720" cy="4320481"/>
+          </a:xfrm>
+          <a:prstGeom prst="rect">
+            <a:avLst/>
+          </a:prstGeom>
+          <a:noFill/>
+          <a:extLst>
+            <a:ext uri="{909E8E84-426E-40DD-AFC4-6F175D3DCCD1}">
+              <a14:hiddenFill xmlns:a14="http://schemas.microsoft.com/office/drawing/2010/main">
+                <a:solidFill>
+                  <a:srgbClr val="FFFFFF"/>
+                </a:solidFill>
+              </a14:hiddenFill>
+            </a:ext>
+          </a:extLst>
+        </p:spPr>
+      </p:pic>
+      <p:sp>
+        <p:nvSpPr>
+          <p:cNvPr id="5" name="TextBox 4"/>
+          <p:cNvSpPr txBox="1"/>
+          <p:nvPr/>
+        </p:nvSpPr>
+        <p:spPr>
+          <a:xfrm>
+            <a:off x="1187624" y="5805264"/>
+            <a:ext cx="6776022" cy="369332"/>
+          </a:xfrm>
+          <a:prstGeom prst="rect">
+            <a:avLst/>
+          </a:prstGeom>
+          <a:noFill/>
+        </p:spPr>
+        <p:txBody>
+          <a:bodyPr wrap="none" rtlCol="0">
+            <a:spAutoFit/>
           </a:bodyPr>
           <a:lstStyle/>
           <a:p>
             <a:r>
-              <a:rPr lang="pt-BR" dirty="0" smtClean="0"/>
-              <a:t>Deployment de rede de sensores/objetos</a:t>
-            </a:r>
-          </a:p>
-          <a:p>
-            <a:r>
-              <a:rPr lang="pt-BR" dirty="0" smtClean="0"/>
-              <a:t>Localização</a:t>
-            </a:r>
-          </a:p>
-          <a:p>
-            <a:pPr lvl="1"/>
-            <a:r>
               <a:rPr lang="pt-BR" dirty="0"/>
-              <a:t>Robôs móveis quase sempre precisam se localizar no ambiente em que se encontram, e muitas vezes realizar o mapeamento da área </a:t>
-            </a:r>
-            <a:endParaRPr lang="pt-BR" dirty="0" smtClean="0"/>
-          </a:p>
-          <a:p>
-            <a:pPr lvl="1"/>
-            <a:r>
-              <a:rPr lang="pt-BR" dirty="0" smtClean="0"/>
-              <a:t>Robôs localizando sensores/objetos</a:t>
-            </a:r>
-          </a:p>
-          <a:p>
-            <a:pPr lvl="1"/>
-            <a:r>
-              <a:rPr lang="pt-BR" dirty="0" smtClean="0"/>
-              <a:t>Sensores/objetos auxiliando robôs na localização</a:t>
-            </a:r>
-          </a:p>
-          <a:p>
-            <a:pPr lvl="1"/>
-            <a:r>
-              <a:rPr lang="pt-BR" dirty="0" smtClean="0"/>
-              <a:t>Com o uso de RSSI – Radio Signal Strength Indicators</a:t>
-            </a:r>
-          </a:p>
-          <a:p>
-            <a:r>
-              <a:rPr lang="pt-BR" dirty="0" smtClean="0"/>
-              <a:t>Aumento da conectividade, confiabilidade e eficiência energética da rede</a:t>
-            </a:r>
-          </a:p>
-          <a:p>
-            <a:pPr lvl="1"/>
-            <a:r>
-              <a:rPr lang="pt-BR" dirty="0" smtClean="0"/>
-              <a:t>Coleta de dados de maneira mais eficiente</a:t>
-            </a:r>
-          </a:p>
-          <a:p>
-            <a:pPr lvl="1"/>
-            <a:r>
-              <a:rPr lang="pt-BR" dirty="0" smtClean="0"/>
-              <a:t>Redução de envios multi-hop</a:t>
-            </a:r>
-          </a:p>
-          <a:p>
-            <a:pPr lvl="1"/>
-            <a:r>
-              <a:rPr lang="pt-BR" dirty="0" smtClean="0"/>
-              <a:t>Diminuição do problema de afunilamento</a:t>
+              <a:t>Mil robôs – Harvard https://www.youtube.com/watch?v=G1t4M2XnIhI</a:t>
             </a:r>
           </a:p>
         </p:txBody>
@@ -3991,7 +3996,7 @@
     </p:spTree>
     <p:extLst>
       <p:ext uri="{BB962C8B-B14F-4D97-AF65-F5344CB8AC3E}">
-        <p14:creationId xmlns:p14="http://schemas.microsoft.com/office/powerpoint/2010/main" val="2323575634"/>
+        <p14:creationId xmlns:p14="http://schemas.microsoft.com/office/powerpoint/2010/main" val="3593233362"/>
       </p:ext>
     </p:extLst>
   </p:cSld>
@@ -4033,7 +4038,270 @@
           <a:bodyPr/>
           <a:lstStyle/>
           <a:p>
-            <a:endParaRPr lang="pt-BR"/>
+            <a:r>
+              <a:rPr lang="pt-BR" dirty="0" smtClean="0"/>
+              <a:t>Internet das Coisas Robóticas</a:t>
+            </a:r>
+            <a:endParaRPr lang="pt-BR" dirty="0"/>
+          </a:p>
+        </p:txBody>
+      </p:sp>
+      <p:sp>
+        <p:nvSpPr>
+          <p:cNvPr id="3" name="Content Placeholder 2"/>
+          <p:cNvSpPr>
+            <a:spLocks noGrp="1"/>
+          </p:cNvSpPr>
+          <p:nvPr>
+            <p:ph sz="quarter" idx="1"/>
+          </p:nvPr>
+        </p:nvSpPr>
+        <p:spPr/>
+        <p:txBody>
+          <a:bodyPr/>
+          <a:lstStyle/>
+          <a:p>
+            <a:r>
+              <a:rPr lang="pt-BR" dirty="0" smtClean="0"/>
+              <a:t>Apontado por alguns como o próximo passo da Internet das Coisas, acrescentando novas possibilidades</a:t>
+            </a:r>
+          </a:p>
+          <a:p>
+            <a:r>
+              <a:rPr lang="pt-BR" dirty="0"/>
+              <a:t>Será possível controlar robôs domésticos pela internet da maneira que se controla um termostato por celular</a:t>
+            </a:r>
+          </a:p>
+          <a:p>
+            <a:r>
+              <a:rPr lang="pt-BR" dirty="0" smtClean="0"/>
+              <a:t>Os robôs não se limitam mais aos seus próprios sensores para perceber o ambiente – grande disponibilidade de dados de dispositivos e ambientes inteligentes</a:t>
+            </a:r>
+          </a:p>
+          <a:p>
+            <a:r>
+              <a:rPr lang="pt-BR" dirty="0" smtClean="0"/>
+              <a:t>Robôs poderão usar bases de dados na internet – mapas, receitas, palavras, objetos, movimentos</a:t>
+            </a:r>
+          </a:p>
+          <a:p>
+            <a:endParaRPr lang="pt-BR" dirty="0" smtClean="0"/>
+          </a:p>
+          <a:p>
+            <a:endParaRPr lang="pt-BR" dirty="0" smtClean="0"/>
+          </a:p>
+          <a:p>
+            <a:endParaRPr lang="pt-BR" dirty="0"/>
+          </a:p>
+        </p:txBody>
+      </p:sp>
+    </p:spTree>
+    <p:extLst>
+      <p:ext uri="{BB962C8B-B14F-4D97-AF65-F5344CB8AC3E}">
+        <p14:creationId xmlns:p14="http://schemas.microsoft.com/office/powerpoint/2010/main" val="2543123065"/>
+      </p:ext>
+    </p:extLst>
+  </p:cSld>
+  <p:clrMapOvr>
+    <a:masterClrMapping/>
+  </p:clrMapOvr>
+</p:sld>
+</file>
+
+<file path=ppt/slides/slide12.xml><?xml version="1.0" encoding="utf-8"?>
+<p:sld xmlns:a="http://schemas.openxmlformats.org/drawingml/2006/main" xmlns:r="http://schemas.openxmlformats.org/officeDocument/2006/relationships" xmlns:p="http://schemas.openxmlformats.org/presentationml/2006/main">
+  <p:cSld>
+    <p:spTree>
+      <p:nvGrpSpPr>
+        <p:cNvPr id="1" name=""/>
+        <p:cNvGrpSpPr/>
+        <p:nvPr/>
+      </p:nvGrpSpPr>
+      <p:grpSpPr>
+        <a:xfrm>
+          <a:off x="0" y="0"/>
+          <a:ext cx="0" cy="0"/>
+          <a:chOff x="0" y="0"/>
+          <a:chExt cx="0" cy="0"/>
+        </a:xfrm>
+      </p:grpSpPr>
+      <p:sp>
+        <p:nvSpPr>
+          <p:cNvPr id="2" name="Title 1"/>
+          <p:cNvSpPr>
+            <a:spLocks noGrp="1"/>
+          </p:cNvSpPr>
+          <p:nvPr>
+            <p:ph type="title"/>
+          </p:nvPr>
+        </p:nvSpPr>
+        <p:spPr/>
+        <p:txBody>
+          <a:bodyPr/>
+          <a:lstStyle/>
+          <a:p>
+            <a:r>
+              <a:rPr lang="pt-BR" dirty="0" smtClean="0"/>
+              <a:t>Vantagens de RSSF/IoT + robôs</a:t>
+            </a:r>
+            <a:endParaRPr lang="pt-BR" dirty="0"/>
+          </a:p>
+        </p:txBody>
+      </p:sp>
+      <p:sp>
+        <p:nvSpPr>
+          <p:cNvPr id="3" name="Content Placeholder 2"/>
+          <p:cNvSpPr>
+            <a:spLocks noGrp="1"/>
+          </p:cNvSpPr>
+          <p:nvPr>
+            <p:ph sz="quarter" idx="1"/>
+          </p:nvPr>
+        </p:nvSpPr>
+        <p:spPr/>
+        <p:txBody>
+          <a:bodyPr>
+            <a:normAutofit fontScale="92500"/>
+          </a:bodyPr>
+          <a:lstStyle/>
+          <a:p>
+            <a:r>
+              <a:rPr lang="pt-BR" dirty="0" smtClean="0"/>
+              <a:t>Deployment de rede de sensores/objetos</a:t>
+            </a:r>
+          </a:p>
+          <a:p>
+            <a:r>
+              <a:rPr lang="pt-BR" dirty="0" smtClean="0"/>
+              <a:t>Localização</a:t>
+            </a:r>
+          </a:p>
+          <a:p>
+            <a:pPr lvl="1"/>
+            <a:r>
+              <a:rPr lang="pt-BR" dirty="0"/>
+              <a:t>Robôs móveis quase sempre precisam se localizar no ambiente em que se encontram, e muitas vezes realizar o mapeamento da área </a:t>
+            </a:r>
+            <a:endParaRPr lang="pt-BR" dirty="0" smtClean="0"/>
+          </a:p>
+          <a:p>
+            <a:pPr lvl="1"/>
+            <a:r>
+              <a:rPr lang="pt-BR" dirty="0" smtClean="0"/>
+              <a:t>Robôs localizando sensores/objetos</a:t>
+            </a:r>
+          </a:p>
+          <a:p>
+            <a:pPr lvl="1"/>
+            <a:r>
+              <a:rPr lang="pt-BR" dirty="0" smtClean="0"/>
+              <a:t>Sensores/objetos auxiliando robôs na localização</a:t>
+            </a:r>
+          </a:p>
+          <a:p>
+            <a:pPr lvl="1"/>
+            <a:r>
+              <a:rPr lang="pt-BR" dirty="0" smtClean="0"/>
+              <a:t>Com o uso de RSSI – Radio Signal Strength Indicators</a:t>
+            </a:r>
+          </a:p>
+          <a:p>
+            <a:r>
+              <a:rPr lang="pt-BR" dirty="0" smtClean="0"/>
+              <a:t>Aumento da conectividade, confiabilidade e eficiência energética da rede</a:t>
+            </a:r>
+          </a:p>
+          <a:p>
+            <a:pPr lvl="1"/>
+            <a:r>
+              <a:rPr lang="pt-BR" dirty="0" smtClean="0"/>
+              <a:t>Coleta de dados de maneira mais eficiente</a:t>
+            </a:r>
+          </a:p>
+          <a:p>
+            <a:pPr lvl="1"/>
+            <a:r>
+              <a:rPr lang="pt-BR" dirty="0" smtClean="0"/>
+              <a:t>Redução de envios multi-hop</a:t>
+            </a:r>
+          </a:p>
+          <a:p>
+            <a:pPr lvl="1"/>
+            <a:r>
+              <a:rPr lang="pt-BR" dirty="0" smtClean="0"/>
+              <a:t>Diminuição do problema de afunilamento</a:t>
+            </a:r>
+          </a:p>
+        </p:txBody>
+      </p:sp>
+    </p:spTree>
+    <p:extLst>
+      <p:ext uri="{BB962C8B-B14F-4D97-AF65-F5344CB8AC3E}">
+        <p14:creationId xmlns:p14="http://schemas.microsoft.com/office/powerpoint/2010/main" val="2323575634"/>
+      </p:ext>
+    </p:extLst>
+  </p:cSld>
+  <p:clrMapOvr>
+    <a:masterClrMapping/>
+  </p:clrMapOvr>
+</p:sld>
+</file>
+
+<file path=ppt/slides/slide13.xml><?xml version="1.0" encoding="utf-8"?>
+<p:sld xmlns:a="http://schemas.openxmlformats.org/drawingml/2006/main" xmlns:r="http://schemas.openxmlformats.org/officeDocument/2006/relationships" xmlns:p="http://schemas.openxmlformats.org/presentationml/2006/main">
+  <p:cSld>
+    <p:spTree>
+      <p:nvGrpSpPr>
+        <p:cNvPr id="1" name=""/>
+        <p:cNvGrpSpPr/>
+        <p:nvPr/>
+      </p:nvGrpSpPr>
+      <p:grpSpPr>
+        <a:xfrm>
+          <a:off x="0" y="0"/>
+          <a:ext cx="0" cy="0"/>
+          <a:chOff x="0" y="0"/>
+          <a:chExt cx="0" cy="0"/>
+        </a:xfrm>
+      </p:grpSpPr>
+      <p:sp>
+        <p:nvSpPr>
+          <p:cNvPr id="2" name="Title 1"/>
+          <p:cNvSpPr>
+            <a:spLocks noGrp="1"/>
+          </p:cNvSpPr>
+          <p:nvPr>
+            <p:ph type="title"/>
+          </p:nvPr>
+        </p:nvSpPr>
+        <p:spPr/>
+        <p:txBody>
+          <a:bodyPr>
+            <a:normAutofit fontScale="90000"/>
+          </a:bodyPr>
+          <a:lstStyle/>
+          <a:p>
+            <a:r>
+              <a:rPr lang="pt-BR" dirty="0" smtClean="0"/>
+              <a:t>RSSF + Robôs</a:t>
+            </a:r>
+            <a:r>
+              <a:rPr lang="pt-BR" dirty="0"/>
+              <a:t>: </a:t>
+            </a:r>
+            <a:r>
+              <a:rPr lang="pt-BR" dirty="0" smtClean="0"/>
+              <a:t>maior conectividade</a:t>
+            </a:r>
+            <a:r>
+              <a:rPr lang="pt-BR" dirty="0"/>
+              <a:t>, confiabilidade e eficiência </a:t>
+            </a:r>
+            <a:r>
+              <a:rPr lang="pt-BR" dirty="0" smtClean="0"/>
+              <a:t>energética da rede</a:t>
+            </a:r>
+            <a:endParaRPr lang="pt-BR" dirty="0"/>
           </a:p>
         </p:txBody>
       </p:sp>
@@ -4098,7 +4366,7 @@
         <p:spPr bwMode="auto">
           <a:xfrm>
             <a:off x="755576" y="1700808"/>
-            <a:ext cx="4057524" cy="2412000"/>
+            <a:ext cx="3528392" cy="2097457"/>
           </a:xfrm>
           <a:prstGeom prst="rect">
             <a:avLst/>
@@ -4146,8 +4414,8 @@
         </p:nvSpPr>
         <p:spPr>
           <a:xfrm>
-            <a:off x="1043608" y="4221088"/>
-            <a:ext cx="3240360" cy="369332"/>
+            <a:off x="1331640" y="3865820"/>
+            <a:ext cx="1512168" cy="369332"/>
           </a:xfrm>
           <a:prstGeom prst="rect">
             <a:avLst/>
@@ -4168,54 +4436,31 @@
           </a:p>
         </p:txBody>
       </p:sp>
-    </p:spTree>
-    <p:extLst>
-      <p:ext uri="{BB962C8B-B14F-4D97-AF65-F5344CB8AC3E}">
-        <p14:creationId xmlns:p14="http://schemas.microsoft.com/office/powerpoint/2010/main" val="676601734"/>
-      </p:ext>
-    </p:extLst>
-  </p:cSld>
-  <p:clrMapOvr>
-    <a:masterClrMapping/>
-  </p:clrMapOvr>
-</p:sld>
-</file>
-
-<file path=ppt/slides/slide12.xml><?xml version="1.0" encoding="utf-8"?>
-<p:sld xmlns:a="http://schemas.openxmlformats.org/drawingml/2006/main" xmlns:r="http://schemas.openxmlformats.org/officeDocument/2006/relationships" xmlns:p="http://schemas.openxmlformats.org/presentationml/2006/main">
-  <p:cSld>
-    <p:spTree>
-      <p:nvGrpSpPr>
-        <p:cNvPr id="1" name=""/>
-        <p:cNvGrpSpPr/>
-        <p:nvPr/>
-      </p:nvGrpSpPr>
-      <p:grpSpPr>
-        <a:xfrm>
-          <a:off x="0" y="0"/>
-          <a:ext cx="0" cy="0"/>
-          <a:chOff x="0" y="0"/>
-          <a:chExt cx="0" cy="0"/>
-        </a:xfrm>
-      </p:grpSpPr>
-      <p:sp>
-        <p:nvSpPr>
-          <p:cNvPr id="2" name="Title 1"/>
-          <p:cNvSpPr>
-            <a:spLocks noGrp="1"/>
-          </p:cNvSpPr>
-          <p:nvPr>
-            <p:ph type="title"/>
-          </p:nvPr>
-        </p:nvSpPr>
-        <p:spPr/>
-        <p:txBody>
-          <a:bodyPr/>
-          <a:lstStyle/>
-          <a:p>
-            <a:r>
-              <a:rPr lang="pt-BR" dirty="0" smtClean="0"/>
-              <a:t>Robôs Domésticos</a:t>
+      <p:sp>
+        <p:nvSpPr>
+          <p:cNvPr id="7" name="TextBox 6"/>
+          <p:cNvSpPr txBox="1"/>
+          <p:nvPr/>
+        </p:nvSpPr>
+        <p:spPr>
+          <a:xfrm>
+            <a:off x="6089530" y="4368786"/>
+            <a:ext cx="1512168" cy="369332"/>
+          </a:xfrm>
+          <a:prstGeom prst="rect">
+            <a:avLst/>
+          </a:prstGeom>
+          <a:noFill/>
+        </p:spPr>
+        <p:txBody>
+          <a:bodyPr wrap="square" rtlCol="0">
+            <a:spAutoFit/>
+          </a:bodyPr>
+          <a:lstStyle/>
+          <a:p>
+            <a:r>
+              <a:rPr lang="pt-BR" dirty="0" smtClean="0"/>
+              <a:t>Data Mules</a:t>
             </a:r>
             <a:endParaRPr lang="pt-BR" dirty="0"/>
           </a:p>
@@ -4223,86 +4468,16 @@
       </p:sp>
       <p:sp>
         <p:nvSpPr>
-          <p:cNvPr id="3" name="Content Placeholder 2"/>
-          <p:cNvSpPr>
-            <a:spLocks noGrp="1"/>
-          </p:cNvSpPr>
-          <p:nvPr>
-            <p:ph sz="quarter" idx="1"/>
-          </p:nvPr>
-        </p:nvSpPr>
-        <p:spPr/>
-        <p:txBody>
-          <a:bodyPr/>
-          <a:lstStyle/>
-          <a:p>
-            <a:r>
-              <a:rPr lang="pt-BR" dirty="0" smtClean="0"/>
-              <a:t>Presente: robôs aspiradores</a:t>
-            </a:r>
-          </a:p>
-          <a:p>
-            <a:pPr lvl="1"/>
-            <a:r>
-              <a:rPr lang="pt-BR" dirty="0" smtClean="0"/>
-              <a:t>Roomba e similares – já existem versões IoRT</a:t>
-            </a:r>
-          </a:p>
-          <a:p>
-            <a:r>
-              <a:rPr lang="pt-BR" dirty="0" smtClean="0"/>
-              <a:t>Robôs autônomos</a:t>
-            </a:r>
-          </a:p>
-          <a:p>
-            <a:pPr lvl="1"/>
-            <a:r>
-              <a:rPr lang="pt-BR" dirty="0" smtClean="0"/>
-              <a:t>Capazes de realizar tarefas diversas e de interação social</a:t>
-            </a:r>
-          </a:p>
-          <a:p>
-            <a:pPr lvl="1"/>
-            <a:r>
-              <a:rPr lang="pt-BR" dirty="0" smtClean="0"/>
-              <a:t>Para ajusar idosos e pessoas com necessidades especiais</a:t>
-            </a:r>
-          </a:p>
-          <a:p>
-            <a:pPr lvl="1"/>
-            <a:r>
-              <a:rPr lang="pt-BR" dirty="0" smtClean="0"/>
-              <a:t>Competição RoboCup @Home</a:t>
-            </a:r>
-            <a:endParaRPr lang="pt-BR" dirty="0"/>
-          </a:p>
-        </p:txBody>
-      </p:sp>
-      <p:pic>
-        <p:nvPicPr>
-          <p:cNvPr id="2050" name="Picture 2" descr="http://www.ok-produkt.cz/Files/560_m1.jpg"/>
-          <p:cNvPicPr>
-            <a:picLocks noChangeAspect="1" noChangeArrowheads="1"/>
-          </p:cNvPicPr>
+          <p:cNvPr id="3" name="AutoShape 4" descr="Resultado de imagem para robot icon"/>
+          <p:cNvSpPr>
+            <a:spLocks noChangeAspect="1" noChangeArrowheads="1"/>
+          </p:cNvSpPr>
           <p:nvPr/>
-        </p:nvPicPr>
-        <p:blipFill>
-          <a:blip r:embed="rId2" cstate="print">
-            <a:extLst>
-              <a:ext uri="{28A0092B-C50C-407E-A947-70E740481C1C}">
-                <a14:useLocalDpi xmlns:a14="http://schemas.microsoft.com/office/drawing/2010/main" val="0"/>
-              </a:ext>
-            </a:extLst>
-          </a:blip>
-          <a:srcRect/>
-          <a:stretch>
-            <a:fillRect/>
-          </a:stretch>
-        </p:blipFill>
+        </p:nvSpPr>
         <p:spPr bwMode="auto">
           <a:xfrm>
-            <a:off x="611560" y="3898412"/>
-            <a:ext cx="3307054" cy="2511524"/>
+            <a:off x="307975" y="7937"/>
+            <a:ext cx="304800" cy="304801"/>
           </a:xfrm>
           <a:prstGeom prst="rect">
             <a:avLst/>
@@ -4318,10 +4493,21 @@
             </a:ext>
           </a:extLst>
         </p:spPr>
-      </p:pic>
+        <p:txBody>
+          <a:bodyPr vert="horz" wrap="square" lIns="91440" tIns="45720" rIns="91440" bIns="45720" numCol="1" anchor="t" anchorCtr="0" compatLnSpc="1">
+            <a:prstTxWarp prst="textNoShape">
+              <a:avLst/>
+            </a:prstTxWarp>
+          </a:bodyPr>
+          <a:lstStyle/>
+          <a:p>
+            <a:endParaRPr lang="pt-BR"/>
+          </a:p>
+        </p:txBody>
+      </p:sp>
       <p:pic>
         <p:nvPicPr>
-          <p:cNvPr id="2052" name="Picture 4" descr="http://whatsnext.nuance.com/wp-content/uploads/Team-RoCKIn-robot-lisa.jpg"/>
+          <p:cNvPr id="1030" name="Picture 6"/>
           <p:cNvPicPr>
             <a:picLocks noChangeAspect="1" noChangeArrowheads="1"/>
           </p:cNvPicPr>
@@ -4342,164 +4528,8 @@
         </p:blipFill>
         <p:spPr bwMode="auto">
           <a:xfrm>
-            <a:off x="5494972" y="3853105"/>
-            <a:ext cx="3469516" cy="2602137"/>
-          </a:xfrm>
-          <a:prstGeom prst="rect">
-            <a:avLst/>
-          </a:prstGeom>
-          <a:noFill/>
-          <a:extLst>
-            <a:ext uri="{909E8E84-426E-40DD-AFC4-6F175D3DCCD1}">
-              <a14:hiddenFill xmlns:a14="http://schemas.microsoft.com/office/drawing/2010/main">
-                <a:solidFill>
-                  <a:srgbClr val="FFFFFF"/>
-                </a:solidFill>
-              </a14:hiddenFill>
-            </a:ext>
-          </a:extLst>
-        </p:spPr>
-      </p:pic>
-    </p:spTree>
-    <p:extLst>
-      <p:ext uri="{BB962C8B-B14F-4D97-AF65-F5344CB8AC3E}">
-        <p14:creationId xmlns:p14="http://schemas.microsoft.com/office/powerpoint/2010/main" val="3735369947"/>
-      </p:ext>
-    </p:extLst>
-  </p:cSld>
-  <p:clrMapOvr>
-    <a:masterClrMapping/>
-  </p:clrMapOvr>
-</p:sld>
-</file>
-
-<file path=ppt/slides/slide13.xml><?xml version="1.0" encoding="utf-8"?>
-<p:sld xmlns:a="http://schemas.openxmlformats.org/drawingml/2006/main" xmlns:r="http://schemas.openxmlformats.org/officeDocument/2006/relationships" xmlns:p="http://schemas.openxmlformats.org/presentationml/2006/main">
-  <p:cSld>
-    <p:spTree>
-      <p:nvGrpSpPr>
-        <p:cNvPr id="1" name=""/>
-        <p:cNvGrpSpPr/>
-        <p:nvPr/>
-      </p:nvGrpSpPr>
-      <p:grpSpPr>
-        <a:xfrm>
-          <a:off x="0" y="0"/>
-          <a:ext cx="0" cy="0"/>
-          <a:chOff x="0" y="0"/>
-          <a:chExt cx="0" cy="0"/>
-        </a:xfrm>
-      </p:grpSpPr>
-      <p:sp>
-        <p:nvSpPr>
-          <p:cNvPr id="2" name="Title 1"/>
-          <p:cNvSpPr>
-            <a:spLocks noGrp="1"/>
-          </p:cNvSpPr>
-          <p:nvPr>
-            <p:ph type="title"/>
-          </p:nvPr>
-        </p:nvSpPr>
-        <p:spPr/>
-        <p:txBody>
-          <a:bodyPr/>
-          <a:lstStyle/>
-          <a:p>
-            <a:r>
-              <a:rPr lang="pt-BR" dirty="0" smtClean="0"/>
-              <a:t>Warehouses</a:t>
-            </a:r>
-            <a:endParaRPr lang="pt-BR" dirty="0"/>
-          </a:p>
-        </p:txBody>
-      </p:sp>
-      <p:sp>
-        <p:nvSpPr>
-          <p:cNvPr id="3" name="Content Placeholder 2"/>
-          <p:cNvSpPr>
-            <a:spLocks noGrp="1"/>
-          </p:cNvSpPr>
-          <p:nvPr>
-            <p:ph sz="quarter" idx="1"/>
-          </p:nvPr>
-        </p:nvSpPr>
-        <p:spPr>
-          <a:xfrm>
-            <a:off x="457200" y="1219200"/>
-            <a:ext cx="8229600" cy="3217912"/>
-          </a:xfrm>
-        </p:spPr>
-        <p:txBody>
-          <a:bodyPr>
-            <a:normAutofit fontScale="92500" lnSpcReduction="10000"/>
-          </a:bodyPr>
-          <a:lstStyle/>
-          <a:p>
-            <a:r>
-              <a:rPr lang="pt-BR" dirty="0" smtClean="0"/>
-              <a:t>Robôs já são amplamente utilizados</a:t>
-            </a:r>
-          </a:p>
-          <a:p>
-            <a:r>
-              <a:rPr lang="pt-BR" dirty="0" smtClean="0"/>
-              <a:t>Amazon adquiriu a Kiva em 2012 por US$775 milhões </a:t>
-            </a:r>
-          </a:p>
-          <a:p>
-            <a:pPr lvl="1"/>
-            <a:r>
-              <a:rPr lang="pt-BR" dirty="0" smtClean="0"/>
-              <a:t>Mudou o nome para Amazon Robotics e deixou de atender todos os demais clientes – GAP,  Walgreens, Office Depot e muitos outros</a:t>
-            </a:r>
-          </a:p>
-          <a:p>
-            <a:pPr lvl="1"/>
-            <a:r>
-              <a:rPr lang="pt-BR" dirty="0" smtClean="0"/>
-              <a:t>Mais de 30 mil robôs em seus depósitos</a:t>
-            </a:r>
-          </a:p>
-          <a:p>
-            <a:r>
-              <a:rPr lang="pt-BR" dirty="0" smtClean="0"/>
-              <a:t>Ambientes com sensores, produtos e pallets com tags RFID – auxiliam o robô na tarefa de localizar e transportar produtos</a:t>
-            </a:r>
-          </a:p>
-          <a:p>
-            <a:r>
-              <a:rPr lang="pt-BR" dirty="0" smtClean="0"/>
-              <a:t>Robô pode ser acionado assim que um pedido online é feito</a:t>
-            </a:r>
-            <a:endParaRPr lang="pt-BR" dirty="0"/>
-          </a:p>
-        </p:txBody>
-      </p:sp>
-      <p:pic>
-        <p:nvPicPr>
-          <p:cNvPr id="4098" name="Picture 2"/>
-          <p:cNvPicPr>
-            <a:picLocks noChangeAspect="1" noChangeArrowheads="1"/>
-          </p:cNvPicPr>
-          <p:nvPr/>
-        </p:nvPicPr>
-        <p:blipFill>
-          <a:blip r:embed="rId2">
-            <a:extLst>
-              <a:ext uri="{28A0092B-C50C-407E-A947-70E740481C1C}">
-                <a14:useLocalDpi xmlns:a14="http://schemas.microsoft.com/office/drawing/2010/main" val="0"/>
-              </a:ext>
-            </a:extLst>
-          </a:blip>
-          <a:srcRect/>
-          <a:stretch>
-            <a:fillRect/>
-          </a:stretch>
-        </p:blipFill>
-        <p:spPr bwMode="auto">
-          <a:xfrm>
-            <a:off x="467544" y="4293096"/>
-            <a:ext cx="4002539" cy="2138164"/>
+            <a:off x="4953209" y="1130286"/>
+            <a:ext cx="3581400" cy="3238500"/>
           </a:xfrm>
           <a:prstGeom prst="rect">
             <a:avLst/>
@@ -4539,10 +4569,80 @@
           </a:extLst>
         </p:spPr>
       </p:pic>
+      <p:sp>
+        <p:nvSpPr>
+          <p:cNvPr id="12" name="Content Placeholder 2"/>
+          <p:cNvSpPr>
+            <a:spLocks noGrp="1"/>
+          </p:cNvSpPr>
+          <p:nvPr>
+            <p:ph sz="quarter" idx="1"/>
+          </p:nvPr>
+        </p:nvSpPr>
+        <p:spPr>
+          <a:xfrm>
+            <a:off x="457200" y="4738118"/>
+            <a:ext cx="8229600" cy="1643210"/>
+          </a:xfrm>
+        </p:spPr>
+        <p:txBody>
+          <a:bodyPr>
+            <a:normAutofit fontScale="85000" lnSpcReduction="20000"/>
+          </a:bodyPr>
+          <a:lstStyle/>
+          <a:p>
+            <a:r>
+              <a:rPr lang="pt-BR" dirty="0" smtClean="0"/>
+              <a:t>Os robôs podem ser usados como</a:t>
+            </a:r>
+          </a:p>
+          <a:p>
+            <a:pPr lvl="1"/>
+            <a:r>
+              <a:rPr lang="pt-BR" dirty="0" smtClean="0"/>
+              <a:t>Data Mules</a:t>
+            </a:r>
+          </a:p>
+          <a:p>
+            <a:pPr lvl="1"/>
+            <a:r>
+              <a:rPr lang="pt-BR" dirty="0" smtClean="0"/>
+              <a:t>Estações-base móveis</a:t>
+            </a:r>
+          </a:p>
+          <a:p>
+            <a:pPr lvl="1"/>
+            <a:r>
+              <a:rPr lang="pt-BR" dirty="0" smtClean="0"/>
+              <a:t>Nós que se posicionam de maneira otimizada (em redes mesh)</a:t>
+            </a:r>
+          </a:p>
+          <a:p>
+            <a:pPr lvl="1"/>
+            <a:r>
+              <a:rPr lang="pt-BR" dirty="0" smtClean="0"/>
+              <a:t>Meio para (re)posicionar os sensores de maneira otimizada</a:t>
+            </a:r>
+            <a:endParaRPr lang="pt-BR" dirty="0" smtClean="0"/>
+          </a:p>
+          <a:p>
+            <a:pPr lvl="1"/>
+            <a:endParaRPr lang="pt-BR" dirty="0" smtClean="0"/>
+          </a:p>
+          <a:p>
+            <a:pPr lvl="1"/>
+            <a:endParaRPr lang="pt-BR" dirty="0" smtClean="0"/>
+          </a:p>
+          <a:p>
+            <a:pPr lvl="1"/>
+            <a:endParaRPr lang="pt-BR" dirty="0" smtClean="0"/>
+          </a:p>
+        </p:txBody>
+      </p:sp>
     </p:spTree>
     <p:extLst>
       <p:ext uri="{BB962C8B-B14F-4D97-AF65-F5344CB8AC3E}">
-        <p14:creationId xmlns:p14="http://schemas.microsoft.com/office/powerpoint/2010/main" val="3511222835"/>
+        <p14:creationId xmlns:p14="http://schemas.microsoft.com/office/powerpoint/2010/main" val="676601734"/>
       </p:ext>
     </p:extLst>
   </p:cSld>
@@ -4586,7 +4686,7 @@
           <a:p>
             <a:r>
               <a:rPr lang="pt-BR" dirty="0" smtClean="0"/>
-              <a:t>Outros Setores</a:t>
+              <a:t>Robôs Domésticos</a:t>
             </a:r>
             <a:endParaRPr lang="pt-BR" dirty="0"/>
           </a:p>
@@ -4604,100 +4704,137 @@
         </p:nvSpPr>
         <p:spPr/>
         <p:txBody>
-          <a:bodyPr>
-            <a:normAutofit lnSpcReduction="10000"/>
-          </a:bodyPr>
-          <a:lstStyle/>
-          <a:p>
-            <a:r>
-              <a:rPr lang="pt-BR" dirty="0" smtClean="0"/>
-              <a:t>Cidades Inteligentes</a:t>
+          <a:bodyPr/>
+          <a:lstStyle/>
+          <a:p>
+            <a:r>
+              <a:rPr lang="pt-BR" dirty="0" smtClean="0"/>
+              <a:t>Presente: robôs aspiradores</a:t>
             </a:r>
           </a:p>
           <a:p>
             <a:pPr lvl="1"/>
             <a:r>
               <a:rPr lang="pt-BR" dirty="0" smtClean="0"/>
-              <a:t>Coleta automática de lixo</a:t>
+              <a:t>Roomba e similares – já existem versões IoRT</a:t>
+            </a:r>
+          </a:p>
+          <a:p>
+            <a:r>
+              <a:rPr lang="pt-BR" dirty="0" smtClean="0"/>
+              <a:t>Robôs autônomos</a:t>
             </a:r>
           </a:p>
           <a:p>
             <a:pPr lvl="1"/>
             <a:r>
               <a:rPr lang="pt-BR" dirty="0" smtClean="0"/>
-              <a:t>Segurança e monitoramento com uso de drones</a:t>
-            </a:r>
-          </a:p>
-          <a:p>
-            <a:r>
-              <a:rPr lang="pt-BR" dirty="0" smtClean="0"/>
-              <a:t>Indústrias</a:t>
+              <a:t>Capazes de realizar tarefas diversas e de interação social</a:t>
             </a:r>
           </a:p>
           <a:p>
             <a:pPr lvl="1"/>
             <a:r>
               <a:rPr lang="pt-BR" dirty="0" smtClean="0"/>
-              <a:t>Robôs já são lugar comum e serão integrados com IoT conforme for sendo implantada</a:t>
+              <a:t>Para ajusar idosos e pessoas com necessidades especiais</a:t>
             </a:r>
           </a:p>
           <a:p>
             <a:pPr lvl="1"/>
             <a:r>
-              <a:rPr lang="pt-BR" dirty="0"/>
-              <a:t>S</a:t>
-            </a:r>
-            <a:r>
-              <a:rPr lang="pt-BR" dirty="0" smtClean="0"/>
-              <a:t>e tornarão mais inteligentes</a:t>
-            </a:r>
-          </a:p>
-          <a:p>
-            <a:r>
-              <a:rPr lang="pt-BR" dirty="0" smtClean="0"/>
-              <a:t>Varejo</a:t>
-            </a:r>
-          </a:p>
-          <a:p>
-            <a:pPr lvl="1"/>
-            <a:r>
-              <a:rPr lang="pt-BR" dirty="0" smtClean="0"/>
-              <a:t>Atendentes/vendedores robóticos</a:t>
-            </a:r>
-          </a:p>
-          <a:p>
-            <a:pPr lvl="1"/>
-            <a:r>
-              <a:rPr lang="pt-BR" dirty="0" smtClean="0"/>
-              <a:t>Armazenar e buscar produtos – como em depósitos</a:t>
-            </a:r>
-          </a:p>
-          <a:p>
-            <a:r>
-              <a:rPr lang="pt-BR" dirty="0" smtClean="0"/>
-              <a:t>Automóveis</a:t>
-            </a:r>
-          </a:p>
-          <a:p>
-            <a:pPr lvl="1"/>
-            <a:r>
-              <a:rPr lang="pt-BR" dirty="0" smtClean="0"/>
-              <a:t>Carro autônomo </a:t>
-            </a:r>
-            <a:r>
-              <a:rPr lang="pt-BR" dirty="0" smtClean="0">
-                <a:sym typeface="Wingdings" pitchFamily="2" charset="2"/>
-              </a:rPr>
-              <a:t> Robô móvel</a:t>
-            </a:r>
-            <a:endParaRPr lang="pt-BR" dirty="0" smtClean="0"/>
-          </a:p>
-        </p:txBody>
-      </p:sp>
+              <a:rPr lang="pt-BR" dirty="0" smtClean="0"/>
+              <a:t>Competição RoboCup @Home</a:t>
+            </a:r>
+            <a:endParaRPr lang="pt-BR" dirty="0"/>
+          </a:p>
+        </p:txBody>
+      </p:sp>
+      <p:pic>
+        <p:nvPicPr>
+          <p:cNvPr id="2050" name="Picture 2" descr="http://www.ok-produkt.cz/Files/560_m1.jpg"/>
+          <p:cNvPicPr>
+            <a:picLocks noChangeAspect="1" noChangeArrowheads="1"/>
+          </p:cNvPicPr>
+          <p:nvPr/>
+        </p:nvPicPr>
+        <p:blipFill>
+          <a:blip r:embed="rId2" cstate="print">
+            <a:extLst>
+              <a:ext uri="{28A0092B-C50C-407E-A947-70E740481C1C}">
+                <a14:useLocalDpi xmlns:a14="http://schemas.microsoft.com/office/drawing/2010/main" val="0"/>
+              </a:ext>
+            </a:extLst>
+          </a:blip>
+          <a:srcRect/>
+          <a:stretch>
+            <a:fillRect/>
+          </a:stretch>
+        </p:blipFill>
+        <p:spPr bwMode="auto">
+          <a:xfrm>
+            <a:off x="611560" y="3898412"/>
+            <a:ext cx="3307054" cy="2511524"/>
+          </a:xfrm>
+          <a:prstGeom prst="rect">
+            <a:avLst/>
+          </a:prstGeom>
+          <a:noFill/>
+          <a:extLst>
+            <a:ext uri="{909E8E84-426E-40DD-AFC4-6F175D3DCCD1}">
+              <a14:hiddenFill xmlns:a14="http://schemas.microsoft.com/office/drawing/2010/main">
+                <a:solidFill>
+                  <a:srgbClr val="FFFFFF"/>
+                </a:solidFill>
+              </a14:hiddenFill>
+            </a:ext>
+          </a:extLst>
+        </p:spPr>
+      </p:pic>
+      <p:pic>
+        <p:nvPicPr>
+          <p:cNvPr id="2052" name="Picture 4" descr="http://whatsnext.nuance.com/wp-content/uploads/Team-RoCKIn-robot-lisa.jpg"/>
+          <p:cNvPicPr>
+            <a:picLocks noChangeAspect="1" noChangeArrowheads="1"/>
+          </p:cNvPicPr>
+          <p:nvPr/>
+        </p:nvPicPr>
+        <p:blipFill>
+          <a:blip r:embed="rId3">
+            <a:extLst>
+              <a:ext uri="{28A0092B-C50C-407E-A947-70E740481C1C}">
+                <a14:useLocalDpi xmlns:a14="http://schemas.microsoft.com/office/drawing/2010/main" val="0"/>
+              </a:ext>
+            </a:extLst>
+          </a:blip>
+          <a:srcRect/>
+          <a:stretch>
+            <a:fillRect/>
+          </a:stretch>
+        </p:blipFill>
+        <p:spPr bwMode="auto">
+          <a:xfrm>
+            <a:off x="5494972" y="3853105"/>
+            <a:ext cx="3469516" cy="2602137"/>
+          </a:xfrm>
+          <a:prstGeom prst="rect">
+            <a:avLst/>
+          </a:prstGeom>
+          <a:noFill/>
+          <a:extLst>
+            <a:ext uri="{909E8E84-426E-40DD-AFC4-6F175D3DCCD1}">
+              <a14:hiddenFill xmlns:a14="http://schemas.microsoft.com/office/drawing/2010/main">
+                <a:solidFill>
+                  <a:srgbClr val="FFFFFF"/>
+                </a:solidFill>
+              </a14:hiddenFill>
+            </a:ext>
+          </a:extLst>
+        </p:spPr>
+      </p:pic>
     </p:spTree>
     <p:extLst>
       <p:ext uri="{BB962C8B-B14F-4D97-AF65-F5344CB8AC3E}">
-        <p14:creationId xmlns:p14="http://schemas.microsoft.com/office/powerpoint/2010/main" val="649753901"/>
+        <p14:creationId xmlns:p14="http://schemas.microsoft.com/office/powerpoint/2010/main" val="3735369947"/>
       </p:ext>
     </p:extLst>
   </p:cSld>
@@ -4741,7 +4878,7 @@
           <a:p>
             <a:r>
               <a:rPr lang="pt-BR" dirty="0" smtClean="0"/>
-              <a:t>Conclusão</a:t>
+              <a:t>Warehouses</a:t>
             </a:r>
             <a:endParaRPr lang="pt-BR" dirty="0"/>
           </a:p>
@@ -4757,686 +4894,53 @@
             <p:ph sz="quarter" idx="1"/>
           </p:nvPr>
         </p:nvSpPr>
-        <p:spPr/>
-        <p:txBody>
-          <a:bodyPr/>
-          <a:lstStyle/>
-          <a:p>
-            <a:r>
-              <a:rPr lang="pt-BR" dirty="0" smtClean="0"/>
-              <a:t>Já existem muitas aplicações envolvendo robótica e IoT</a:t>
-            </a:r>
-          </a:p>
-          <a:p>
-            <a:r>
-              <a:rPr lang="pt-BR" dirty="0" smtClean="0"/>
-              <a:t>Torna possíveis robôs muito mais inteligentes</a:t>
-            </a:r>
-          </a:p>
-          <a:p>
-            <a:r>
-              <a:rPr lang="pt-BR" dirty="0" smtClean="0"/>
-              <a:t>Bastante interesse acadêmico e da indústria</a:t>
-            </a:r>
-          </a:p>
-          <a:p>
-            <a:r>
-              <a:rPr lang="pt-BR" dirty="0" smtClean="0"/>
-              <a:t>A tendência é que haja um crescimento muito grande</a:t>
+        <p:spPr>
+          <a:xfrm>
+            <a:off x="457200" y="1219200"/>
+            <a:ext cx="8229600" cy="3217912"/>
+          </a:xfrm>
+        </p:spPr>
+        <p:txBody>
+          <a:bodyPr>
+            <a:normAutofit fontScale="92500" lnSpcReduction="10000"/>
+          </a:bodyPr>
+          <a:lstStyle/>
+          <a:p>
+            <a:r>
+              <a:rPr lang="pt-BR" dirty="0" smtClean="0"/>
+              <a:t>Robôs já são amplamente utilizados</a:t>
+            </a:r>
+          </a:p>
+          <a:p>
+            <a:r>
+              <a:rPr lang="pt-BR" dirty="0" smtClean="0"/>
+              <a:t>Amazon adquiriu a Kiva em 2012 por US$775 milhões </a:t>
             </a:r>
           </a:p>
           <a:p>
             <a:pPr lvl="1"/>
             <a:r>
               <a:rPr lang="pt-BR" dirty="0" smtClean="0"/>
-              <a:t>Conforme os custos de IoT caem</a:t>
+              <a:t>Mudou o nome para Amazon Robotics e deixou de atender todos os demais clientes – GAP,  Walgreens, Office Depot e muitos outros</a:t>
             </a:r>
           </a:p>
           <a:p>
             <a:pPr lvl="1"/>
             <a:r>
               <a:rPr lang="pt-BR" dirty="0" smtClean="0"/>
-              <a:t>Com o amadurecimento da robótica</a:t>
-            </a:r>
-            <a:endParaRPr lang="pt-BR" dirty="0"/>
-          </a:p>
-        </p:txBody>
-      </p:sp>
-    </p:spTree>
-    <p:extLst>
-      <p:ext uri="{BB962C8B-B14F-4D97-AF65-F5344CB8AC3E}">
-        <p14:creationId xmlns:p14="http://schemas.microsoft.com/office/powerpoint/2010/main" val="3527821407"/>
-      </p:ext>
-    </p:extLst>
-  </p:cSld>
-  <p:clrMapOvr>
-    <a:masterClrMapping/>
-  </p:clrMapOvr>
-</p:sld>
-</file>
-
-<file path=ppt/slides/slide16.xml><?xml version="1.0" encoding="utf-8"?>
-<p:sld xmlns:a="http://schemas.openxmlformats.org/drawingml/2006/main" xmlns:r="http://schemas.openxmlformats.org/officeDocument/2006/relationships" xmlns:p="http://schemas.openxmlformats.org/presentationml/2006/main">
-  <p:cSld>
-    <p:spTree>
-      <p:nvGrpSpPr>
-        <p:cNvPr id="1" name=""/>
-        <p:cNvGrpSpPr/>
-        <p:nvPr/>
-      </p:nvGrpSpPr>
-      <p:grpSpPr>
-        <a:xfrm>
-          <a:off x="0" y="0"/>
-          <a:ext cx="0" cy="0"/>
-          <a:chOff x="0" y="0"/>
-          <a:chExt cx="0" cy="0"/>
-        </a:xfrm>
-      </p:grpSpPr>
-      <p:sp>
-        <p:nvSpPr>
-          <p:cNvPr id="2" name="Title 1"/>
-          <p:cNvSpPr>
-            <a:spLocks noGrp="1"/>
-          </p:cNvSpPr>
-          <p:nvPr>
-            <p:ph type="title"/>
-          </p:nvPr>
-        </p:nvSpPr>
-        <p:spPr/>
-        <p:txBody>
-          <a:bodyPr/>
-          <a:lstStyle/>
-          <a:p>
-            <a:r>
-              <a:rPr lang="pt-BR" dirty="0" smtClean="0"/>
-              <a:t>Dúvidas</a:t>
-            </a:r>
-            <a:endParaRPr lang="pt-BR" dirty="0"/>
-          </a:p>
-        </p:txBody>
-      </p:sp>
-      <p:sp>
-        <p:nvSpPr>
-          <p:cNvPr id="3" name="Content Placeholder 2"/>
-          <p:cNvSpPr>
-            <a:spLocks noGrp="1"/>
-          </p:cNvSpPr>
-          <p:nvPr>
-            <p:ph sz="quarter" idx="1"/>
-          </p:nvPr>
-        </p:nvSpPr>
-        <p:spPr/>
-        <p:txBody>
-          <a:bodyPr/>
-          <a:lstStyle/>
-          <a:p>
-            <a:endParaRPr lang="pt-BR"/>
-          </a:p>
-        </p:txBody>
-      </p:sp>
-    </p:spTree>
-    <p:extLst>
-      <p:ext uri="{BB962C8B-B14F-4D97-AF65-F5344CB8AC3E}">
-        <p14:creationId xmlns:p14="http://schemas.microsoft.com/office/powerpoint/2010/main" val="3602084392"/>
-      </p:ext>
-    </p:extLst>
-  </p:cSld>
-  <p:clrMapOvr>
-    <a:masterClrMapping/>
-  </p:clrMapOvr>
-</p:sld>
-</file>
-
-<file path=ppt/slides/slide17.xml><?xml version="1.0" encoding="utf-8"?>
-<p:sld xmlns:a="http://schemas.openxmlformats.org/drawingml/2006/main" xmlns:r="http://schemas.openxmlformats.org/officeDocument/2006/relationships" xmlns:p="http://schemas.openxmlformats.org/presentationml/2006/main">
-  <p:cSld>
-    <p:spTree>
-      <p:nvGrpSpPr>
-        <p:cNvPr id="1" name=""/>
-        <p:cNvGrpSpPr/>
-        <p:nvPr/>
-      </p:nvGrpSpPr>
-      <p:grpSpPr>
-        <a:xfrm>
-          <a:off x="0" y="0"/>
-          <a:ext cx="0" cy="0"/>
-          <a:chOff x="0" y="0"/>
-          <a:chExt cx="0" cy="0"/>
-        </a:xfrm>
-      </p:grpSpPr>
-      <p:sp>
-        <p:nvSpPr>
-          <p:cNvPr id="2" name="Title 1"/>
-          <p:cNvSpPr>
-            <a:spLocks noGrp="1"/>
-          </p:cNvSpPr>
-          <p:nvPr>
-            <p:ph type="title"/>
-          </p:nvPr>
-        </p:nvSpPr>
-        <p:spPr/>
-        <p:txBody>
-          <a:bodyPr/>
-          <a:lstStyle/>
-          <a:p>
-            <a:r>
-              <a:rPr lang="pt-BR" dirty="0" smtClean="0"/>
-              <a:t>Referências</a:t>
-            </a:r>
-            <a:endParaRPr lang="pt-BR" dirty="0"/>
-          </a:p>
-        </p:txBody>
-      </p:sp>
-      <p:sp>
-        <p:nvSpPr>
-          <p:cNvPr id="3" name="Content Placeholder 2"/>
-          <p:cNvSpPr>
-            <a:spLocks noGrp="1"/>
-          </p:cNvSpPr>
-          <p:nvPr>
-            <p:ph sz="quarter" idx="1"/>
-          </p:nvPr>
-        </p:nvSpPr>
-        <p:spPr/>
-        <p:txBody>
-          <a:bodyPr/>
-          <a:lstStyle/>
-          <a:p>
-            <a:endParaRPr lang="pt-BR"/>
-          </a:p>
-        </p:txBody>
-      </p:sp>
-    </p:spTree>
-    <p:extLst>
-      <p:ext uri="{BB962C8B-B14F-4D97-AF65-F5344CB8AC3E}">
-        <p14:creationId xmlns:p14="http://schemas.microsoft.com/office/powerpoint/2010/main" val="964487792"/>
-      </p:ext>
-    </p:extLst>
-  </p:cSld>
-  <p:clrMapOvr>
-    <a:masterClrMapping/>
-  </p:clrMapOvr>
-</p:sld>
-</file>
-
-<file path=ppt/slides/slide2.xml><?xml version="1.0" encoding="utf-8"?>
-<p:sld xmlns:a="http://schemas.openxmlformats.org/drawingml/2006/main" xmlns:r="http://schemas.openxmlformats.org/officeDocument/2006/relationships" xmlns:p="http://schemas.openxmlformats.org/presentationml/2006/main">
-  <p:cSld>
-    <p:spTree>
-      <p:nvGrpSpPr>
-        <p:cNvPr id="1" name=""/>
-        <p:cNvGrpSpPr/>
-        <p:nvPr/>
-      </p:nvGrpSpPr>
-      <p:grpSpPr>
-        <a:xfrm>
-          <a:off x="0" y="0"/>
-          <a:ext cx="0" cy="0"/>
-          <a:chOff x="0" y="0"/>
-          <a:chExt cx="0" cy="0"/>
-        </a:xfrm>
-      </p:grpSpPr>
-      <p:sp>
-        <p:nvSpPr>
-          <p:cNvPr id="2" name="Title 1"/>
-          <p:cNvSpPr>
-            <a:spLocks noGrp="1"/>
-          </p:cNvSpPr>
-          <p:nvPr>
-            <p:ph type="title"/>
-          </p:nvPr>
-        </p:nvSpPr>
-        <p:spPr/>
-        <p:txBody>
-          <a:bodyPr/>
-          <a:lstStyle/>
-          <a:p>
-            <a:r>
-              <a:rPr lang="pt-BR" dirty="0" smtClean="0"/>
-              <a:t>Agenda</a:t>
-            </a:r>
-            <a:endParaRPr lang="pt-BR" dirty="0"/>
-          </a:p>
-        </p:txBody>
-      </p:sp>
-      <p:sp>
-        <p:nvSpPr>
-          <p:cNvPr id="3" name="Content Placeholder 2"/>
-          <p:cNvSpPr>
-            <a:spLocks noGrp="1"/>
-          </p:cNvSpPr>
-          <p:nvPr>
-            <p:ph sz="quarter" idx="1"/>
-          </p:nvPr>
-        </p:nvSpPr>
-        <p:spPr/>
-        <p:txBody>
-          <a:bodyPr>
-            <a:normAutofit/>
-          </a:bodyPr>
-          <a:lstStyle/>
-          <a:p>
-            <a:r>
-              <a:rPr lang="pt-BR" dirty="0" smtClean="0"/>
-              <a:t>Robótica – Introdução</a:t>
-            </a:r>
-          </a:p>
-          <a:p>
-            <a:pPr lvl="1"/>
-            <a:r>
-              <a:rPr lang="pt-BR" dirty="0" smtClean="0"/>
-              <a:t>Tipos de robôs</a:t>
-            </a:r>
-          </a:p>
-          <a:p>
-            <a:pPr lvl="1"/>
-            <a:r>
-              <a:rPr lang="pt-BR" dirty="0" smtClean="0"/>
-              <a:t>Robótica em Nuvem</a:t>
-            </a:r>
-            <a:endParaRPr lang="pt-BR" dirty="0" smtClean="0"/>
-          </a:p>
-          <a:p>
-            <a:r>
-              <a:rPr lang="pt-BR" dirty="0" smtClean="0"/>
-              <a:t>Semelhanças </a:t>
-            </a:r>
-            <a:r>
-              <a:rPr lang="pt-BR" dirty="0" smtClean="0"/>
-              <a:t>e convergência com IoT</a:t>
-            </a:r>
-          </a:p>
-          <a:p>
-            <a:r>
-              <a:rPr lang="pt-BR" dirty="0" smtClean="0"/>
-              <a:t>Aplicações em diferentes segmentos</a:t>
-            </a:r>
-          </a:p>
-          <a:p>
-            <a:pPr lvl="1"/>
-            <a:r>
-              <a:rPr lang="pt-BR" dirty="0" smtClean="0"/>
-              <a:t>Robôs Domésticos</a:t>
-            </a:r>
-          </a:p>
-          <a:p>
-            <a:pPr lvl="1"/>
-            <a:r>
-              <a:rPr lang="pt-BR" dirty="0" smtClean="0"/>
-              <a:t>Warehouses</a:t>
-            </a:r>
-          </a:p>
-          <a:p>
-            <a:pPr lvl="1"/>
-            <a:r>
-              <a:rPr lang="pt-BR" dirty="0" smtClean="0"/>
-              <a:t>Outros</a:t>
-            </a:r>
-            <a:endParaRPr lang="pt-BR" dirty="0"/>
-          </a:p>
-        </p:txBody>
-      </p:sp>
-    </p:spTree>
-    <p:extLst>
-      <p:ext uri="{BB962C8B-B14F-4D97-AF65-F5344CB8AC3E}">
-        <p14:creationId xmlns:p14="http://schemas.microsoft.com/office/powerpoint/2010/main" val="3593250634"/>
-      </p:ext>
-    </p:extLst>
-  </p:cSld>
-  <p:clrMapOvr>
-    <a:masterClrMapping/>
-  </p:clrMapOvr>
-</p:sld>
-</file>
-
-<file path=ppt/slides/slide3.xml><?xml version="1.0" encoding="utf-8"?>
-<p:sld xmlns:a="http://schemas.openxmlformats.org/drawingml/2006/main" xmlns:r="http://schemas.openxmlformats.org/officeDocument/2006/relationships" xmlns:p="http://schemas.openxmlformats.org/presentationml/2006/main">
-  <p:cSld>
-    <p:spTree>
-      <p:nvGrpSpPr>
-        <p:cNvPr id="1" name=""/>
-        <p:cNvGrpSpPr/>
-        <p:nvPr/>
-      </p:nvGrpSpPr>
-      <p:grpSpPr>
-        <a:xfrm>
-          <a:off x="0" y="0"/>
-          <a:ext cx="0" cy="0"/>
-          <a:chOff x="0" y="0"/>
-          <a:chExt cx="0" cy="0"/>
-        </a:xfrm>
-      </p:grpSpPr>
-      <p:sp>
-        <p:nvSpPr>
-          <p:cNvPr id="2" name="Title 1"/>
-          <p:cNvSpPr>
-            <a:spLocks noGrp="1"/>
-          </p:cNvSpPr>
-          <p:nvPr>
-            <p:ph type="title"/>
-          </p:nvPr>
-        </p:nvSpPr>
-        <p:spPr/>
-        <p:txBody>
-          <a:bodyPr/>
-          <a:lstStyle/>
-          <a:p>
-            <a:r>
-              <a:rPr lang="pt-BR" dirty="0" smtClean="0"/>
-              <a:t>Robótica</a:t>
-            </a:r>
-            <a:endParaRPr lang="pt-BR" dirty="0"/>
-          </a:p>
-        </p:txBody>
-      </p:sp>
-      <p:sp>
-        <p:nvSpPr>
-          <p:cNvPr id="3" name="Content Placeholder 2"/>
-          <p:cNvSpPr>
-            <a:spLocks noGrp="1"/>
-          </p:cNvSpPr>
-          <p:nvPr>
-            <p:ph sz="quarter" idx="1"/>
-          </p:nvPr>
-        </p:nvSpPr>
-        <p:spPr>
-          <a:xfrm>
-            <a:off x="457200" y="1219200"/>
-            <a:ext cx="8229600" cy="5162128"/>
-          </a:xfrm>
-        </p:spPr>
-        <p:txBody>
-          <a:bodyPr>
-            <a:normAutofit lnSpcReduction="10000"/>
-          </a:bodyPr>
-          <a:lstStyle/>
-          <a:p>
-            <a:r>
-              <a:rPr lang="pt-BR" dirty="0" smtClean="0"/>
-              <a:t>Robôs: Realizam tarefas para os seres humanos</a:t>
-            </a:r>
-          </a:p>
-          <a:p>
-            <a:pPr lvl="1"/>
-            <a:r>
-              <a:rPr lang="pt-BR" dirty="0" smtClean="0"/>
-              <a:t>Perigosas, repetitivas, distantes, ...</a:t>
-            </a:r>
-            <a:endParaRPr lang="pt-BR" dirty="0" smtClean="0"/>
-          </a:p>
-          <a:p>
-            <a:pPr lvl="1"/>
-            <a:r>
-              <a:rPr lang="pt-BR" dirty="0" smtClean="0"/>
-              <a:t>Operados de maneira autônoma ou </a:t>
-            </a:r>
-            <a:r>
-              <a:rPr lang="pt-BR" dirty="0" smtClean="0"/>
-              <a:t>semi-autônoma</a:t>
-            </a:r>
-          </a:p>
-          <a:p>
-            <a:pPr lvl="1"/>
-            <a:r>
-              <a:rPr lang="pt-BR" dirty="0" smtClean="0"/>
-              <a:t>Se comunicam com seres humanos ou outros robôs</a:t>
-            </a:r>
-          </a:p>
-          <a:p>
-            <a:pPr lvl="1"/>
-            <a:r>
-              <a:rPr lang="pt-BR" dirty="0" smtClean="0"/>
-              <a:t>Interagem com o ambiente por meio de sensores (sonar, </a:t>
-            </a:r>
-            <a:r>
-              <a:rPr lang="pt-BR" dirty="0"/>
-              <a:t>laser, </a:t>
-            </a:r>
-            <a:r>
-              <a:rPr lang="pt-BR" dirty="0" smtClean="0"/>
-              <a:t>infravermelho, </a:t>
-            </a:r>
-            <a:r>
-              <a:rPr lang="pt-BR" dirty="0" smtClean="0"/>
-              <a:t>câmeras, bumpers) e atuadores</a:t>
-            </a:r>
-            <a:endParaRPr lang="pt-BR" dirty="0" smtClean="0"/>
-          </a:p>
-          <a:p>
-            <a:r>
-              <a:rPr lang="pt-BR" dirty="0" smtClean="0"/>
-              <a:t>Principais Aplicações</a:t>
-            </a:r>
-          </a:p>
-          <a:p>
-            <a:pPr lvl="1"/>
-            <a:r>
-              <a:rPr lang="pt-BR" dirty="0" smtClean="0"/>
-              <a:t>Indústria</a:t>
-            </a:r>
-          </a:p>
-          <a:p>
-            <a:pPr lvl="1"/>
-            <a:r>
-              <a:rPr lang="pt-BR" dirty="0" smtClean="0"/>
-              <a:t>Tarefas Domésticas</a:t>
-            </a:r>
-          </a:p>
-          <a:p>
-            <a:pPr lvl="1"/>
-            <a:r>
-              <a:rPr lang="pt-BR" dirty="0" smtClean="0"/>
-              <a:t>Exploração</a:t>
-            </a:r>
-          </a:p>
-          <a:p>
-            <a:pPr lvl="1"/>
-            <a:r>
-              <a:rPr lang="pt-BR" dirty="0" smtClean="0"/>
-              <a:t>Missões em Ambientes Perigosos</a:t>
-            </a:r>
-          </a:p>
-          <a:p>
-            <a:pPr lvl="1"/>
-            <a:r>
-              <a:rPr lang="pt-BR" dirty="0" smtClean="0"/>
-              <a:t>Missões Espaciais</a:t>
-            </a:r>
-          </a:p>
-          <a:p>
-            <a:pPr lvl="1"/>
-            <a:r>
-              <a:rPr lang="pt-BR" dirty="0" smtClean="0"/>
-              <a:t>Fins Educacionais</a:t>
-            </a:r>
-          </a:p>
-        </p:txBody>
-      </p:sp>
-    </p:spTree>
-    <p:extLst>
-      <p:ext uri="{BB962C8B-B14F-4D97-AF65-F5344CB8AC3E}">
-        <p14:creationId xmlns:p14="http://schemas.microsoft.com/office/powerpoint/2010/main" val="156060572"/>
-      </p:ext>
-    </p:extLst>
-  </p:cSld>
-  <p:clrMapOvr>
-    <a:masterClrMapping/>
-  </p:clrMapOvr>
-</p:sld>
-</file>
-
-<file path=ppt/slides/slide4.xml><?xml version="1.0" encoding="utf-8"?>
-<p:sld xmlns:a="http://schemas.openxmlformats.org/drawingml/2006/main" xmlns:r="http://schemas.openxmlformats.org/officeDocument/2006/relationships" xmlns:p="http://schemas.openxmlformats.org/presentationml/2006/main">
-  <p:cSld>
-    <p:spTree>
-      <p:nvGrpSpPr>
-        <p:cNvPr id="1" name=""/>
-        <p:cNvGrpSpPr/>
-        <p:nvPr/>
-      </p:nvGrpSpPr>
-      <p:grpSpPr>
-        <a:xfrm>
-          <a:off x="0" y="0"/>
-          <a:ext cx="0" cy="0"/>
-          <a:chOff x="0" y="0"/>
-          <a:chExt cx="0" cy="0"/>
-        </a:xfrm>
-      </p:grpSpPr>
-      <p:sp>
-        <p:nvSpPr>
-          <p:cNvPr id="2" name="Title 1"/>
-          <p:cNvSpPr>
-            <a:spLocks noGrp="1"/>
-          </p:cNvSpPr>
-          <p:nvPr>
-            <p:ph type="title"/>
-          </p:nvPr>
-        </p:nvSpPr>
-        <p:spPr/>
-        <p:txBody>
-          <a:bodyPr/>
-          <a:lstStyle/>
-          <a:p>
-            <a:r>
-              <a:rPr lang="pt-BR" dirty="0" smtClean="0"/>
-              <a:t>Tipos de Robôs</a:t>
-            </a:r>
-            <a:endParaRPr lang="pt-BR" dirty="0"/>
-          </a:p>
-        </p:txBody>
-      </p:sp>
-      <p:sp>
-        <p:nvSpPr>
-          <p:cNvPr id="3" name="Content Placeholder 2"/>
-          <p:cNvSpPr>
-            <a:spLocks noGrp="1"/>
-          </p:cNvSpPr>
-          <p:nvPr>
-            <p:ph sz="quarter" idx="1"/>
-          </p:nvPr>
-        </p:nvSpPr>
-        <p:spPr/>
-        <p:txBody>
-          <a:bodyPr/>
-          <a:lstStyle/>
-          <a:p>
-            <a:r>
-              <a:rPr lang="pt-BR" dirty="0" smtClean="0"/>
-              <a:t>Robôs Móveis</a:t>
-            </a:r>
-          </a:p>
-          <a:p>
-            <a:pPr lvl="1"/>
-            <a:r>
-              <a:rPr lang="pt-BR" dirty="0" smtClean="0"/>
-              <a:t>Terrestres</a:t>
-            </a:r>
-          </a:p>
-          <a:p>
-            <a:pPr lvl="2"/>
-            <a:r>
-              <a:rPr lang="pt-BR" dirty="0" smtClean="0"/>
-              <a:t>Rodas ou esteiras</a:t>
-            </a:r>
-            <a:endParaRPr lang="pt-BR" dirty="0" smtClean="0"/>
-          </a:p>
-          <a:p>
-            <a:pPr lvl="2"/>
-            <a:r>
-              <a:rPr lang="pt-BR" dirty="0" smtClean="0"/>
-              <a:t>Pernas</a:t>
-            </a:r>
-          </a:p>
-          <a:p>
-            <a:pPr lvl="2"/>
-            <a:r>
-              <a:rPr lang="pt-BR" dirty="0" smtClean="0"/>
-              <a:t>Híbridos</a:t>
-            </a:r>
-            <a:endParaRPr lang="pt-BR" dirty="0" smtClean="0"/>
-          </a:p>
-          <a:p>
-            <a:pPr lvl="1"/>
-            <a:r>
-              <a:rPr lang="pt-BR" dirty="0" smtClean="0"/>
-              <a:t>Humanóides</a:t>
-            </a:r>
-          </a:p>
-          <a:p>
-            <a:pPr lvl="1"/>
-            <a:r>
-              <a:rPr lang="pt-BR" dirty="0" smtClean="0"/>
-              <a:t>Aéreos</a:t>
-            </a:r>
-          </a:p>
-          <a:p>
-            <a:pPr lvl="1"/>
-            <a:r>
-              <a:rPr lang="pt-BR" dirty="0" smtClean="0"/>
-              <a:t>Aquáticos</a:t>
-            </a:r>
-          </a:p>
-          <a:p>
-            <a:pPr lvl="1"/>
-            <a:r>
-              <a:rPr lang="pt-BR" dirty="0" smtClean="0"/>
-              <a:t>Modulares</a:t>
-            </a:r>
-          </a:p>
-          <a:p>
-            <a:pPr lvl="1"/>
-            <a:endParaRPr lang="pt-BR" dirty="0"/>
-          </a:p>
-        </p:txBody>
-      </p:sp>
-    </p:spTree>
-    <p:extLst>
-      <p:ext uri="{BB962C8B-B14F-4D97-AF65-F5344CB8AC3E}">
-        <p14:creationId xmlns:p14="http://schemas.microsoft.com/office/powerpoint/2010/main" val="2766568419"/>
-      </p:ext>
-    </p:extLst>
-  </p:cSld>
-  <p:clrMapOvr>
-    <a:masterClrMapping/>
-  </p:clrMapOvr>
-</p:sld>
-</file>
-
-<file path=ppt/slides/slide5.xml><?xml version="1.0" encoding="utf-8"?>
-<p:sld xmlns:a="http://schemas.openxmlformats.org/drawingml/2006/main" xmlns:r="http://schemas.openxmlformats.org/officeDocument/2006/relationships" xmlns:p="http://schemas.openxmlformats.org/presentationml/2006/main">
-  <p:cSld>
-    <p:spTree>
-      <p:nvGrpSpPr>
-        <p:cNvPr id="1" name=""/>
-        <p:cNvGrpSpPr/>
-        <p:nvPr/>
-      </p:nvGrpSpPr>
-      <p:grpSpPr>
-        <a:xfrm>
-          <a:off x="0" y="0"/>
-          <a:ext cx="0" cy="0"/>
-          <a:chOff x="0" y="0"/>
-          <a:chExt cx="0" cy="0"/>
-        </a:xfrm>
-      </p:grpSpPr>
-      <p:sp>
-        <p:nvSpPr>
-          <p:cNvPr id="2" name="Title 1"/>
-          <p:cNvSpPr>
-            <a:spLocks noGrp="1"/>
-          </p:cNvSpPr>
-          <p:nvPr>
-            <p:ph type="title"/>
-          </p:nvPr>
-        </p:nvSpPr>
-        <p:spPr/>
-        <p:txBody>
-          <a:bodyPr/>
-          <a:lstStyle/>
-          <a:p>
-            <a:r>
-              <a:rPr lang="pt-BR" dirty="0" smtClean="0"/>
-              <a:t>Tipos de Robôs</a:t>
+              <a:t>Mais de 30 mil robôs em seus depósitos</a:t>
+            </a:r>
+          </a:p>
+          <a:p>
+            <a:r>
+              <a:rPr lang="pt-BR" dirty="0" smtClean="0"/>
+              <a:t>Ambientes com sensores, produtos e pallets com tags RFID – auxiliam o robô na tarefa de localizar e transportar produtos</a:t>
+            </a:r>
+          </a:p>
+          <a:p>
+            <a:r>
+              <a:rPr lang="pt-BR" dirty="0" smtClean="0"/>
+              <a:t>Robô pode ser acionado assim que um pedido online é feito</a:t>
             </a:r>
             <a:endParaRPr lang="pt-BR" dirty="0"/>
           </a:p>
@@ -5444,7 +4948,7 @@
       </p:sp>
       <p:pic>
         <p:nvPicPr>
-          <p:cNvPr id="5" name="Picture 4" descr="https://i.ytimg.com/vi/4oSavAHf0dg/hqdefault.jpg"/>
+          <p:cNvPr id="4098" name="Picture 2"/>
           <p:cNvPicPr>
             <a:picLocks noChangeAspect="1" noChangeArrowheads="1"/>
           </p:cNvPicPr>
@@ -5465,369 +4969,8 @@
         </p:blipFill>
         <p:spPr bwMode="auto">
           <a:xfrm>
-            <a:off x="6156176" y="4232418"/>
-            <a:ext cx="2880318" cy="2160239"/>
-          </a:xfrm>
-          <a:prstGeom prst="rect">
-            <a:avLst/>
-          </a:prstGeom>
-          <a:noFill/>
-          <a:extLst>
-            <a:ext uri="{909E8E84-426E-40DD-AFC4-6F175D3DCCD1}">
-              <a14:hiddenFill xmlns:a14="http://schemas.microsoft.com/office/drawing/2010/main">
-                <a:solidFill>
-                  <a:srgbClr val="FFFFFF"/>
-                </a:solidFill>
-              </a14:hiddenFill>
-            </a:ext>
-          </a:extLst>
-        </p:spPr>
-      </p:pic>
-      <p:pic>
-        <p:nvPicPr>
-          <p:cNvPr id="6" name="Picture 6" descr="http://www.rutgersprep.org/kendall/7thgrade/cycleA_2008_09/zi/AQUAreading_pic.jpg"/>
-          <p:cNvPicPr>
-            <a:picLocks noChangeAspect="1" noChangeArrowheads="1"/>
-          </p:cNvPicPr>
-          <p:nvPr/>
-        </p:nvPicPr>
-        <p:blipFill>
-          <a:blip r:embed="rId3">
-            <a:extLst>
-              <a:ext uri="{28A0092B-C50C-407E-A947-70E740481C1C}">
-                <a14:useLocalDpi xmlns:a14="http://schemas.microsoft.com/office/drawing/2010/main" val="0"/>
-              </a:ext>
-            </a:extLst>
-          </a:blip>
-          <a:srcRect/>
-          <a:stretch>
-            <a:fillRect/>
-          </a:stretch>
-        </p:blipFill>
-        <p:spPr bwMode="auto">
-          <a:xfrm>
-            <a:off x="290629" y="4232418"/>
-            <a:ext cx="2865213" cy="2148910"/>
-          </a:xfrm>
-          <a:prstGeom prst="rect">
-            <a:avLst/>
-          </a:prstGeom>
-          <a:noFill/>
-          <a:extLst>
-            <a:ext uri="{909E8E84-426E-40DD-AFC4-6F175D3DCCD1}">
-              <a14:hiddenFill xmlns:a14="http://schemas.microsoft.com/office/drawing/2010/main">
-                <a:solidFill>
-                  <a:srgbClr val="FFFFFF"/>
-                </a:solidFill>
-              </a14:hiddenFill>
-            </a:ext>
-          </a:extLst>
-        </p:spPr>
-      </p:pic>
-      <p:pic>
-        <p:nvPicPr>
-          <p:cNvPr id="1026" name="Picture 2" descr="Resultado de imagem para humanoid robot"/>
-          <p:cNvPicPr>
-            <a:picLocks noChangeAspect="1" noChangeArrowheads="1"/>
-          </p:cNvPicPr>
-          <p:nvPr/>
-        </p:nvPicPr>
-        <p:blipFill>
-          <a:blip r:embed="rId4">
-            <a:extLst>
-              <a:ext uri="{28A0092B-C50C-407E-A947-70E740481C1C}">
-                <a14:useLocalDpi xmlns:a14="http://schemas.microsoft.com/office/drawing/2010/main" val="0"/>
-              </a:ext>
-            </a:extLst>
-          </a:blip>
-          <a:srcRect/>
-          <a:stretch>
-            <a:fillRect/>
-          </a:stretch>
-        </p:blipFill>
-        <p:spPr bwMode="auto">
-          <a:xfrm>
-            <a:off x="6142143" y="1196752"/>
-            <a:ext cx="2750337" cy="2750337"/>
-          </a:xfrm>
-          <a:prstGeom prst="rect">
-            <a:avLst/>
-          </a:prstGeom>
-          <a:noFill/>
-          <a:extLst>
-            <a:ext uri="{909E8E84-426E-40DD-AFC4-6F175D3DCCD1}">
-              <a14:hiddenFill xmlns:a14="http://schemas.microsoft.com/office/drawing/2010/main">
-                <a:solidFill>
-                  <a:srgbClr val="FFFFFF"/>
-                </a:solidFill>
-              </a14:hiddenFill>
-            </a:ext>
-          </a:extLst>
-        </p:spPr>
-      </p:pic>
-      <p:sp>
-        <p:nvSpPr>
-          <p:cNvPr id="7" name="AutoShape 4" descr="Resultado de imagem para flying robot"/>
-          <p:cNvSpPr>
-            <a:spLocks noChangeAspect="1" noChangeArrowheads="1"/>
-          </p:cNvSpPr>
-          <p:nvPr/>
-        </p:nvSpPr>
-        <p:spPr bwMode="auto">
-          <a:xfrm>
-            <a:off x="155575" y="-144463"/>
-            <a:ext cx="304800" cy="304801"/>
-          </a:xfrm>
-          <a:prstGeom prst="rect">
-            <a:avLst/>
-          </a:prstGeom>
-          <a:noFill/>
-          <a:extLst>
-            <a:ext uri="{909E8E84-426E-40DD-AFC4-6F175D3DCCD1}">
-              <a14:hiddenFill xmlns:a14="http://schemas.microsoft.com/office/drawing/2010/main">
-                <a:solidFill>
-                  <a:srgbClr val="FFFFFF"/>
-                </a:solidFill>
-              </a14:hiddenFill>
-            </a:ext>
-          </a:extLst>
-        </p:spPr>
-        <p:txBody>
-          <a:bodyPr vert="horz" wrap="square" lIns="91440" tIns="45720" rIns="91440" bIns="45720" numCol="1" anchor="t" anchorCtr="0" compatLnSpc="1">
-            <a:prstTxWarp prst="textNoShape">
-              <a:avLst/>
-            </a:prstTxWarp>
-          </a:bodyPr>
-          <a:lstStyle/>
-          <a:p>
-            <a:endParaRPr lang="pt-BR"/>
-          </a:p>
-        </p:txBody>
-      </p:sp>
-      <p:pic>
-        <p:nvPicPr>
-          <p:cNvPr id="1030" name="Picture 6" descr="Resultado de imagem para flying robot"/>
-          <p:cNvPicPr>
-            <a:picLocks noChangeAspect="1" noChangeArrowheads="1"/>
-          </p:cNvPicPr>
-          <p:nvPr/>
-        </p:nvPicPr>
-        <p:blipFill>
-          <a:blip r:embed="rId5">
-            <a:extLst>
-              <a:ext uri="{28A0092B-C50C-407E-A947-70E740481C1C}">
-                <a14:useLocalDpi xmlns:a14="http://schemas.microsoft.com/office/drawing/2010/main" val="0"/>
-              </a:ext>
-            </a:extLst>
-          </a:blip>
-          <a:srcRect/>
-          <a:stretch>
-            <a:fillRect/>
-          </a:stretch>
-        </p:blipFill>
-        <p:spPr bwMode="auto">
-          <a:xfrm>
-            <a:off x="3181350" y="1525886"/>
-            <a:ext cx="2932728" cy="1951598"/>
-          </a:xfrm>
-          <a:prstGeom prst="rect">
-            <a:avLst/>
-          </a:prstGeom>
-          <a:noFill/>
-          <a:extLst>
-            <a:ext uri="{909E8E84-426E-40DD-AFC4-6F175D3DCCD1}">
-              <a14:hiddenFill xmlns:a14="http://schemas.microsoft.com/office/drawing/2010/main">
-                <a:solidFill>
-                  <a:srgbClr val="FFFFFF"/>
-                </a:solidFill>
-              </a14:hiddenFill>
-            </a:ext>
-          </a:extLst>
-        </p:spPr>
-      </p:pic>
-      <p:pic>
-        <p:nvPicPr>
-          <p:cNvPr id="1032" name="Picture 8" descr="Resultado de imagem para extraterrestrial exploration robot"/>
-          <p:cNvPicPr>
-            <a:picLocks noChangeAspect="1" noChangeArrowheads="1"/>
-          </p:cNvPicPr>
-          <p:nvPr/>
-        </p:nvPicPr>
-        <p:blipFill>
-          <a:blip r:embed="rId6">
-            <a:extLst>
-              <a:ext uri="{28A0092B-C50C-407E-A947-70E740481C1C}">
-                <a14:useLocalDpi xmlns:a14="http://schemas.microsoft.com/office/drawing/2010/main" val="0"/>
-              </a:ext>
-            </a:extLst>
-          </a:blip>
-          <a:srcRect/>
-          <a:stretch>
-            <a:fillRect/>
-          </a:stretch>
-        </p:blipFill>
-        <p:spPr bwMode="auto">
-          <a:xfrm>
-            <a:off x="346544" y="1457891"/>
-            <a:ext cx="2809297" cy="2087588"/>
-          </a:xfrm>
-          <a:prstGeom prst="rect">
-            <a:avLst/>
-          </a:prstGeom>
-          <a:noFill/>
-          <a:extLst>
-            <a:ext uri="{909E8E84-426E-40DD-AFC4-6F175D3DCCD1}">
-              <a14:hiddenFill xmlns:a14="http://schemas.microsoft.com/office/drawing/2010/main">
-                <a:solidFill>
-                  <a:srgbClr val="FFFFFF"/>
-                </a:solidFill>
-              </a14:hiddenFill>
-            </a:ext>
-          </a:extLst>
-        </p:spPr>
-      </p:pic>
-      <p:sp>
-        <p:nvSpPr>
-          <p:cNvPr id="8" name="AutoShape 10" descr="Resultado de imagem para p3-dx"/>
-          <p:cNvSpPr>
-            <a:spLocks noChangeAspect="1" noChangeArrowheads="1"/>
-          </p:cNvSpPr>
-          <p:nvPr/>
-        </p:nvSpPr>
-        <p:spPr bwMode="auto">
-          <a:xfrm>
-            <a:off x="307975" y="7937"/>
-            <a:ext cx="304800" cy="304801"/>
-          </a:xfrm>
-          <a:prstGeom prst="rect">
-            <a:avLst/>
-          </a:prstGeom>
-          <a:noFill/>
-          <a:extLst>
-            <a:ext uri="{909E8E84-426E-40DD-AFC4-6F175D3DCCD1}">
-              <a14:hiddenFill xmlns:a14="http://schemas.microsoft.com/office/drawing/2010/main">
-                <a:solidFill>
-                  <a:srgbClr val="FFFFFF"/>
-                </a:solidFill>
-              </a14:hiddenFill>
-            </a:ext>
-          </a:extLst>
-        </p:spPr>
-        <p:txBody>
-          <a:bodyPr vert="horz" wrap="square" lIns="91440" tIns="45720" rIns="91440" bIns="45720" numCol="1" anchor="t" anchorCtr="0" compatLnSpc="1">
-            <a:prstTxWarp prst="textNoShape">
-              <a:avLst/>
-            </a:prstTxWarp>
-          </a:bodyPr>
-          <a:lstStyle/>
-          <a:p>
-            <a:endParaRPr lang="pt-BR"/>
-          </a:p>
-        </p:txBody>
-      </p:sp>
-      <p:sp>
-        <p:nvSpPr>
-          <p:cNvPr id="9" name="AutoShape 12" descr="Resultado de imagem para p3-dx"/>
-          <p:cNvSpPr>
-            <a:spLocks noChangeAspect="1" noChangeArrowheads="1"/>
-          </p:cNvSpPr>
-          <p:nvPr/>
-        </p:nvSpPr>
-        <p:spPr bwMode="auto">
-          <a:xfrm>
-            <a:off x="460375" y="160337"/>
-            <a:ext cx="304800" cy="304801"/>
-          </a:xfrm>
-          <a:prstGeom prst="rect">
-            <a:avLst/>
-          </a:prstGeom>
-          <a:noFill/>
-          <a:extLst>
-            <a:ext uri="{909E8E84-426E-40DD-AFC4-6F175D3DCCD1}">
-              <a14:hiddenFill xmlns:a14="http://schemas.microsoft.com/office/drawing/2010/main">
-                <a:solidFill>
-                  <a:srgbClr val="FFFFFF"/>
-                </a:solidFill>
-              </a14:hiddenFill>
-            </a:ext>
-          </a:extLst>
-        </p:spPr>
-        <p:txBody>
-          <a:bodyPr vert="horz" wrap="square" lIns="91440" tIns="45720" rIns="91440" bIns="45720" numCol="1" anchor="t" anchorCtr="0" compatLnSpc="1">
-            <a:prstTxWarp prst="textNoShape">
-              <a:avLst/>
-            </a:prstTxWarp>
-          </a:bodyPr>
-          <a:lstStyle/>
-          <a:p>
-            <a:endParaRPr lang="pt-BR"/>
-          </a:p>
-        </p:txBody>
-      </p:sp>
-      <p:sp>
-        <p:nvSpPr>
-          <p:cNvPr id="10" name="AutoShape 14" descr="Resultado de imagem para p3-dx"/>
-          <p:cNvSpPr>
-            <a:spLocks noChangeAspect="1" noChangeArrowheads="1"/>
-          </p:cNvSpPr>
-          <p:nvPr/>
-        </p:nvSpPr>
-        <p:spPr bwMode="auto">
-          <a:xfrm>
-            <a:off x="612775" y="312737"/>
-            <a:ext cx="304800" cy="304801"/>
-          </a:xfrm>
-          <a:prstGeom prst="rect">
-            <a:avLst/>
-          </a:prstGeom>
-          <a:noFill/>
-          <a:extLst>
-            <a:ext uri="{909E8E84-426E-40DD-AFC4-6F175D3DCCD1}">
-              <a14:hiddenFill xmlns:a14="http://schemas.microsoft.com/office/drawing/2010/main">
-                <a:solidFill>
-                  <a:srgbClr val="FFFFFF"/>
-                </a:solidFill>
-              </a14:hiddenFill>
-            </a:ext>
-          </a:extLst>
-        </p:spPr>
-        <p:txBody>
-          <a:bodyPr vert="horz" wrap="square" lIns="91440" tIns="45720" rIns="91440" bIns="45720" numCol="1" anchor="t" anchorCtr="0" compatLnSpc="1">
-            <a:prstTxWarp prst="textNoShape">
-              <a:avLst/>
-            </a:prstTxWarp>
-          </a:bodyPr>
-          <a:lstStyle/>
-          <a:p>
-            <a:endParaRPr lang="pt-BR"/>
-          </a:p>
-        </p:txBody>
-      </p:sp>
-      <p:pic>
-        <p:nvPicPr>
-          <p:cNvPr id="1039" name="Picture 15"/>
-          <p:cNvPicPr>
-            <a:picLocks noChangeAspect="1" noChangeArrowheads="1"/>
-          </p:cNvPicPr>
-          <p:nvPr/>
-        </p:nvPicPr>
-        <p:blipFill>
-          <a:blip r:embed="rId7">
-            <a:extLst>
-              <a:ext uri="{28A0092B-C50C-407E-A947-70E740481C1C}">
-                <a14:useLocalDpi xmlns:a14="http://schemas.microsoft.com/office/drawing/2010/main" val="0"/>
-              </a:ext>
-            </a:extLst>
-          </a:blip>
-          <a:srcRect/>
-          <a:stretch>
-            <a:fillRect/>
-          </a:stretch>
-        </p:blipFill>
-        <p:spPr bwMode="auto">
-          <a:xfrm>
-            <a:off x="3487117" y="3865848"/>
-            <a:ext cx="2480387" cy="2491460"/>
+            <a:off x="467544" y="4293096"/>
+            <a:ext cx="4002539" cy="2138164"/>
           </a:xfrm>
           <a:prstGeom prst="rect">
             <a:avLst/>
@@ -5870,6 +5013,1351 @@
     </p:spTree>
     <p:extLst>
       <p:ext uri="{BB962C8B-B14F-4D97-AF65-F5344CB8AC3E}">
+        <p14:creationId xmlns:p14="http://schemas.microsoft.com/office/powerpoint/2010/main" val="3511222835"/>
+      </p:ext>
+    </p:extLst>
+  </p:cSld>
+  <p:clrMapOvr>
+    <a:masterClrMapping/>
+  </p:clrMapOvr>
+</p:sld>
+</file>
+
+<file path=ppt/slides/slide16.xml><?xml version="1.0" encoding="utf-8"?>
+<p:sld xmlns:a="http://schemas.openxmlformats.org/drawingml/2006/main" xmlns:r="http://schemas.openxmlformats.org/officeDocument/2006/relationships" xmlns:p="http://schemas.openxmlformats.org/presentationml/2006/main">
+  <p:cSld>
+    <p:spTree>
+      <p:nvGrpSpPr>
+        <p:cNvPr id="1" name=""/>
+        <p:cNvGrpSpPr/>
+        <p:nvPr/>
+      </p:nvGrpSpPr>
+      <p:grpSpPr>
+        <a:xfrm>
+          <a:off x="0" y="0"/>
+          <a:ext cx="0" cy="0"/>
+          <a:chOff x="0" y="0"/>
+          <a:chExt cx="0" cy="0"/>
+        </a:xfrm>
+      </p:grpSpPr>
+      <p:sp>
+        <p:nvSpPr>
+          <p:cNvPr id="2" name="Title 1"/>
+          <p:cNvSpPr>
+            <a:spLocks noGrp="1"/>
+          </p:cNvSpPr>
+          <p:nvPr>
+            <p:ph type="title"/>
+          </p:nvPr>
+        </p:nvSpPr>
+        <p:spPr/>
+        <p:txBody>
+          <a:bodyPr/>
+          <a:lstStyle/>
+          <a:p>
+            <a:r>
+              <a:rPr lang="pt-BR" dirty="0" smtClean="0"/>
+              <a:t>Outros Setores</a:t>
+            </a:r>
+            <a:endParaRPr lang="pt-BR" dirty="0"/>
+          </a:p>
+        </p:txBody>
+      </p:sp>
+      <p:sp>
+        <p:nvSpPr>
+          <p:cNvPr id="3" name="Content Placeholder 2"/>
+          <p:cNvSpPr>
+            <a:spLocks noGrp="1"/>
+          </p:cNvSpPr>
+          <p:nvPr>
+            <p:ph sz="quarter" idx="1"/>
+          </p:nvPr>
+        </p:nvSpPr>
+        <p:spPr/>
+        <p:txBody>
+          <a:bodyPr>
+            <a:normAutofit lnSpcReduction="10000"/>
+          </a:bodyPr>
+          <a:lstStyle/>
+          <a:p>
+            <a:r>
+              <a:rPr lang="pt-BR" dirty="0" smtClean="0"/>
+              <a:t>Cidades Inteligentes</a:t>
+            </a:r>
+          </a:p>
+          <a:p>
+            <a:pPr lvl="1"/>
+            <a:r>
+              <a:rPr lang="pt-BR" dirty="0" smtClean="0"/>
+              <a:t>Coleta automática de lixo</a:t>
+            </a:r>
+          </a:p>
+          <a:p>
+            <a:pPr lvl="1"/>
+            <a:r>
+              <a:rPr lang="pt-BR" dirty="0" smtClean="0"/>
+              <a:t>Segurança e monitoramento com uso de drones</a:t>
+            </a:r>
+          </a:p>
+          <a:p>
+            <a:r>
+              <a:rPr lang="pt-BR" dirty="0" smtClean="0"/>
+              <a:t>Indústrias</a:t>
+            </a:r>
+          </a:p>
+          <a:p>
+            <a:pPr lvl="1"/>
+            <a:r>
+              <a:rPr lang="pt-BR" dirty="0" smtClean="0"/>
+              <a:t>Robôs já são lugar comum e </a:t>
+            </a:r>
+            <a:r>
+              <a:rPr lang="pt-BR" dirty="0" smtClean="0"/>
+              <a:t>vendas crescem a cada ano</a:t>
+            </a:r>
+          </a:p>
+          <a:p>
+            <a:pPr lvl="1"/>
+            <a:r>
+              <a:rPr lang="pt-BR" dirty="0"/>
+              <a:t>S</a:t>
+            </a:r>
+            <a:r>
+              <a:rPr lang="pt-BR" dirty="0" smtClean="0"/>
+              <a:t>erão </a:t>
+            </a:r>
+            <a:r>
+              <a:rPr lang="pt-BR" dirty="0" smtClean="0"/>
+              <a:t>integrados com IoT conforme for sendo implantada</a:t>
+            </a:r>
+          </a:p>
+          <a:p>
+            <a:pPr lvl="1"/>
+            <a:r>
+              <a:rPr lang="pt-BR" dirty="0"/>
+              <a:t>S</a:t>
+            </a:r>
+            <a:r>
+              <a:rPr lang="pt-BR" dirty="0" smtClean="0"/>
+              <a:t>e tornarão mais inteligentes</a:t>
+            </a:r>
+          </a:p>
+          <a:p>
+            <a:r>
+              <a:rPr lang="pt-BR" dirty="0" smtClean="0"/>
+              <a:t>Varejo</a:t>
+            </a:r>
+          </a:p>
+          <a:p>
+            <a:pPr lvl="1"/>
+            <a:r>
+              <a:rPr lang="pt-BR" dirty="0" smtClean="0"/>
+              <a:t>Atendentes/vendedores robóticos</a:t>
+            </a:r>
+          </a:p>
+          <a:p>
+            <a:pPr lvl="1"/>
+            <a:r>
+              <a:rPr lang="pt-BR" dirty="0" smtClean="0"/>
+              <a:t>Armazenar e buscar produtos – como em depósitos</a:t>
+            </a:r>
+          </a:p>
+          <a:p>
+            <a:r>
+              <a:rPr lang="pt-BR" dirty="0" smtClean="0"/>
+              <a:t>Automóveis</a:t>
+            </a:r>
+          </a:p>
+          <a:p>
+            <a:pPr lvl="1"/>
+            <a:r>
+              <a:rPr lang="pt-BR" dirty="0" smtClean="0"/>
+              <a:t>Carro autônomo </a:t>
+            </a:r>
+            <a:r>
+              <a:rPr lang="pt-BR" dirty="0" smtClean="0">
+                <a:sym typeface="Wingdings" pitchFamily="2" charset="2"/>
+              </a:rPr>
+              <a:t> Robô móvel</a:t>
+            </a:r>
+            <a:endParaRPr lang="pt-BR" dirty="0" smtClean="0"/>
+          </a:p>
+        </p:txBody>
+      </p:sp>
+    </p:spTree>
+    <p:extLst>
+      <p:ext uri="{BB962C8B-B14F-4D97-AF65-F5344CB8AC3E}">
+        <p14:creationId xmlns:p14="http://schemas.microsoft.com/office/powerpoint/2010/main" val="649753901"/>
+      </p:ext>
+    </p:extLst>
+  </p:cSld>
+  <p:clrMapOvr>
+    <a:masterClrMapping/>
+  </p:clrMapOvr>
+</p:sld>
+</file>
+
+<file path=ppt/slides/slide17.xml><?xml version="1.0" encoding="utf-8"?>
+<p:sld xmlns:a="http://schemas.openxmlformats.org/drawingml/2006/main" xmlns:r="http://schemas.openxmlformats.org/officeDocument/2006/relationships" xmlns:p="http://schemas.openxmlformats.org/presentationml/2006/main">
+  <p:cSld>
+    <p:spTree>
+      <p:nvGrpSpPr>
+        <p:cNvPr id="1" name=""/>
+        <p:cNvGrpSpPr/>
+        <p:nvPr/>
+      </p:nvGrpSpPr>
+      <p:grpSpPr>
+        <a:xfrm>
+          <a:off x="0" y="0"/>
+          <a:ext cx="0" cy="0"/>
+          <a:chOff x="0" y="0"/>
+          <a:chExt cx="0" cy="0"/>
+        </a:xfrm>
+      </p:grpSpPr>
+      <p:sp>
+        <p:nvSpPr>
+          <p:cNvPr id="2" name="Title 1"/>
+          <p:cNvSpPr>
+            <a:spLocks noGrp="1"/>
+          </p:cNvSpPr>
+          <p:nvPr>
+            <p:ph type="title"/>
+          </p:nvPr>
+        </p:nvSpPr>
+        <p:spPr/>
+        <p:txBody>
+          <a:bodyPr/>
+          <a:lstStyle/>
+          <a:p>
+            <a:r>
+              <a:rPr lang="pt-BR" dirty="0" smtClean="0"/>
+              <a:t>Conclusão</a:t>
+            </a:r>
+            <a:endParaRPr lang="pt-BR" dirty="0"/>
+          </a:p>
+        </p:txBody>
+      </p:sp>
+      <p:sp>
+        <p:nvSpPr>
+          <p:cNvPr id="3" name="Content Placeholder 2"/>
+          <p:cNvSpPr>
+            <a:spLocks noGrp="1"/>
+          </p:cNvSpPr>
+          <p:nvPr>
+            <p:ph sz="quarter" idx="1"/>
+          </p:nvPr>
+        </p:nvSpPr>
+        <p:spPr/>
+        <p:txBody>
+          <a:bodyPr/>
+          <a:lstStyle/>
+          <a:p>
+            <a:r>
+              <a:rPr lang="pt-BR" dirty="0" smtClean="0"/>
+              <a:t>Já existem muitas aplicações envolvendo robótica e IoT</a:t>
+            </a:r>
+          </a:p>
+          <a:p>
+            <a:r>
+              <a:rPr lang="pt-BR" dirty="0" smtClean="0"/>
+              <a:t>Torna possíveis robôs muito mais inteligentes</a:t>
+            </a:r>
+          </a:p>
+          <a:p>
+            <a:r>
+              <a:rPr lang="pt-BR" dirty="0" smtClean="0"/>
+              <a:t>Bastante interesse acadêmico e da indústria</a:t>
+            </a:r>
+          </a:p>
+          <a:p>
+            <a:r>
+              <a:rPr lang="pt-BR" dirty="0" smtClean="0"/>
+              <a:t>A tendência é que haja um crescimento muito grande</a:t>
+            </a:r>
+          </a:p>
+          <a:p>
+            <a:pPr lvl="1"/>
+            <a:r>
+              <a:rPr lang="pt-BR" dirty="0" smtClean="0"/>
+              <a:t>Conforme os custos de IoT caem</a:t>
+            </a:r>
+          </a:p>
+          <a:p>
+            <a:pPr lvl="1"/>
+            <a:r>
+              <a:rPr lang="pt-BR" dirty="0" smtClean="0"/>
+              <a:t>Com o amadurecimento da robótica</a:t>
+            </a:r>
+            <a:endParaRPr lang="pt-BR" dirty="0"/>
+          </a:p>
+        </p:txBody>
+      </p:sp>
+    </p:spTree>
+    <p:extLst>
+      <p:ext uri="{BB962C8B-B14F-4D97-AF65-F5344CB8AC3E}">
+        <p14:creationId xmlns:p14="http://schemas.microsoft.com/office/powerpoint/2010/main" val="3527821407"/>
+      </p:ext>
+    </p:extLst>
+  </p:cSld>
+  <p:clrMapOvr>
+    <a:masterClrMapping/>
+  </p:clrMapOvr>
+</p:sld>
+</file>
+
+<file path=ppt/slides/slide18.xml><?xml version="1.0" encoding="utf-8"?>
+<p:sld xmlns:a="http://schemas.openxmlformats.org/drawingml/2006/main" xmlns:r="http://schemas.openxmlformats.org/officeDocument/2006/relationships" xmlns:p="http://schemas.openxmlformats.org/presentationml/2006/main">
+  <p:cSld>
+    <p:spTree>
+      <p:nvGrpSpPr>
+        <p:cNvPr id="1" name=""/>
+        <p:cNvGrpSpPr/>
+        <p:nvPr/>
+      </p:nvGrpSpPr>
+      <p:grpSpPr>
+        <a:xfrm>
+          <a:off x="0" y="0"/>
+          <a:ext cx="0" cy="0"/>
+          <a:chOff x="0" y="0"/>
+          <a:chExt cx="0" cy="0"/>
+        </a:xfrm>
+      </p:grpSpPr>
+      <p:sp>
+        <p:nvSpPr>
+          <p:cNvPr id="2" name="Title 1"/>
+          <p:cNvSpPr>
+            <a:spLocks noGrp="1"/>
+          </p:cNvSpPr>
+          <p:nvPr>
+            <p:ph type="title"/>
+          </p:nvPr>
+        </p:nvSpPr>
+        <p:spPr/>
+        <p:txBody>
+          <a:bodyPr/>
+          <a:lstStyle/>
+          <a:p>
+            <a:r>
+              <a:rPr lang="pt-BR" dirty="0" smtClean="0"/>
+              <a:t>Dúvidas</a:t>
+            </a:r>
+            <a:endParaRPr lang="pt-BR" dirty="0"/>
+          </a:p>
+        </p:txBody>
+      </p:sp>
+      <p:sp>
+        <p:nvSpPr>
+          <p:cNvPr id="3" name="Content Placeholder 2"/>
+          <p:cNvSpPr>
+            <a:spLocks noGrp="1"/>
+          </p:cNvSpPr>
+          <p:nvPr>
+            <p:ph sz="quarter" idx="1"/>
+          </p:nvPr>
+        </p:nvSpPr>
+        <p:spPr/>
+        <p:txBody>
+          <a:bodyPr/>
+          <a:lstStyle/>
+          <a:p>
+            <a:endParaRPr lang="pt-BR"/>
+          </a:p>
+        </p:txBody>
+      </p:sp>
+    </p:spTree>
+    <p:extLst>
+      <p:ext uri="{BB962C8B-B14F-4D97-AF65-F5344CB8AC3E}">
+        <p14:creationId xmlns:p14="http://schemas.microsoft.com/office/powerpoint/2010/main" val="3602084392"/>
+      </p:ext>
+    </p:extLst>
+  </p:cSld>
+  <p:clrMapOvr>
+    <a:masterClrMapping/>
+  </p:clrMapOvr>
+</p:sld>
+</file>
+
+<file path=ppt/slides/slide19.xml><?xml version="1.0" encoding="utf-8"?>
+<p:sld xmlns:a="http://schemas.openxmlformats.org/drawingml/2006/main" xmlns:r="http://schemas.openxmlformats.org/officeDocument/2006/relationships" xmlns:p="http://schemas.openxmlformats.org/presentationml/2006/main">
+  <p:cSld>
+    <p:spTree>
+      <p:nvGrpSpPr>
+        <p:cNvPr id="1" name=""/>
+        <p:cNvGrpSpPr/>
+        <p:nvPr/>
+      </p:nvGrpSpPr>
+      <p:grpSpPr>
+        <a:xfrm>
+          <a:off x="0" y="0"/>
+          <a:ext cx="0" cy="0"/>
+          <a:chOff x="0" y="0"/>
+          <a:chExt cx="0" cy="0"/>
+        </a:xfrm>
+      </p:grpSpPr>
+      <p:sp>
+        <p:nvSpPr>
+          <p:cNvPr id="2" name="Title 1"/>
+          <p:cNvSpPr>
+            <a:spLocks noGrp="1"/>
+          </p:cNvSpPr>
+          <p:nvPr>
+            <p:ph type="title"/>
+          </p:nvPr>
+        </p:nvSpPr>
+        <p:spPr/>
+        <p:txBody>
+          <a:bodyPr/>
+          <a:lstStyle/>
+          <a:p>
+            <a:r>
+              <a:rPr lang="pt-BR" dirty="0" smtClean="0"/>
+              <a:t>Referências</a:t>
+            </a:r>
+            <a:endParaRPr lang="pt-BR" dirty="0"/>
+          </a:p>
+        </p:txBody>
+      </p:sp>
+      <p:sp>
+        <p:nvSpPr>
+          <p:cNvPr id="3" name="Content Placeholder 2"/>
+          <p:cNvSpPr>
+            <a:spLocks noGrp="1"/>
+          </p:cNvSpPr>
+          <p:nvPr>
+            <p:ph sz="quarter" idx="1"/>
+          </p:nvPr>
+        </p:nvSpPr>
+        <p:spPr/>
+        <p:txBody>
+          <a:bodyPr/>
+          <a:lstStyle/>
+          <a:p>
+            <a:r>
+              <a:rPr lang="pt-BR" dirty="0">
+                <a:hlinkClick r:id="rId2"/>
+              </a:rPr>
+              <a:t>http://</a:t>
+            </a:r>
+            <a:r>
+              <a:rPr lang="pt-BR" dirty="0" smtClean="0">
+                <a:hlinkClick r:id="rId2"/>
+              </a:rPr>
+              <a:t>cacm.acm.org/news/205836-the-beginning-of-the-internet-of-robot-things/fulltext</a:t>
+            </a:r>
+            <a:endParaRPr lang="pt-BR" dirty="0" smtClean="0"/>
+          </a:p>
+          <a:p>
+            <a:endParaRPr lang="pt-BR" dirty="0"/>
+          </a:p>
+        </p:txBody>
+      </p:sp>
+    </p:spTree>
+    <p:extLst>
+      <p:ext uri="{BB962C8B-B14F-4D97-AF65-F5344CB8AC3E}">
+        <p14:creationId xmlns:p14="http://schemas.microsoft.com/office/powerpoint/2010/main" val="964487792"/>
+      </p:ext>
+    </p:extLst>
+  </p:cSld>
+  <p:clrMapOvr>
+    <a:masterClrMapping/>
+  </p:clrMapOvr>
+</p:sld>
+</file>
+
+<file path=ppt/slides/slide2.xml><?xml version="1.0" encoding="utf-8"?>
+<p:sld xmlns:a="http://schemas.openxmlformats.org/drawingml/2006/main" xmlns:r="http://schemas.openxmlformats.org/officeDocument/2006/relationships" xmlns:p="http://schemas.openxmlformats.org/presentationml/2006/main">
+  <p:cSld>
+    <p:spTree>
+      <p:nvGrpSpPr>
+        <p:cNvPr id="1" name=""/>
+        <p:cNvGrpSpPr/>
+        <p:nvPr/>
+      </p:nvGrpSpPr>
+      <p:grpSpPr>
+        <a:xfrm>
+          <a:off x="0" y="0"/>
+          <a:ext cx="0" cy="0"/>
+          <a:chOff x="0" y="0"/>
+          <a:chExt cx="0" cy="0"/>
+        </a:xfrm>
+      </p:grpSpPr>
+      <p:sp>
+        <p:nvSpPr>
+          <p:cNvPr id="2" name="Title 1"/>
+          <p:cNvSpPr>
+            <a:spLocks noGrp="1"/>
+          </p:cNvSpPr>
+          <p:nvPr>
+            <p:ph type="title"/>
+          </p:nvPr>
+        </p:nvSpPr>
+        <p:spPr/>
+        <p:txBody>
+          <a:bodyPr/>
+          <a:lstStyle/>
+          <a:p>
+            <a:r>
+              <a:rPr lang="pt-BR" dirty="0" smtClean="0"/>
+              <a:t>Agenda</a:t>
+            </a:r>
+            <a:endParaRPr lang="pt-BR" dirty="0"/>
+          </a:p>
+        </p:txBody>
+      </p:sp>
+      <p:sp>
+        <p:nvSpPr>
+          <p:cNvPr id="3" name="Content Placeholder 2"/>
+          <p:cNvSpPr>
+            <a:spLocks noGrp="1"/>
+          </p:cNvSpPr>
+          <p:nvPr>
+            <p:ph sz="quarter" idx="1"/>
+          </p:nvPr>
+        </p:nvSpPr>
+        <p:spPr/>
+        <p:txBody>
+          <a:bodyPr>
+            <a:normAutofit/>
+          </a:bodyPr>
+          <a:lstStyle/>
+          <a:p>
+            <a:r>
+              <a:rPr lang="pt-BR" dirty="0" smtClean="0"/>
+              <a:t>Robótica – Introdução</a:t>
+            </a:r>
+          </a:p>
+          <a:p>
+            <a:pPr lvl="1"/>
+            <a:r>
+              <a:rPr lang="pt-BR" dirty="0" smtClean="0"/>
+              <a:t>Tipos de robôs</a:t>
+            </a:r>
+          </a:p>
+          <a:p>
+            <a:pPr lvl="1"/>
+            <a:r>
+              <a:rPr lang="pt-BR" dirty="0" smtClean="0"/>
+              <a:t>Robótica em Nuvem</a:t>
+            </a:r>
+          </a:p>
+          <a:p>
+            <a:r>
+              <a:rPr lang="pt-BR" dirty="0" smtClean="0"/>
+              <a:t>Semelhanças e convergência com IoT</a:t>
+            </a:r>
+          </a:p>
+          <a:p>
+            <a:r>
+              <a:rPr lang="pt-BR" dirty="0" smtClean="0"/>
+              <a:t>Aplicações em diferentes segmentos</a:t>
+            </a:r>
+          </a:p>
+          <a:p>
+            <a:pPr lvl="1"/>
+            <a:r>
+              <a:rPr lang="pt-BR" dirty="0" smtClean="0"/>
+              <a:t>Robôs Domésticos</a:t>
+            </a:r>
+          </a:p>
+          <a:p>
+            <a:pPr lvl="1"/>
+            <a:r>
+              <a:rPr lang="pt-BR" dirty="0" smtClean="0"/>
+              <a:t>Warehouses</a:t>
+            </a:r>
+          </a:p>
+          <a:p>
+            <a:pPr lvl="1"/>
+            <a:r>
+              <a:rPr lang="pt-BR" dirty="0" smtClean="0"/>
+              <a:t>Outros</a:t>
+            </a:r>
+            <a:endParaRPr lang="pt-BR" dirty="0"/>
+          </a:p>
+        </p:txBody>
+      </p:sp>
+    </p:spTree>
+    <p:extLst>
+      <p:ext uri="{BB962C8B-B14F-4D97-AF65-F5344CB8AC3E}">
+        <p14:creationId xmlns:p14="http://schemas.microsoft.com/office/powerpoint/2010/main" val="3593250634"/>
+      </p:ext>
+    </p:extLst>
+  </p:cSld>
+  <p:clrMapOvr>
+    <a:masterClrMapping/>
+  </p:clrMapOvr>
+</p:sld>
+</file>
+
+<file path=ppt/slides/slide3.xml><?xml version="1.0" encoding="utf-8"?>
+<p:sld xmlns:a="http://schemas.openxmlformats.org/drawingml/2006/main" xmlns:r="http://schemas.openxmlformats.org/officeDocument/2006/relationships" xmlns:p="http://schemas.openxmlformats.org/presentationml/2006/main">
+  <p:cSld>
+    <p:spTree>
+      <p:nvGrpSpPr>
+        <p:cNvPr id="1" name=""/>
+        <p:cNvGrpSpPr/>
+        <p:nvPr/>
+      </p:nvGrpSpPr>
+      <p:grpSpPr>
+        <a:xfrm>
+          <a:off x="0" y="0"/>
+          <a:ext cx="0" cy="0"/>
+          <a:chOff x="0" y="0"/>
+          <a:chExt cx="0" cy="0"/>
+        </a:xfrm>
+      </p:grpSpPr>
+      <p:sp>
+        <p:nvSpPr>
+          <p:cNvPr id="2" name="Title 1"/>
+          <p:cNvSpPr>
+            <a:spLocks noGrp="1"/>
+          </p:cNvSpPr>
+          <p:nvPr>
+            <p:ph type="title"/>
+          </p:nvPr>
+        </p:nvSpPr>
+        <p:spPr/>
+        <p:txBody>
+          <a:bodyPr/>
+          <a:lstStyle/>
+          <a:p>
+            <a:r>
+              <a:rPr lang="pt-BR" dirty="0" smtClean="0"/>
+              <a:t>Robótica</a:t>
+            </a:r>
+            <a:endParaRPr lang="pt-BR" dirty="0"/>
+          </a:p>
+        </p:txBody>
+      </p:sp>
+      <p:sp>
+        <p:nvSpPr>
+          <p:cNvPr id="3" name="Content Placeholder 2"/>
+          <p:cNvSpPr>
+            <a:spLocks noGrp="1"/>
+          </p:cNvSpPr>
+          <p:nvPr>
+            <p:ph sz="quarter" idx="1"/>
+          </p:nvPr>
+        </p:nvSpPr>
+        <p:spPr>
+          <a:xfrm>
+            <a:off x="457200" y="1219200"/>
+            <a:ext cx="8229600" cy="5162128"/>
+          </a:xfrm>
+        </p:spPr>
+        <p:txBody>
+          <a:bodyPr>
+            <a:normAutofit lnSpcReduction="10000"/>
+          </a:bodyPr>
+          <a:lstStyle/>
+          <a:p>
+            <a:r>
+              <a:rPr lang="pt-BR" dirty="0" smtClean="0"/>
+              <a:t>Robôs: Realizam tarefas para os seres humanos</a:t>
+            </a:r>
+          </a:p>
+          <a:p>
+            <a:pPr lvl="1"/>
+            <a:r>
+              <a:rPr lang="pt-BR" dirty="0" smtClean="0"/>
+              <a:t>Perigosas, repetitivas, distantes, ...</a:t>
+            </a:r>
+          </a:p>
+          <a:p>
+            <a:pPr lvl="1"/>
+            <a:r>
+              <a:rPr lang="pt-BR" dirty="0" smtClean="0"/>
+              <a:t>Operados de maneira autônoma ou semi-autônoma</a:t>
+            </a:r>
+          </a:p>
+          <a:p>
+            <a:pPr lvl="1"/>
+            <a:r>
+              <a:rPr lang="pt-BR" dirty="0" smtClean="0"/>
+              <a:t>Se comunicam com seres humanos ou outros robôs</a:t>
+            </a:r>
+          </a:p>
+          <a:p>
+            <a:pPr lvl="1"/>
+            <a:r>
+              <a:rPr lang="pt-BR" dirty="0" smtClean="0"/>
+              <a:t>Interagem com o ambiente por meio de sensores (sonar, </a:t>
+            </a:r>
+            <a:r>
+              <a:rPr lang="pt-BR" dirty="0"/>
+              <a:t>laser, </a:t>
+            </a:r>
+            <a:r>
+              <a:rPr lang="pt-BR" dirty="0" smtClean="0"/>
+              <a:t>infravermelho, câmeras, bumpers) e atuadores</a:t>
+            </a:r>
+          </a:p>
+          <a:p>
+            <a:r>
+              <a:rPr lang="pt-BR" dirty="0" smtClean="0"/>
+              <a:t>Principais Aplicações</a:t>
+            </a:r>
+          </a:p>
+          <a:p>
+            <a:pPr lvl="1"/>
+            <a:r>
+              <a:rPr lang="pt-BR" dirty="0" smtClean="0"/>
+              <a:t>Indústria</a:t>
+            </a:r>
+          </a:p>
+          <a:p>
+            <a:pPr lvl="1"/>
+            <a:r>
+              <a:rPr lang="pt-BR" dirty="0" smtClean="0"/>
+              <a:t>Tarefas Domésticas</a:t>
+            </a:r>
+          </a:p>
+          <a:p>
+            <a:pPr lvl="1"/>
+            <a:r>
+              <a:rPr lang="pt-BR" dirty="0" smtClean="0"/>
+              <a:t>Exploração</a:t>
+            </a:r>
+          </a:p>
+          <a:p>
+            <a:pPr lvl="1"/>
+            <a:r>
+              <a:rPr lang="pt-BR" dirty="0" smtClean="0"/>
+              <a:t>Missões em Ambientes Perigosos</a:t>
+            </a:r>
+          </a:p>
+          <a:p>
+            <a:pPr lvl="1"/>
+            <a:r>
+              <a:rPr lang="pt-BR" dirty="0" smtClean="0"/>
+              <a:t>Missões Espaciais</a:t>
+            </a:r>
+          </a:p>
+          <a:p>
+            <a:pPr lvl="1"/>
+            <a:r>
+              <a:rPr lang="pt-BR" dirty="0" smtClean="0"/>
+              <a:t>Fins Educacionais</a:t>
+            </a:r>
+          </a:p>
+        </p:txBody>
+      </p:sp>
+    </p:spTree>
+    <p:extLst>
+      <p:ext uri="{BB962C8B-B14F-4D97-AF65-F5344CB8AC3E}">
+        <p14:creationId xmlns:p14="http://schemas.microsoft.com/office/powerpoint/2010/main" val="156060572"/>
+      </p:ext>
+    </p:extLst>
+  </p:cSld>
+  <p:clrMapOvr>
+    <a:masterClrMapping/>
+  </p:clrMapOvr>
+</p:sld>
+</file>
+
+<file path=ppt/slides/slide4.xml><?xml version="1.0" encoding="utf-8"?>
+<p:sld xmlns:a="http://schemas.openxmlformats.org/drawingml/2006/main" xmlns:r="http://schemas.openxmlformats.org/officeDocument/2006/relationships" xmlns:p="http://schemas.openxmlformats.org/presentationml/2006/main">
+  <p:cSld>
+    <p:spTree>
+      <p:nvGrpSpPr>
+        <p:cNvPr id="1" name=""/>
+        <p:cNvGrpSpPr/>
+        <p:nvPr/>
+      </p:nvGrpSpPr>
+      <p:grpSpPr>
+        <a:xfrm>
+          <a:off x="0" y="0"/>
+          <a:ext cx="0" cy="0"/>
+          <a:chOff x="0" y="0"/>
+          <a:chExt cx="0" cy="0"/>
+        </a:xfrm>
+      </p:grpSpPr>
+      <p:sp>
+        <p:nvSpPr>
+          <p:cNvPr id="2" name="Title 1"/>
+          <p:cNvSpPr>
+            <a:spLocks noGrp="1"/>
+          </p:cNvSpPr>
+          <p:nvPr>
+            <p:ph type="title"/>
+          </p:nvPr>
+        </p:nvSpPr>
+        <p:spPr/>
+        <p:txBody>
+          <a:bodyPr/>
+          <a:lstStyle/>
+          <a:p>
+            <a:r>
+              <a:rPr lang="pt-BR" dirty="0" smtClean="0"/>
+              <a:t>Tipos de Robôs</a:t>
+            </a:r>
+            <a:endParaRPr lang="pt-BR" dirty="0"/>
+          </a:p>
+        </p:txBody>
+      </p:sp>
+      <p:sp>
+        <p:nvSpPr>
+          <p:cNvPr id="3" name="Content Placeholder 2"/>
+          <p:cNvSpPr>
+            <a:spLocks noGrp="1"/>
+          </p:cNvSpPr>
+          <p:nvPr>
+            <p:ph sz="quarter" idx="1"/>
+          </p:nvPr>
+        </p:nvSpPr>
+        <p:spPr/>
+        <p:txBody>
+          <a:bodyPr/>
+          <a:lstStyle/>
+          <a:p>
+            <a:r>
+              <a:rPr lang="pt-BR" dirty="0" smtClean="0"/>
+              <a:t>Robôs Móveis</a:t>
+            </a:r>
+          </a:p>
+          <a:p>
+            <a:pPr lvl="1"/>
+            <a:r>
+              <a:rPr lang="pt-BR" dirty="0" smtClean="0"/>
+              <a:t>Terrestres</a:t>
+            </a:r>
+          </a:p>
+          <a:p>
+            <a:pPr lvl="2"/>
+            <a:r>
+              <a:rPr lang="pt-BR" dirty="0" smtClean="0"/>
+              <a:t>Rodas ou esteiras</a:t>
+            </a:r>
+          </a:p>
+          <a:p>
+            <a:pPr lvl="2"/>
+            <a:r>
+              <a:rPr lang="pt-BR" dirty="0" smtClean="0"/>
+              <a:t>Pernas</a:t>
+            </a:r>
+          </a:p>
+          <a:p>
+            <a:pPr lvl="2"/>
+            <a:r>
+              <a:rPr lang="pt-BR" dirty="0" smtClean="0"/>
+              <a:t>Híbridos</a:t>
+            </a:r>
+          </a:p>
+          <a:p>
+            <a:pPr lvl="1"/>
+            <a:r>
+              <a:rPr lang="pt-BR" dirty="0" smtClean="0"/>
+              <a:t>Humanóides</a:t>
+            </a:r>
+          </a:p>
+          <a:p>
+            <a:pPr lvl="1"/>
+            <a:r>
+              <a:rPr lang="pt-BR" dirty="0" smtClean="0"/>
+              <a:t>Aéreos</a:t>
+            </a:r>
+          </a:p>
+          <a:p>
+            <a:pPr lvl="1"/>
+            <a:r>
+              <a:rPr lang="pt-BR" dirty="0" smtClean="0"/>
+              <a:t>Aquáticos</a:t>
+            </a:r>
+          </a:p>
+          <a:p>
+            <a:pPr lvl="1"/>
+            <a:r>
+              <a:rPr lang="pt-BR" dirty="0" smtClean="0"/>
+              <a:t>Modulares</a:t>
+            </a:r>
+          </a:p>
+          <a:p>
+            <a:pPr lvl="1"/>
+            <a:endParaRPr lang="pt-BR" dirty="0"/>
+          </a:p>
+        </p:txBody>
+      </p:sp>
+    </p:spTree>
+    <p:extLst>
+      <p:ext uri="{BB962C8B-B14F-4D97-AF65-F5344CB8AC3E}">
+        <p14:creationId xmlns:p14="http://schemas.microsoft.com/office/powerpoint/2010/main" val="2766568419"/>
+      </p:ext>
+    </p:extLst>
+  </p:cSld>
+  <p:clrMapOvr>
+    <a:masterClrMapping/>
+  </p:clrMapOvr>
+</p:sld>
+</file>
+
+<file path=ppt/slides/slide5.xml><?xml version="1.0" encoding="utf-8"?>
+<p:sld xmlns:a="http://schemas.openxmlformats.org/drawingml/2006/main" xmlns:r="http://schemas.openxmlformats.org/officeDocument/2006/relationships" xmlns:p="http://schemas.openxmlformats.org/presentationml/2006/main">
+  <p:cSld>
+    <p:spTree>
+      <p:nvGrpSpPr>
+        <p:cNvPr id="1" name=""/>
+        <p:cNvGrpSpPr/>
+        <p:nvPr/>
+      </p:nvGrpSpPr>
+      <p:grpSpPr>
+        <a:xfrm>
+          <a:off x="0" y="0"/>
+          <a:ext cx="0" cy="0"/>
+          <a:chOff x="0" y="0"/>
+          <a:chExt cx="0" cy="0"/>
+        </a:xfrm>
+      </p:grpSpPr>
+      <p:sp>
+        <p:nvSpPr>
+          <p:cNvPr id="2" name="Title 1"/>
+          <p:cNvSpPr>
+            <a:spLocks noGrp="1"/>
+          </p:cNvSpPr>
+          <p:nvPr>
+            <p:ph type="title"/>
+          </p:nvPr>
+        </p:nvSpPr>
+        <p:spPr/>
+        <p:txBody>
+          <a:bodyPr/>
+          <a:lstStyle/>
+          <a:p>
+            <a:r>
+              <a:rPr lang="pt-BR" dirty="0" smtClean="0"/>
+              <a:t>Tipos de Robôs</a:t>
+            </a:r>
+            <a:endParaRPr lang="pt-BR" dirty="0"/>
+          </a:p>
+        </p:txBody>
+      </p:sp>
+      <p:pic>
+        <p:nvPicPr>
+          <p:cNvPr id="5" name="Picture 4" descr="https://i.ytimg.com/vi/4oSavAHf0dg/hqdefault.jpg"/>
+          <p:cNvPicPr>
+            <a:picLocks noChangeAspect="1" noChangeArrowheads="1"/>
+          </p:cNvPicPr>
+          <p:nvPr/>
+        </p:nvPicPr>
+        <p:blipFill>
+          <a:blip r:embed="rId2">
+            <a:extLst>
+              <a:ext uri="{28A0092B-C50C-407E-A947-70E740481C1C}">
+                <a14:useLocalDpi xmlns:a14="http://schemas.microsoft.com/office/drawing/2010/main" val="0"/>
+              </a:ext>
+            </a:extLst>
+          </a:blip>
+          <a:srcRect/>
+          <a:stretch>
+            <a:fillRect/>
+          </a:stretch>
+        </p:blipFill>
+        <p:spPr bwMode="auto">
+          <a:xfrm>
+            <a:off x="6156176" y="4232418"/>
+            <a:ext cx="2880318" cy="2160239"/>
+          </a:xfrm>
+          <a:prstGeom prst="rect">
+            <a:avLst/>
+          </a:prstGeom>
+          <a:noFill/>
+          <a:extLst>
+            <a:ext uri="{909E8E84-426E-40DD-AFC4-6F175D3DCCD1}">
+              <a14:hiddenFill xmlns:a14="http://schemas.microsoft.com/office/drawing/2010/main">
+                <a:solidFill>
+                  <a:srgbClr val="FFFFFF"/>
+                </a:solidFill>
+              </a14:hiddenFill>
+            </a:ext>
+          </a:extLst>
+        </p:spPr>
+      </p:pic>
+      <p:pic>
+        <p:nvPicPr>
+          <p:cNvPr id="6" name="Picture 6" descr="http://www.rutgersprep.org/kendall/7thgrade/cycleA_2008_09/zi/AQUAreading_pic.jpg"/>
+          <p:cNvPicPr>
+            <a:picLocks noChangeAspect="1" noChangeArrowheads="1"/>
+          </p:cNvPicPr>
+          <p:nvPr/>
+        </p:nvPicPr>
+        <p:blipFill>
+          <a:blip r:embed="rId3">
+            <a:extLst>
+              <a:ext uri="{28A0092B-C50C-407E-A947-70E740481C1C}">
+                <a14:useLocalDpi xmlns:a14="http://schemas.microsoft.com/office/drawing/2010/main" val="0"/>
+              </a:ext>
+            </a:extLst>
+          </a:blip>
+          <a:srcRect/>
+          <a:stretch>
+            <a:fillRect/>
+          </a:stretch>
+        </p:blipFill>
+        <p:spPr bwMode="auto">
+          <a:xfrm>
+            <a:off x="290629" y="4232418"/>
+            <a:ext cx="2865213" cy="2148910"/>
+          </a:xfrm>
+          <a:prstGeom prst="rect">
+            <a:avLst/>
+          </a:prstGeom>
+          <a:noFill/>
+          <a:extLst>
+            <a:ext uri="{909E8E84-426E-40DD-AFC4-6F175D3DCCD1}">
+              <a14:hiddenFill xmlns:a14="http://schemas.microsoft.com/office/drawing/2010/main">
+                <a:solidFill>
+                  <a:srgbClr val="FFFFFF"/>
+                </a:solidFill>
+              </a14:hiddenFill>
+            </a:ext>
+          </a:extLst>
+        </p:spPr>
+      </p:pic>
+      <p:pic>
+        <p:nvPicPr>
+          <p:cNvPr id="1026" name="Picture 2" descr="Resultado de imagem para humanoid robot"/>
+          <p:cNvPicPr>
+            <a:picLocks noChangeAspect="1" noChangeArrowheads="1"/>
+          </p:cNvPicPr>
+          <p:nvPr/>
+        </p:nvPicPr>
+        <p:blipFill>
+          <a:blip r:embed="rId4">
+            <a:extLst>
+              <a:ext uri="{28A0092B-C50C-407E-A947-70E740481C1C}">
+                <a14:useLocalDpi xmlns:a14="http://schemas.microsoft.com/office/drawing/2010/main" val="0"/>
+              </a:ext>
+            </a:extLst>
+          </a:blip>
+          <a:srcRect/>
+          <a:stretch>
+            <a:fillRect/>
+          </a:stretch>
+        </p:blipFill>
+        <p:spPr bwMode="auto">
+          <a:xfrm>
+            <a:off x="6142143" y="1196752"/>
+            <a:ext cx="2750337" cy="2750337"/>
+          </a:xfrm>
+          <a:prstGeom prst="rect">
+            <a:avLst/>
+          </a:prstGeom>
+          <a:noFill/>
+          <a:extLst>
+            <a:ext uri="{909E8E84-426E-40DD-AFC4-6F175D3DCCD1}">
+              <a14:hiddenFill xmlns:a14="http://schemas.microsoft.com/office/drawing/2010/main">
+                <a:solidFill>
+                  <a:srgbClr val="FFFFFF"/>
+                </a:solidFill>
+              </a14:hiddenFill>
+            </a:ext>
+          </a:extLst>
+        </p:spPr>
+      </p:pic>
+      <p:sp>
+        <p:nvSpPr>
+          <p:cNvPr id="7" name="AutoShape 4" descr="Resultado de imagem para flying robot"/>
+          <p:cNvSpPr>
+            <a:spLocks noChangeAspect="1" noChangeArrowheads="1"/>
+          </p:cNvSpPr>
+          <p:nvPr/>
+        </p:nvSpPr>
+        <p:spPr bwMode="auto">
+          <a:xfrm>
+            <a:off x="155575" y="-144463"/>
+            <a:ext cx="304800" cy="304801"/>
+          </a:xfrm>
+          <a:prstGeom prst="rect">
+            <a:avLst/>
+          </a:prstGeom>
+          <a:noFill/>
+          <a:extLst>
+            <a:ext uri="{909E8E84-426E-40DD-AFC4-6F175D3DCCD1}">
+              <a14:hiddenFill xmlns:a14="http://schemas.microsoft.com/office/drawing/2010/main">
+                <a:solidFill>
+                  <a:srgbClr val="FFFFFF"/>
+                </a:solidFill>
+              </a14:hiddenFill>
+            </a:ext>
+          </a:extLst>
+        </p:spPr>
+        <p:txBody>
+          <a:bodyPr vert="horz" wrap="square" lIns="91440" tIns="45720" rIns="91440" bIns="45720" numCol="1" anchor="t" anchorCtr="0" compatLnSpc="1">
+            <a:prstTxWarp prst="textNoShape">
+              <a:avLst/>
+            </a:prstTxWarp>
+          </a:bodyPr>
+          <a:lstStyle/>
+          <a:p>
+            <a:endParaRPr lang="pt-BR"/>
+          </a:p>
+        </p:txBody>
+      </p:sp>
+      <p:pic>
+        <p:nvPicPr>
+          <p:cNvPr id="1030" name="Picture 6" descr="Resultado de imagem para flying robot"/>
+          <p:cNvPicPr>
+            <a:picLocks noChangeAspect="1" noChangeArrowheads="1"/>
+          </p:cNvPicPr>
+          <p:nvPr/>
+        </p:nvPicPr>
+        <p:blipFill>
+          <a:blip r:embed="rId5">
+            <a:extLst>
+              <a:ext uri="{28A0092B-C50C-407E-A947-70E740481C1C}">
+                <a14:useLocalDpi xmlns:a14="http://schemas.microsoft.com/office/drawing/2010/main" val="0"/>
+              </a:ext>
+            </a:extLst>
+          </a:blip>
+          <a:srcRect/>
+          <a:stretch>
+            <a:fillRect/>
+          </a:stretch>
+        </p:blipFill>
+        <p:spPr bwMode="auto">
+          <a:xfrm>
+            <a:off x="3181350" y="1525886"/>
+            <a:ext cx="2932728" cy="1951598"/>
+          </a:xfrm>
+          <a:prstGeom prst="rect">
+            <a:avLst/>
+          </a:prstGeom>
+          <a:noFill/>
+          <a:extLst>
+            <a:ext uri="{909E8E84-426E-40DD-AFC4-6F175D3DCCD1}">
+              <a14:hiddenFill xmlns:a14="http://schemas.microsoft.com/office/drawing/2010/main">
+                <a:solidFill>
+                  <a:srgbClr val="FFFFFF"/>
+                </a:solidFill>
+              </a14:hiddenFill>
+            </a:ext>
+          </a:extLst>
+        </p:spPr>
+      </p:pic>
+      <p:pic>
+        <p:nvPicPr>
+          <p:cNvPr id="1032" name="Picture 8" descr="Resultado de imagem para extraterrestrial exploration robot"/>
+          <p:cNvPicPr>
+            <a:picLocks noChangeAspect="1" noChangeArrowheads="1"/>
+          </p:cNvPicPr>
+          <p:nvPr/>
+        </p:nvPicPr>
+        <p:blipFill>
+          <a:blip r:embed="rId6">
+            <a:extLst>
+              <a:ext uri="{28A0092B-C50C-407E-A947-70E740481C1C}">
+                <a14:useLocalDpi xmlns:a14="http://schemas.microsoft.com/office/drawing/2010/main" val="0"/>
+              </a:ext>
+            </a:extLst>
+          </a:blip>
+          <a:srcRect/>
+          <a:stretch>
+            <a:fillRect/>
+          </a:stretch>
+        </p:blipFill>
+        <p:spPr bwMode="auto">
+          <a:xfrm>
+            <a:off x="346544" y="1457891"/>
+            <a:ext cx="2809297" cy="2087588"/>
+          </a:xfrm>
+          <a:prstGeom prst="rect">
+            <a:avLst/>
+          </a:prstGeom>
+          <a:noFill/>
+          <a:extLst>
+            <a:ext uri="{909E8E84-426E-40DD-AFC4-6F175D3DCCD1}">
+              <a14:hiddenFill xmlns:a14="http://schemas.microsoft.com/office/drawing/2010/main">
+                <a:solidFill>
+                  <a:srgbClr val="FFFFFF"/>
+                </a:solidFill>
+              </a14:hiddenFill>
+            </a:ext>
+          </a:extLst>
+        </p:spPr>
+      </p:pic>
+      <p:sp>
+        <p:nvSpPr>
+          <p:cNvPr id="8" name="AutoShape 10" descr="Resultado de imagem para p3-dx"/>
+          <p:cNvSpPr>
+            <a:spLocks noChangeAspect="1" noChangeArrowheads="1"/>
+          </p:cNvSpPr>
+          <p:nvPr/>
+        </p:nvSpPr>
+        <p:spPr bwMode="auto">
+          <a:xfrm>
+            <a:off x="307975" y="7937"/>
+            <a:ext cx="304800" cy="304801"/>
+          </a:xfrm>
+          <a:prstGeom prst="rect">
+            <a:avLst/>
+          </a:prstGeom>
+          <a:noFill/>
+          <a:extLst>
+            <a:ext uri="{909E8E84-426E-40DD-AFC4-6F175D3DCCD1}">
+              <a14:hiddenFill xmlns:a14="http://schemas.microsoft.com/office/drawing/2010/main">
+                <a:solidFill>
+                  <a:srgbClr val="FFFFFF"/>
+                </a:solidFill>
+              </a14:hiddenFill>
+            </a:ext>
+          </a:extLst>
+        </p:spPr>
+        <p:txBody>
+          <a:bodyPr vert="horz" wrap="square" lIns="91440" tIns="45720" rIns="91440" bIns="45720" numCol="1" anchor="t" anchorCtr="0" compatLnSpc="1">
+            <a:prstTxWarp prst="textNoShape">
+              <a:avLst/>
+            </a:prstTxWarp>
+          </a:bodyPr>
+          <a:lstStyle/>
+          <a:p>
+            <a:endParaRPr lang="pt-BR"/>
+          </a:p>
+        </p:txBody>
+      </p:sp>
+      <p:sp>
+        <p:nvSpPr>
+          <p:cNvPr id="9" name="AutoShape 12" descr="Resultado de imagem para p3-dx"/>
+          <p:cNvSpPr>
+            <a:spLocks noChangeAspect="1" noChangeArrowheads="1"/>
+          </p:cNvSpPr>
+          <p:nvPr/>
+        </p:nvSpPr>
+        <p:spPr bwMode="auto">
+          <a:xfrm>
+            <a:off x="460375" y="160337"/>
+            <a:ext cx="304800" cy="304801"/>
+          </a:xfrm>
+          <a:prstGeom prst="rect">
+            <a:avLst/>
+          </a:prstGeom>
+          <a:noFill/>
+          <a:extLst>
+            <a:ext uri="{909E8E84-426E-40DD-AFC4-6F175D3DCCD1}">
+              <a14:hiddenFill xmlns:a14="http://schemas.microsoft.com/office/drawing/2010/main">
+                <a:solidFill>
+                  <a:srgbClr val="FFFFFF"/>
+                </a:solidFill>
+              </a14:hiddenFill>
+            </a:ext>
+          </a:extLst>
+        </p:spPr>
+        <p:txBody>
+          <a:bodyPr vert="horz" wrap="square" lIns="91440" tIns="45720" rIns="91440" bIns="45720" numCol="1" anchor="t" anchorCtr="0" compatLnSpc="1">
+            <a:prstTxWarp prst="textNoShape">
+              <a:avLst/>
+            </a:prstTxWarp>
+          </a:bodyPr>
+          <a:lstStyle/>
+          <a:p>
+            <a:endParaRPr lang="pt-BR"/>
+          </a:p>
+        </p:txBody>
+      </p:sp>
+      <p:sp>
+        <p:nvSpPr>
+          <p:cNvPr id="10" name="AutoShape 14" descr="Resultado de imagem para p3-dx"/>
+          <p:cNvSpPr>
+            <a:spLocks noChangeAspect="1" noChangeArrowheads="1"/>
+          </p:cNvSpPr>
+          <p:nvPr/>
+        </p:nvSpPr>
+        <p:spPr bwMode="auto">
+          <a:xfrm>
+            <a:off x="612775" y="312737"/>
+            <a:ext cx="304800" cy="304801"/>
+          </a:xfrm>
+          <a:prstGeom prst="rect">
+            <a:avLst/>
+          </a:prstGeom>
+          <a:noFill/>
+          <a:extLst>
+            <a:ext uri="{909E8E84-426E-40DD-AFC4-6F175D3DCCD1}">
+              <a14:hiddenFill xmlns:a14="http://schemas.microsoft.com/office/drawing/2010/main">
+                <a:solidFill>
+                  <a:srgbClr val="FFFFFF"/>
+                </a:solidFill>
+              </a14:hiddenFill>
+            </a:ext>
+          </a:extLst>
+        </p:spPr>
+        <p:txBody>
+          <a:bodyPr vert="horz" wrap="square" lIns="91440" tIns="45720" rIns="91440" bIns="45720" numCol="1" anchor="t" anchorCtr="0" compatLnSpc="1">
+            <a:prstTxWarp prst="textNoShape">
+              <a:avLst/>
+            </a:prstTxWarp>
+          </a:bodyPr>
+          <a:lstStyle/>
+          <a:p>
+            <a:endParaRPr lang="pt-BR"/>
+          </a:p>
+        </p:txBody>
+      </p:sp>
+      <p:pic>
+        <p:nvPicPr>
+          <p:cNvPr id="1039" name="Picture 15"/>
+          <p:cNvPicPr>
+            <a:picLocks noChangeAspect="1" noChangeArrowheads="1"/>
+          </p:cNvPicPr>
+          <p:nvPr/>
+        </p:nvPicPr>
+        <p:blipFill>
+          <a:blip r:embed="rId7">
+            <a:extLst>
+              <a:ext uri="{28A0092B-C50C-407E-A947-70E740481C1C}">
+                <a14:useLocalDpi xmlns:a14="http://schemas.microsoft.com/office/drawing/2010/main" val="0"/>
+              </a:ext>
+            </a:extLst>
+          </a:blip>
+          <a:srcRect/>
+          <a:stretch>
+            <a:fillRect/>
+          </a:stretch>
+        </p:blipFill>
+        <p:spPr bwMode="auto">
+          <a:xfrm>
+            <a:off x="3487117" y="3865848"/>
+            <a:ext cx="2480387" cy="2491460"/>
+          </a:xfrm>
+          <a:prstGeom prst="rect">
+            <a:avLst/>
+          </a:prstGeom>
+          <a:noFill/>
+          <a:ln>
+            <a:noFill/>
+          </a:ln>
+          <a:effectLst/>
+          <a:extLst>
+            <a:ext uri="{909E8E84-426E-40DD-AFC4-6F175D3DCCD1}">
+              <a14:hiddenFill xmlns:a14="http://schemas.microsoft.com/office/drawing/2010/main">
+                <a:solidFill>
+                  <a:schemeClr val="accent1"/>
+                </a:solidFill>
+              </a14:hiddenFill>
+            </a:ext>
+            <a:ext uri="{91240B29-F687-4F45-9708-019B960494DF}">
+              <a14:hiddenLine xmlns:a14="http://schemas.microsoft.com/office/drawing/2010/main" w="9525">
+                <a:solidFill>
+                  <a:schemeClr val="tx1"/>
+                </a:solidFill>
+                <a:miter lim="800000"/>
+                <a:headEnd/>
+                <a:tailEnd/>
+              </a14:hiddenLine>
+            </a:ext>
+            <a:ext uri="{AF507438-7753-43E0-B8FC-AC1667EBCBE1}">
+              <a14:hiddenEffects xmlns:a14="http://schemas.microsoft.com/office/drawing/2010/main">
+                <a:effectLst>
+                  <a:outerShdw dist="35921" dir="2700000" algn="ctr" rotWithShape="0">
+                    <a:schemeClr val="bg2"/>
+                  </a:outerShdw>
+                </a:effectLst>
+              </a14:hiddenEffects>
+            </a:ext>
+          </a:extLst>
+        </p:spPr>
+      </p:pic>
+    </p:spTree>
+    <p:extLst>
+      <p:ext uri="{BB962C8B-B14F-4D97-AF65-F5344CB8AC3E}">
         <p14:creationId xmlns:p14="http://schemas.microsoft.com/office/powerpoint/2010/main" val="3428689206"/>
       </p:ext>
     </p:extLst>
@@ -5953,18 +6441,12 @@
               <a:rPr lang="pt-BR" dirty="0" smtClean="0"/>
               <a:t>limitados, ou terem custo de hardware e consumo altos</a:t>
             </a:r>
-            <a:endParaRPr lang="pt-BR" dirty="0" smtClean="0"/>
-          </a:p>
-          <a:p>
-            <a:r>
-              <a:rPr lang="pt-BR" dirty="0" smtClean="0"/>
-              <a:t>Ideia Principal: não se limitar aos recursos (memória, processamento, algoritmos, dados) presentes no robô, utilizando recursos em nuvem (SaaS, </a:t>
-            </a:r>
-            <a:r>
-              <a:rPr lang="pt-BR" dirty="0" smtClean="0"/>
-              <a:t>PaaS, RaaS)</a:t>
-            </a:r>
-            <a:endParaRPr lang="pt-BR" dirty="0" smtClean="0"/>
+          </a:p>
+          <a:p>
+            <a:r>
+              <a:rPr lang="pt-BR" dirty="0" smtClean="0"/>
+              <a:t>Ideia Principal: não se limitar aos recursos (memória, processamento, algoritmos, dados) presentes no robô, utilizando recursos em nuvem (SaaS, PaaS, RaaS)</a:t>
+            </a:r>
           </a:p>
           <a:p>
             <a:pPr lvl="1"/>
@@ -6062,7 +6544,6 @@
               <a:rPr lang="pt-BR" dirty="0" smtClean="0"/>
               <a:t>Aprendizado Coletivo</a:t>
             </a:r>
-            <a:endParaRPr lang="pt-BR" dirty="0" smtClean="0"/>
           </a:p>
           <a:p>
             <a:pPr lvl="1"/>
@@ -6151,19 +6632,7 @@
           <a:p>
             <a:r>
               <a:rPr lang="pt-BR" dirty="0" smtClean="0"/>
-              <a:t>Semelhanças com </a:t>
-            </a:r>
-            <a:r>
-              <a:rPr lang="pt-BR" dirty="0" smtClean="0"/>
-              <a:t>RSSF</a:t>
-            </a:r>
-            <a:r>
-              <a:rPr lang="pt-BR" dirty="0" smtClean="0"/>
-              <a:t> </a:t>
-            </a:r>
-            <a:r>
-              <a:rPr lang="pt-BR" dirty="0" smtClean="0"/>
-              <a:t>e convergência</a:t>
+              <a:t>Semelhanças com RSSF e convergência</a:t>
             </a:r>
             <a:endParaRPr lang="pt-BR" dirty="0"/>
           </a:p>
@@ -6188,25 +6657,13 @@
           <a:p>
             <a:r>
               <a:rPr lang="pt-BR" dirty="0" smtClean="0"/>
-              <a:t>Rede de nós capazes de comunicação </a:t>
-            </a:r>
-            <a:r>
-              <a:rPr lang="pt-BR" dirty="0" smtClean="0"/>
-              <a:t>M2M</a:t>
-            </a:r>
-          </a:p>
-          <a:p>
-            <a:r>
-              <a:rPr lang="pt-BR" dirty="0" smtClean="0"/>
-              <a:t>Dispositivos </a:t>
-            </a:r>
-            <a:r>
-              <a:rPr lang="pt-BR" dirty="0" smtClean="0"/>
-              <a:t>capazes de sensoriamento, processamento, transmissão de </a:t>
-            </a:r>
-            <a:r>
-              <a:rPr lang="pt-BR" dirty="0" smtClean="0"/>
-              <a:t>dados</a:t>
+              <a:t>Rede de nós capazes de comunicação M2M</a:t>
+            </a:r>
+          </a:p>
+          <a:p>
+            <a:r>
+              <a:rPr lang="pt-BR" dirty="0" smtClean="0"/>
+              <a:t>Dispositivos capazes de sensoriamento, processamento, transmissão de dados</a:t>
             </a:r>
           </a:p>
           <a:p>
@@ -6214,14 +6671,12 @@
               <a:rPr lang="pt-BR" dirty="0" smtClean="0"/>
               <a:t>Segurança é uma questão importante</a:t>
             </a:r>
-            <a:endParaRPr lang="pt-BR" dirty="0" smtClean="0"/>
           </a:p>
           <a:p>
             <a:r>
               <a:rPr lang="pt-BR" dirty="0" smtClean="0"/>
               <a:t>Pode-se pensar em uma Rede de Robôs Móveis e Sensores como uma RSSF com nós móveis</a:t>
             </a:r>
-            <a:endParaRPr lang="pt-BR" dirty="0" smtClean="0"/>
           </a:p>
           <a:p>
             <a:r>
@@ -6293,57 +6748,173 @@
           <a:p>
             <a:r>
               <a:rPr lang="pt-BR" dirty="0" smtClean="0"/>
-              <a:t>Internet das Coisas Robóticas</a:t>
+              <a:t>Robôs de baixo custo cooperativos</a:t>
             </a:r>
             <a:endParaRPr lang="pt-BR" dirty="0"/>
           </a:p>
         </p:txBody>
       </p:sp>
-      <p:sp>
-        <p:nvSpPr>
-          <p:cNvPr id="3" name="Content Placeholder 2"/>
-          <p:cNvSpPr>
-            <a:spLocks noGrp="1"/>
-          </p:cNvSpPr>
-          <p:nvPr>
-            <p:ph sz="quarter" idx="1"/>
-          </p:nvPr>
-        </p:nvSpPr>
-        <p:spPr/>
-        <p:txBody>
-          <a:bodyPr/>
-          <a:lstStyle/>
-          <a:p>
-            <a:r>
-              <a:rPr lang="pt-BR" dirty="0" smtClean="0"/>
-              <a:t>Apontado por alguns como o próximo passo da Internet das Coisas, acrescentando novas possibilidades</a:t>
-            </a:r>
-          </a:p>
-          <a:p>
-            <a:r>
-              <a:rPr lang="pt-BR" dirty="0"/>
-              <a:t>Será possível controlar robôs domésticos pela internet da maneira que se controla um termostato por celular</a:t>
-            </a:r>
-          </a:p>
-          <a:p>
-            <a:r>
-              <a:rPr lang="pt-BR" dirty="0" smtClean="0"/>
-              <a:t>Os robôs não se limitam mais aos seus próprios sensores para perceber o ambiente – grande disponibilidade de dados de dispositivos e ambientes inteligentes</a:t>
-            </a:r>
-          </a:p>
-          <a:p>
-            <a:r>
-              <a:rPr lang="pt-BR" dirty="0" smtClean="0"/>
-              <a:t>Robôs poderão usar bases de dados na internet – mapas, receitas, palavras, objetos, movimentos</a:t>
-            </a:r>
-          </a:p>
-          <a:p>
-            <a:endParaRPr lang="pt-BR" dirty="0" smtClean="0"/>
-          </a:p>
-          <a:p>
-            <a:endParaRPr lang="pt-BR" dirty="0" smtClean="0"/>
-          </a:p>
-          <a:p>
+      <p:pic>
+        <p:nvPicPr>
+          <p:cNvPr id="2050" name="Picture 2"/>
+          <p:cNvPicPr>
+            <a:picLocks noChangeAspect="1" noChangeArrowheads="1"/>
+          </p:cNvPicPr>
+          <p:nvPr/>
+        </p:nvPicPr>
+        <p:blipFill>
+          <a:blip r:embed="rId2" cstate="print">
+            <a:extLst>
+              <a:ext uri="{28A0092B-C50C-407E-A947-70E740481C1C}">
+                <a14:useLocalDpi xmlns:a14="http://schemas.microsoft.com/office/drawing/2010/main" val="0"/>
+              </a:ext>
+            </a:extLst>
+          </a:blip>
+          <a:srcRect/>
+          <a:stretch>
+            <a:fillRect/>
+          </a:stretch>
+        </p:blipFill>
+        <p:spPr bwMode="auto">
+          <a:xfrm>
+            <a:off x="465899" y="1484784"/>
+            <a:ext cx="3840427" cy="2880320"/>
+          </a:xfrm>
+          <a:prstGeom prst="rect">
+            <a:avLst/>
+          </a:prstGeom>
+          <a:noFill/>
+          <a:ln>
+            <a:noFill/>
+          </a:ln>
+          <a:effectLst/>
+          <a:extLst>
+            <a:ext uri="{909E8E84-426E-40DD-AFC4-6F175D3DCCD1}">
+              <a14:hiddenFill xmlns:a14="http://schemas.microsoft.com/office/drawing/2010/main">
+                <a:solidFill>
+                  <a:schemeClr val="accent1"/>
+                </a:solidFill>
+              </a14:hiddenFill>
+            </a:ext>
+            <a:ext uri="{91240B29-F687-4F45-9708-019B960494DF}">
+              <a14:hiddenLine xmlns:a14="http://schemas.microsoft.com/office/drawing/2010/main" w="9525">
+                <a:solidFill>
+                  <a:schemeClr val="tx1"/>
+                </a:solidFill>
+                <a:miter lim="800000"/>
+                <a:headEnd/>
+                <a:tailEnd/>
+              </a14:hiddenLine>
+            </a:ext>
+            <a:ext uri="{AF507438-7753-43E0-B8FC-AC1667EBCBE1}">
+              <a14:hiddenEffects xmlns:a14="http://schemas.microsoft.com/office/drawing/2010/main">
+                <a:effectLst>
+                  <a:outerShdw dist="35921" dir="2700000" algn="ctr" rotWithShape="0">
+                    <a:schemeClr val="bg2"/>
+                  </a:outerShdw>
+                </a:effectLst>
+              </a14:hiddenEffects>
+            </a:ext>
+          </a:extLst>
+        </p:spPr>
+      </p:pic>
+      <p:sp>
+        <p:nvSpPr>
+          <p:cNvPr id="4" name="TextBox 3"/>
+          <p:cNvSpPr txBox="1"/>
+          <p:nvPr/>
+        </p:nvSpPr>
+        <p:spPr>
+          <a:xfrm>
+            <a:off x="1691680" y="4476684"/>
+            <a:ext cx="1184940" cy="369332"/>
+          </a:xfrm>
+          <a:prstGeom prst="rect">
+            <a:avLst/>
+          </a:prstGeom>
+          <a:noFill/>
+        </p:spPr>
+        <p:txBody>
+          <a:bodyPr wrap="none" rtlCol="0">
+            <a:spAutoFit/>
+          </a:bodyPr>
+          <a:lstStyle/>
+          <a:p>
+            <a:r>
+              <a:rPr lang="pt-BR" dirty="0" smtClean="0"/>
+              <a:t>Robomote</a:t>
+            </a:r>
+            <a:endParaRPr lang="pt-BR" dirty="0"/>
+          </a:p>
+        </p:txBody>
+      </p:sp>
+      <p:pic>
+        <p:nvPicPr>
+          <p:cNvPr id="2054" name="Picture 6" descr="http://www.hizook.com/files/users/3/Alice_Micro_Robot_Swarm.jpg"/>
+          <p:cNvPicPr>
+            <a:picLocks noChangeAspect="1" noChangeArrowheads="1"/>
+          </p:cNvPicPr>
+          <p:nvPr/>
+        </p:nvPicPr>
+        <p:blipFill>
+          <a:blip r:embed="rId3" cstate="print">
+            <a:extLst>
+              <a:ext uri="{28A0092B-C50C-407E-A947-70E740481C1C}">
+                <a14:useLocalDpi xmlns:a14="http://schemas.microsoft.com/office/drawing/2010/main" val="0"/>
+              </a:ext>
+            </a:extLst>
+          </a:blip>
+          <a:srcRect/>
+          <a:stretch>
+            <a:fillRect/>
+          </a:stretch>
+        </p:blipFill>
+        <p:spPr bwMode="auto">
+          <a:xfrm>
+            <a:off x="4572874" y="1484784"/>
+            <a:ext cx="3936438" cy="2952328"/>
+          </a:xfrm>
+          <a:prstGeom prst="rect">
+            <a:avLst/>
+          </a:prstGeom>
+          <a:noFill/>
+          <a:extLst>
+            <a:ext uri="{909E8E84-426E-40DD-AFC4-6F175D3DCCD1}">
+              <a14:hiddenFill xmlns:a14="http://schemas.microsoft.com/office/drawing/2010/main">
+                <a:solidFill>
+                  <a:srgbClr val="FFFFFF"/>
+                </a:solidFill>
+              </a14:hiddenFill>
+            </a:ext>
+          </a:extLst>
+        </p:spPr>
+      </p:pic>
+      <p:sp>
+        <p:nvSpPr>
+          <p:cNvPr id="8" name="TextBox 7"/>
+          <p:cNvSpPr txBox="1"/>
+          <p:nvPr/>
+        </p:nvSpPr>
+        <p:spPr>
+          <a:xfrm>
+            <a:off x="6084168" y="4487464"/>
+            <a:ext cx="652743" cy="369332"/>
+          </a:xfrm>
+          <a:prstGeom prst="rect">
+            <a:avLst/>
+          </a:prstGeom>
+          <a:noFill/>
+        </p:spPr>
+        <p:txBody>
+          <a:bodyPr wrap="none" rtlCol="0">
+            <a:spAutoFit/>
+          </a:bodyPr>
+          <a:lstStyle/>
+          <a:p>
+            <a:r>
+              <a:rPr lang="pt-BR" dirty="0" smtClean="0"/>
+              <a:t>Alice</a:t>
+            </a:r>
             <a:endParaRPr lang="pt-BR" dirty="0"/>
           </a:p>
         </p:txBody>
@@ -6351,7 +6922,7 @@
     </p:spTree>
     <p:extLst>
       <p:ext uri="{BB962C8B-B14F-4D97-AF65-F5344CB8AC3E}">
-        <p14:creationId xmlns:p14="http://schemas.microsoft.com/office/powerpoint/2010/main" val="2543123065"/>
+        <p14:creationId xmlns:p14="http://schemas.microsoft.com/office/powerpoint/2010/main" val="3308404715"/>
       </p:ext>
     </p:extLst>
   </p:cSld>

--- a/Internet das Coisas (IoT) e Robótica.pptx
+++ b/Internet das Coisas (IoT) e Robótica.pptx
@@ -1,9 +1,12 @@
 
 <file path=ppt/presentation.xml><?xml version="1.0" encoding="utf-8"?>
-<p:presentation xmlns:a="http://schemas.openxmlformats.org/drawingml/2006/main" xmlns:r="http://schemas.openxmlformats.org/officeDocument/2006/relationships" xmlns:p="http://schemas.openxmlformats.org/presentationml/2006/main" saveSubsetFonts="1">
+<p:presentation xmlns:a="http://schemas.openxmlformats.org/drawingml/2006/main" xmlns:r="http://schemas.openxmlformats.org/officeDocument/2006/relationships" xmlns:p="http://schemas.openxmlformats.org/presentationml/2006/main" showSpecialPlsOnTitleSld="0" saveSubsetFonts="1">
   <p:sldMasterIdLst>
     <p:sldMasterId id="2147483720" r:id="rId1"/>
   </p:sldMasterIdLst>
+  <p:notesMasterIdLst>
+    <p:notesMasterId r:id="rId23"/>
+  </p:notesMasterIdLst>
   <p:sldIdLst>
     <p:sldId id="256" r:id="rId2"/>
     <p:sldId id="257" r:id="rId3"/>
@@ -12,18 +15,20 @@
     <p:sldId id="268" r:id="rId6"/>
     <p:sldId id="261" r:id="rId7"/>
     <p:sldId id="265" r:id="rId8"/>
-    <p:sldId id="260" r:id="rId9"/>
-    <p:sldId id="279" r:id="rId10"/>
-    <p:sldId id="280" r:id="rId11"/>
-    <p:sldId id="266" r:id="rId12"/>
-    <p:sldId id="272" r:id="rId13"/>
-    <p:sldId id="277" r:id="rId14"/>
-    <p:sldId id="269" r:id="rId15"/>
-    <p:sldId id="275" r:id="rId16"/>
-    <p:sldId id="270" r:id="rId17"/>
-    <p:sldId id="273" r:id="rId18"/>
-    <p:sldId id="274" r:id="rId19"/>
-    <p:sldId id="278" r:id="rId20"/>
+    <p:sldId id="282" r:id="rId9"/>
+    <p:sldId id="260" r:id="rId10"/>
+    <p:sldId id="279" r:id="rId11"/>
+    <p:sldId id="280" r:id="rId12"/>
+    <p:sldId id="266" r:id="rId13"/>
+    <p:sldId id="272" r:id="rId14"/>
+    <p:sldId id="277" r:id="rId15"/>
+    <p:sldId id="281" r:id="rId16"/>
+    <p:sldId id="269" r:id="rId17"/>
+    <p:sldId id="275" r:id="rId18"/>
+    <p:sldId id="270" r:id="rId19"/>
+    <p:sldId id="273" r:id="rId20"/>
+    <p:sldId id="274" r:id="rId21"/>
+    <p:sldId id="278" r:id="rId22"/>
   </p:sldIdLst>
   <p:sldSz cx="9144000" cy="6858000" type="screen4x3"/>
   <p:notesSz cx="6858000" cy="9144000"/>
@@ -125,6 +130,356 @@
 </p:presentation>
 </file>
 
+<file path=ppt/notesMasters/notesMaster1.xml><?xml version="1.0" encoding="utf-8"?>
+<p:notesMaster xmlns:a="http://schemas.openxmlformats.org/drawingml/2006/main" xmlns:r="http://schemas.openxmlformats.org/officeDocument/2006/relationships" xmlns:p="http://schemas.openxmlformats.org/presentationml/2006/main">
+  <p:cSld>
+    <p:bg>
+      <p:bgRef idx="1001">
+        <a:schemeClr val="bg1"/>
+      </p:bgRef>
+    </p:bg>
+    <p:spTree>
+      <p:nvGrpSpPr>
+        <p:cNvPr id="1" name=""/>
+        <p:cNvGrpSpPr/>
+        <p:nvPr/>
+      </p:nvGrpSpPr>
+      <p:grpSpPr>
+        <a:xfrm>
+          <a:off x="0" y="0"/>
+          <a:ext cx="0" cy="0"/>
+          <a:chOff x="0" y="0"/>
+          <a:chExt cx="0" cy="0"/>
+        </a:xfrm>
+      </p:grpSpPr>
+      <p:sp>
+        <p:nvSpPr>
+          <p:cNvPr id="2" name="Header Placeholder 1"/>
+          <p:cNvSpPr>
+            <a:spLocks noGrp="1"/>
+          </p:cNvSpPr>
+          <p:nvPr>
+            <p:ph type="hdr" sz="quarter"/>
+          </p:nvPr>
+        </p:nvSpPr>
+        <p:spPr>
+          <a:xfrm>
+            <a:off x="0" y="0"/>
+            <a:ext cx="2971800" cy="457200"/>
+          </a:xfrm>
+          <a:prstGeom prst="rect">
+            <a:avLst/>
+          </a:prstGeom>
+        </p:spPr>
+        <p:txBody>
+          <a:bodyPr vert="horz" lIns="91440" tIns="45720" rIns="91440" bIns="45720" rtlCol="0"/>
+          <a:lstStyle>
+            <a:lvl1pPr algn="l">
+              <a:defRPr sz="1200"/>
+            </a:lvl1pPr>
+          </a:lstStyle>
+          <a:p>
+            <a:endParaRPr lang="pt-BR"/>
+          </a:p>
+        </p:txBody>
+      </p:sp>
+      <p:sp>
+        <p:nvSpPr>
+          <p:cNvPr id="3" name="Date Placeholder 2"/>
+          <p:cNvSpPr>
+            <a:spLocks noGrp="1"/>
+          </p:cNvSpPr>
+          <p:nvPr>
+            <p:ph type="dt" idx="1"/>
+          </p:nvPr>
+        </p:nvSpPr>
+        <p:spPr>
+          <a:xfrm>
+            <a:off x="3884613" y="0"/>
+            <a:ext cx="2971800" cy="457200"/>
+          </a:xfrm>
+          <a:prstGeom prst="rect">
+            <a:avLst/>
+          </a:prstGeom>
+        </p:spPr>
+        <p:txBody>
+          <a:bodyPr vert="horz" lIns="91440" tIns="45720" rIns="91440" bIns="45720" rtlCol="0"/>
+          <a:lstStyle>
+            <a:lvl1pPr algn="r">
+              <a:defRPr sz="1200"/>
+            </a:lvl1pPr>
+          </a:lstStyle>
+          <a:p>
+            <a:fld id="{490F43FE-E967-4C01-858C-0FB7608247F0}" type="datetimeFigureOut">
+              <a:rPr lang="pt-BR" smtClean="0"/>
+              <a:t>08/11/2016</a:t>
+            </a:fld>
+            <a:endParaRPr lang="pt-BR"/>
+          </a:p>
+        </p:txBody>
+      </p:sp>
+      <p:sp>
+        <p:nvSpPr>
+          <p:cNvPr id="4" name="Slide Image Placeholder 3"/>
+          <p:cNvSpPr>
+            <a:spLocks noGrp="1" noRot="1" noChangeAspect="1"/>
+          </p:cNvSpPr>
+          <p:nvPr>
+            <p:ph type="sldImg" idx="2"/>
+          </p:nvPr>
+        </p:nvSpPr>
+        <p:spPr>
+          <a:xfrm>
+            <a:off x="1143000" y="685800"/>
+            <a:ext cx="4572000" cy="3429000"/>
+          </a:xfrm>
+          <a:prstGeom prst="rect">
+            <a:avLst/>
+          </a:prstGeom>
+          <a:noFill/>
+          <a:ln w="12700">
+            <a:solidFill>
+              <a:prstClr val="black"/>
+            </a:solidFill>
+          </a:ln>
+        </p:spPr>
+        <p:txBody>
+          <a:bodyPr vert="horz" lIns="91440" tIns="45720" rIns="91440" bIns="45720" rtlCol="0" anchor="ctr"/>
+          <a:lstStyle/>
+          <a:p>
+            <a:endParaRPr lang="pt-BR"/>
+          </a:p>
+        </p:txBody>
+      </p:sp>
+      <p:sp>
+        <p:nvSpPr>
+          <p:cNvPr id="5" name="Notes Placeholder 4"/>
+          <p:cNvSpPr>
+            <a:spLocks noGrp="1"/>
+          </p:cNvSpPr>
+          <p:nvPr>
+            <p:ph type="body" sz="quarter" idx="3"/>
+          </p:nvPr>
+        </p:nvSpPr>
+        <p:spPr>
+          <a:xfrm>
+            <a:off x="685800" y="4343400"/>
+            <a:ext cx="5486400" cy="4114800"/>
+          </a:xfrm>
+          <a:prstGeom prst="rect">
+            <a:avLst/>
+          </a:prstGeom>
+        </p:spPr>
+        <p:txBody>
+          <a:bodyPr vert="horz" lIns="91440" tIns="45720" rIns="91440" bIns="45720" rtlCol="0"/>
+          <a:lstStyle/>
+          <a:p>
+            <a:pPr lvl="0"/>
+            <a:r>
+              <a:rPr lang="en-US" smtClean="0"/>
+              <a:t>Click to edit Master text styles</a:t>
+            </a:r>
+          </a:p>
+          <a:p>
+            <a:pPr lvl="1"/>
+            <a:r>
+              <a:rPr lang="en-US" smtClean="0"/>
+              <a:t>Second level</a:t>
+            </a:r>
+          </a:p>
+          <a:p>
+            <a:pPr lvl="2"/>
+            <a:r>
+              <a:rPr lang="en-US" smtClean="0"/>
+              <a:t>Third level</a:t>
+            </a:r>
+          </a:p>
+          <a:p>
+            <a:pPr lvl="3"/>
+            <a:r>
+              <a:rPr lang="en-US" smtClean="0"/>
+              <a:t>Fourth level</a:t>
+            </a:r>
+          </a:p>
+          <a:p>
+            <a:pPr lvl="4"/>
+            <a:r>
+              <a:rPr lang="en-US" smtClean="0"/>
+              <a:t>Fifth level</a:t>
+            </a:r>
+            <a:endParaRPr lang="pt-BR"/>
+          </a:p>
+        </p:txBody>
+      </p:sp>
+      <p:sp>
+        <p:nvSpPr>
+          <p:cNvPr id="6" name="Footer Placeholder 5"/>
+          <p:cNvSpPr>
+            <a:spLocks noGrp="1"/>
+          </p:cNvSpPr>
+          <p:nvPr>
+            <p:ph type="ftr" sz="quarter" idx="4"/>
+          </p:nvPr>
+        </p:nvSpPr>
+        <p:spPr>
+          <a:xfrm>
+            <a:off x="0" y="8685213"/>
+            <a:ext cx="2971800" cy="457200"/>
+          </a:xfrm>
+          <a:prstGeom prst="rect">
+            <a:avLst/>
+          </a:prstGeom>
+        </p:spPr>
+        <p:txBody>
+          <a:bodyPr vert="horz" lIns="91440" tIns="45720" rIns="91440" bIns="45720" rtlCol="0" anchor="b"/>
+          <a:lstStyle>
+            <a:lvl1pPr algn="l">
+              <a:defRPr sz="1200"/>
+            </a:lvl1pPr>
+          </a:lstStyle>
+          <a:p>
+            <a:endParaRPr lang="pt-BR"/>
+          </a:p>
+        </p:txBody>
+      </p:sp>
+      <p:sp>
+        <p:nvSpPr>
+          <p:cNvPr id="7" name="Slide Number Placeholder 6"/>
+          <p:cNvSpPr>
+            <a:spLocks noGrp="1"/>
+          </p:cNvSpPr>
+          <p:nvPr>
+            <p:ph type="sldNum" sz="quarter" idx="5"/>
+          </p:nvPr>
+        </p:nvSpPr>
+        <p:spPr>
+          <a:xfrm>
+            <a:off x="3884613" y="8685213"/>
+            <a:ext cx="2971800" cy="457200"/>
+          </a:xfrm>
+          <a:prstGeom prst="rect">
+            <a:avLst/>
+          </a:prstGeom>
+        </p:spPr>
+        <p:txBody>
+          <a:bodyPr vert="horz" lIns="91440" tIns="45720" rIns="91440" bIns="45720" rtlCol="0" anchor="b"/>
+          <a:lstStyle>
+            <a:lvl1pPr algn="r">
+              <a:defRPr sz="1200"/>
+            </a:lvl1pPr>
+          </a:lstStyle>
+          <a:p>
+            <a:fld id="{626E0B46-D22E-42E1-9F49-FFE58A1B6B7B}" type="slidenum">
+              <a:rPr lang="pt-BR" smtClean="0"/>
+              <a:t>‹#›</a:t>
+            </a:fld>
+            <a:endParaRPr lang="pt-BR"/>
+          </a:p>
+        </p:txBody>
+      </p:sp>
+    </p:spTree>
+    <p:extLst>
+      <p:ext uri="{BB962C8B-B14F-4D97-AF65-F5344CB8AC3E}">
+        <p14:creationId xmlns:p14="http://schemas.microsoft.com/office/powerpoint/2010/main" val="1626649401"/>
+      </p:ext>
+    </p:extLst>
+  </p:cSld>
+  <p:clrMap bg1="lt1" tx1="dk1" bg2="lt2" tx2="dk2" accent1="accent1" accent2="accent2" accent3="accent3" accent4="accent4" accent5="accent5" accent6="accent6" hlink="hlink" folHlink="folHlink"/>
+  <p:notesStyle>
+    <a:lvl1pPr marL="0" algn="l" defTabSz="914400" rtl="0" eaLnBrk="1" latinLnBrk="0" hangingPunct="1">
+      <a:defRPr sz="1200" kern="1200">
+        <a:solidFill>
+          <a:schemeClr val="tx1"/>
+        </a:solidFill>
+        <a:latin typeface="+mn-lt"/>
+        <a:ea typeface="+mn-ea"/>
+        <a:cs typeface="+mn-cs"/>
+      </a:defRPr>
+    </a:lvl1pPr>
+    <a:lvl2pPr marL="457200" algn="l" defTabSz="914400" rtl="0" eaLnBrk="1" latinLnBrk="0" hangingPunct="1">
+      <a:defRPr sz="1200" kern="1200">
+        <a:solidFill>
+          <a:schemeClr val="tx1"/>
+        </a:solidFill>
+        <a:latin typeface="+mn-lt"/>
+        <a:ea typeface="+mn-ea"/>
+        <a:cs typeface="+mn-cs"/>
+      </a:defRPr>
+    </a:lvl2pPr>
+    <a:lvl3pPr marL="914400" algn="l" defTabSz="914400" rtl="0" eaLnBrk="1" latinLnBrk="0" hangingPunct="1">
+      <a:defRPr sz="1200" kern="1200">
+        <a:solidFill>
+          <a:schemeClr val="tx1"/>
+        </a:solidFill>
+        <a:latin typeface="+mn-lt"/>
+        <a:ea typeface="+mn-ea"/>
+        <a:cs typeface="+mn-cs"/>
+      </a:defRPr>
+    </a:lvl3pPr>
+    <a:lvl4pPr marL="1371600" algn="l" defTabSz="914400" rtl="0" eaLnBrk="1" latinLnBrk="0" hangingPunct="1">
+      <a:defRPr sz="1200" kern="1200">
+        <a:solidFill>
+          <a:schemeClr val="tx1"/>
+        </a:solidFill>
+        <a:latin typeface="+mn-lt"/>
+        <a:ea typeface="+mn-ea"/>
+        <a:cs typeface="+mn-cs"/>
+      </a:defRPr>
+    </a:lvl4pPr>
+    <a:lvl5pPr marL="1828800" algn="l" defTabSz="914400" rtl="0" eaLnBrk="1" latinLnBrk="0" hangingPunct="1">
+      <a:defRPr sz="1200" kern="1200">
+        <a:solidFill>
+          <a:schemeClr val="tx1"/>
+        </a:solidFill>
+        <a:latin typeface="+mn-lt"/>
+        <a:ea typeface="+mn-ea"/>
+        <a:cs typeface="+mn-cs"/>
+      </a:defRPr>
+    </a:lvl5pPr>
+    <a:lvl6pPr marL="2286000" algn="l" defTabSz="914400" rtl="0" eaLnBrk="1" latinLnBrk="0" hangingPunct="1">
+      <a:defRPr sz="1200" kern="1200">
+        <a:solidFill>
+          <a:schemeClr val="tx1"/>
+        </a:solidFill>
+        <a:latin typeface="+mn-lt"/>
+        <a:ea typeface="+mn-ea"/>
+        <a:cs typeface="+mn-cs"/>
+      </a:defRPr>
+    </a:lvl6pPr>
+    <a:lvl7pPr marL="2743200" algn="l" defTabSz="914400" rtl="0" eaLnBrk="1" latinLnBrk="0" hangingPunct="1">
+      <a:defRPr sz="1200" kern="1200">
+        <a:solidFill>
+          <a:schemeClr val="tx1"/>
+        </a:solidFill>
+        <a:latin typeface="+mn-lt"/>
+        <a:ea typeface="+mn-ea"/>
+        <a:cs typeface="+mn-cs"/>
+      </a:defRPr>
+    </a:lvl7pPr>
+    <a:lvl8pPr marL="3200400" algn="l" defTabSz="914400" rtl="0" eaLnBrk="1" latinLnBrk="0" hangingPunct="1">
+      <a:defRPr sz="1200" kern="1200">
+        <a:solidFill>
+          <a:schemeClr val="tx1"/>
+        </a:solidFill>
+        <a:latin typeface="+mn-lt"/>
+        <a:ea typeface="+mn-ea"/>
+        <a:cs typeface="+mn-cs"/>
+      </a:defRPr>
+    </a:lvl8pPr>
+    <a:lvl9pPr marL="3657600" algn="l" defTabSz="914400" rtl="0" eaLnBrk="1" latinLnBrk="0" hangingPunct="1">
+      <a:defRPr sz="1200" kern="1200">
+        <a:solidFill>
+          <a:schemeClr val="tx1"/>
+        </a:solidFill>
+        <a:latin typeface="+mn-lt"/>
+        <a:ea typeface="+mn-ea"/>
+        <a:cs typeface="+mn-cs"/>
+      </a:defRPr>
+    </a:lvl9pPr>
+  </p:notesStyle>
+</p:notesMaster>
+</file>
+
 <file path=ppt/slideLayouts/slideLayout1.xml><?xml version="1.0" encoding="utf-8"?>
 <p:sldLayout xmlns:a="http://schemas.openxmlformats.org/drawingml/2006/main" xmlns:r="http://schemas.openxmlformats.org/officeDocument/2006/relationships" xmlns:p="http://schemas.openxmlformats.org/presentationml/2006/main" showMasterSp="0" type="title" preserve="1">
   <p:cSld name="Title Slide">
@@ -266,9 +621,9 @@
             </a:lvl1pPr>
           </a:lstStyle>
           <a:p>
-            <a:fld id="{28C10813-A830-49AD-9BDE-64998269A8BA}" type="datetimeFigureOut">
+            <a:fld id="{90CD900A-CF57-48CE-B9F9-EAAFF12F7506}" type="datetime1">
               <a:rPr lang="pt-BR" smtClean="0"/>
-              <a:t>07/11/2016</a:t>
+              <a:t>08/11/2016</a:t>
             </a:fld>
             <a:endParaRPr lang="pt-BR"/>
           </a:p>
@@ -294,6 +649,10 @@
           <a:bodyPr/>
           <a:lstStyle/>
           <a:p>
+            <a:r>
+              <a:rPr lang="pt-BR" smtClean="0"/>
+              <a:t>Pedro H. Affonso - Nov/2016</a:t>
+            </a:r>
             <a:endParaRPr lang="pt-BR"/>
           </a:p>
         </p:txBody>
@@ -625,9 +984,9 @@
           <a:bodyPr/>
           <a:lstStyle/>
           <a:p>
-            <a:fld id="{28C10813-A830-49AD-9BDE-64998269A8BA}" type="datetimeFigureOut">
+            <a:fld id="{1D5F4155-B3B9-4396-A0B9-01C8016B7CE2}" type="datetime1">
               <a:rPr lang="pt-BR" smtClean="0"/>
-              <a:t>07/11/2016</a:t>
+              <a:t>08/11/2016</a:t>
             </a:fld>
             <a:endParaRPr lang="pt-BR"/>
           </a:p>
@@ -648,6 +1007,10 @@
           <a:bodyPr/>
           <a:lstStyle/>
           <a:p>
+            <a:r>
+              <a:rPr lang="pt-BR" smtClean="0"/>
+              <a:t>Pedro H. Affonso - Nov/2016</a:t>
+            </a:r>
             <a:endParaRPr lang="pt-BR"/>
           </a:p>
         </p:txBody>
@@ -800,9 +1163,9 @@
           <a:bodyPr/>
           <a:lstStyle/>
           <a:p>
-            <a:fld id="{28C10813-A830-49AD-9BDE-64998269A8BA}" type="datetimeFigureOut">
+            <a:fld id="{13DA6DBB-AE81-49AE-BECE-5788AEAC6FFD}" type="datetime1">
               <a:rPr lang="pt-BR" smtClean="0"/>
-              <a:t>07/11/2016</a:t>
+              <a:t>08/11/2016</a:t>
             </a:fld>
             <a:endParaRPr lang="pt-BR"/>
           </a:p>
@@ -823,6 +1186,10 @@
           <a:bodyPr/>
           <a:lstStyle/>
           <a:p>
+            <a:r>
+              <a:rPr lang="pt-BR" smtClean="0"/>
+              <a:t>Pedro H. Affonso - Nov/2016</a:t>
+            </a:r>
             <a:endParaRPr lang="pt-BR"/>
           </a:p>
         </p:txBody>
@@ -1035,9 +1402,9 @@
           <a:bodyPr/>
           <a:lstStyle/>
           <a:p>
-            <a:fld id="{28C10813-A830-49AD-9BDE-64998269A8BA}" type="datetimeFigureOut">
+            <a:fld id="{A800E62A-F9E7-4E05-98D3-935C4E64C55A}" type="datetime1">
               <a:rPr lang="pt-BR" smtClean="0"/>
-              <a:t>07/11/2016</a:t>
+              <a:t>08/11/2016</a:t>
             </a:fld>
             <a:endParaRPr lang="pt-BR"/>
           </a:p>
@@ -1058,6 +1425,10 @@
           <a:bodyPr/>
           <a:lstStyle/>
           <a:p>
+            <a:r>
+              <a:rPr lang="pt-BR" smtClean="0"/>
+              <a:t>Pedro H. Affonso - Nov/2016</a:t>
+            </a:r>
             <a:endParaRPr lang="pt-BR"/>
           </a:p>
         </p:txBody>
@@ -1304,9 +1675,9 @@
           <a:bodyPr/>
           <a:lstStyle/>
           <a:p>
-            <a:fld id="{28C10813-A830-49AD-9BDE-64998269A8BA}" type="datetimeFigureOut">
+            <a:fld id="{F782B5C3-EFE0-40AA-9119-CEFBC9225629}" type="datetime1">
               <a:rPr lang="pt-BR" smtClean="0"/>
-              <a:t>07/11/2016</a:t>
+              <a:t>08/11/2016</a:t>
             </a:fld>
             <a:endParaRPr lang="pt-BR"/>
           </a:p>
@@ -1332,6 +1703,10 @@
           <a:bodyPr/>
           <a:lstStyle/>
           <a:p>
+            <a:r>
+              <a:rPr lang="pt-BR" smtClean="0"/>
+              <a:t>Pedro H. Affonso - Nov/2016</a:t>
+            </a:r>
             <a:endParaRPr lang="pt-BR"/>
           </a:p>
         </p:txBody>
@@ -1524,9 +1899,9 @@
           <a:bodyPr/>
           <a:lstStyle/>
           <a:p>
-            <a:fld id="{28C10813-A830-49AD-9BDE-64998269A8BA}" type="datetimeFigureOut">
+            <a:fld id="{8A9FB4D5-98CD-4D96-8CE6-81862253B6A7}" type="datetime1">
               <a:rPr lang="pt-BR" smtClean="0"/>
-              <a:t>07/11/2016</a:t>
+              <a:t>08/11/2016</a:t>
             </a:fld>
             <a:endParaRPr lang="pt-BR"/>
           </a:p>
@@ -1547,6 +1922,10 @@
           <a:bodyPr/>
           <a:lstStyle/>
           <a:p>
+            <a:r>
+              <a:rPr lang="pt-BR" smtClean="0"/>
+              <a:t>Pedro H. Affonso - Nov/2016</a:t>
+            </a:r>
             <a:endParaRPr lang="pt-BR"/>
           </a:p>
         </p:txBody>
@@ -1876,9 +2255,9 @@
           <a:bodyPr/>
           <a:lstStyle/>
           <a:p>
-            <a:fld id="{28C10813-A830-49AD-9BDE-64998269A8BA}" type="datetimeFigureOut">
+            <a:fld id="{F637580B-C6BE-433B-AB23-2C84EF927F54}" type="datetime1">
               <a:rPr lang="pt-BR" smtClean="0"/>
-              <a:t>07/11/2016</a:t>
+              <a:t>08/11/2016</a:t>
             </a:fld>
             <a:endParaRPr lang="pt-BR"/>
           </a:p>
@@ -1899,6 +2278,10 @@
           <a:bodyPr/>
           <a:lstStyle/>
           <a:p>
+            <a:r>
+              <a:rPr lang="pt-BR" smtClean="0"/>
+              <a:t>Pedro H. Affonso - Nov/2016</a:t>
+            </a:r>
             <a:endParaRPr lang="pt-BR"/>
           </a:p>
         </p:txBody>
@@ -2108,9 +2491,9 @@
           <a:bodyPr/>
           <a:lstStyle/>
           <a:p>
-            <a:fld id="{28C10813-A830-49AD-9BDE-64998269A8BA}" type="datetimeFigureOut">
+            <a:fld id="{C39EB745-426A-4EA6-96F7-6D42B5E88E32}" type="datetime1">
               <a:rPr lang="pt-BR" smtClean="0"/>
-              <a:t>07/11/2016</a:t>
+              <a:t>08/11/2016</a:t>
             </a:fld>
             <a:endParaRPr lang="pt-BR"/>
           </a:p>
@@ -2131,6 +2514,10 @@
           <a:bodyPr/>
           <a:lstStyle/>
           <a:p>
+            <a:r>
+              <a:rPr lang="pt-BR" smtClean="0"/>
+              <a:t>Pedro H. Affonso - Nov/2016</a:t>
+            </a:r>
             <a:endParaRPr lang="pt-BR"/>
           </a:p>
         </p:txBody>
@@ -2248,9 +2635,9 @@
           <a:bodyPr/>
           <a:lstStyle/>
           <a:p>
-            <a:fld id="{28C10813-A830-49AD-9BDE-64998269A8BA}" type="datetimeFigureOut">
+            <a:fld id="{5DD3B229-618A-473D-B4C4-BA188617BF3B}" type="datetime1">
               <a:rPr lang="pt-BR" smtClean="0"/>
-              <a:t>07/11/2016</a:t>
+              <a:t>08/11/2016</a:t>
             </a:fld>
             <a:endParaRPr lang="pt-BR"/>
           </a:p>
@@ -2271,6 +2658,10 @@
           <a:bodyPr/>
           <a:lstStyle/>
           <a:p>
+            <a:r>
+              <a:rPr lang="pt-BR" smtClean="0"/>
+              <a:t>Pedro H. Affonso - Nov/2016</a:t>
+            </a:r>
             <a:endParaRPr lang="pt-BR"/>
           </a:p>
         </p:txBody>
@@ -2525,9 +2916,9 @@
           <a:bodyPr/>
           <a:lstStyle/>
           <a:p>
-            <a:fld id="{28C10813-A830-49AD-9BDE-64998269A8BA}" type="datetimeFigureOut">
+            <a:fld id="{F0A2F522-849B-4B41-8FFF-2C885AD5A6C0}" type="datetime1">
               <a:rPr lang="pt-BR" smtClean="0"/>
-              <a:t>07/11/2016</a:t>
+              <a:t>08/11/2016</a:t>
             </a:fld>
             <a:endParaRPr lang="pt-BR"/>
           </a:p>
@@ -2548,6 +2939,10 @@
           <a:bodyPr/>
           <a:lstStyle/>
           <a:p>
+            <a:r>
+              <a:rPr lang="pt-BR" smtClean="0"/>
+              <a:t>Pedro H. Affonso - Nov/2016</a:t>
+            </a:r>
             <a:endParaRPr lang="pt-BR"/>
           </a:p>
         </p:txBody>
@@ -2932,9 +3327,9 @@
           <a:bodyPr/>
           <a:lstStyle/>
           <a:p>
-            <a:fld id="{28C10813-A830-49AD-9BDE-64998269A8BA}" type="datetimeFigureOut">
+            <a:fld id="{73092256-10CA-46EC-8C36-8F39289F33A6}" type="datetime1">
               <a:rPr lang="pt-BR" smtClean="0"/>
-              <a:t>07/11/2016</a:t>
+              <a:t>08/11/2016</a:t>
             </a:fld>
             <a:endParaRPr lang="pt-BR"/>
           </a:p>
@@ -2955,6 +3350,10 @@
           <a:bodyPr/>
           <a:lstStyle/>
           <a:p>
+            <a:r>
+              <a:rPr lang="pt-BR" smtClean="0"/>
+              <a:t>Pedro H. Affonso - Nov/2016</a:t>
+            </a:r>
             <a:endParaRPr lang="pt-BR"/>
           </a:p>
         </p:txBody>
@@ -3270,9 +3669,9 @@
             </a:lvl1pPr>
           </a:lstStyle>
           <a:p>
-            <a:fld id="{28C10813-A830-49AD-9BDE-64998269A8BA}" type="datetimeFigureOut">
+            <a:fld id="{D03E30CD-3D67-4718-830E-1103112B8473}" type="datetime1">
               <a:rPr lang="pt-BR" smtClean="0"/>
-              <a:t>07/11/2016</a:t>
+              <a:t>08/11/2016</a:t>
             </a:fld>
             <a:endParaRPr lang="pt-BR"/>
           </a:p>
@@ -3309,6 +3708,10 @@
             </a:lvl1pPr>
           </a:lstStyle>
           <a:p>
+            <a:r>
+              <a:rPr lang="pt-BR" smtClean="0"/>
+              <a:t>Pedro H. Affonso - Nov/2016</a:t>
+            </a:r>
             <a:endParaRPr lang="pt-BR"/>
           </a:p>
         </p:txBody>
@@ -3490,6 +3893,7 @@
     <p:sldLayoutId id="2147483730" r:id="rId10"/>
     <p:sldLayoutId id="2147483731" r:id="rId11"/>
   </p:sldLayoutIdLst>
+  <p:hf hdr="0" dt="0"/>
   <p:txStyles>
     <p:titleStyle>
       <a:lvl1pPr algn="l" rtl="0" eaLnBrk="1" latinLnBrk="0" hangingPunct="1">
@@ -3861,10 +4265,281 @@
   <p:clrMapOvr>
     <a:masterClrMapping/>
   </p:clrMapOvr>
+  <p:timing>
+    <p:tnLst>
+      <p:par>
+        <p:cTn id="1" dur="indefinite" restart="never" nodeType="tmRoot"/>
+      </p:par>
+    </p:tnLst>
+  </p:timing>
 </p:sld>
 </file>
 
 <file path=ppt/slides/slide10.xml><?xml version="1.0" encoding="utf-8"?>
+<p:sld xmlns:a="http://schemas.openxmlformats.org/drawingml/2006/main" xmlns:r="http://schemas.openxmlformats.org/officeDocument/2006/relationships" xmlns:p="http://schemas.openxmlformats.org/presentationml/2006/main">
+  <p:cSld>
+    <p:spTree>
+      <p:nvGrpSpPr>
+        <p:cNvPr id="1" name=""/>
+        <p:cNvGrpSpPr/>
+        <p:nvPr/>
+      </p:nvGrpSpPr>
+      <p:grpSpPr>
+        <a:xfrm>
+          <a:off x="0" y="0"/>
+          <a:ext cx="0" cy="0"/>
+          <a:chOff x="0" y="0"/>
+          <a:chExt cx="0" cy="0"/>
+        </a:xfrm>
+      </p:grpSpPr>
+      <p:sp>
+        <p:nvSpPr>
+          <p:cNvPr id="2" name="Title 1"/>
+          <p:cNvSpPr>
+            <a:spLocks noGrp="1"/>
+          </p:cNvSpPr>
+          <p:nvPr>
+            <p:ph type="title"/>
+          </p:nvPr>
+        </p:nvSpPr>
+        <p:spPr/>
+        <p:txBody>
+          <a:bodyPr/>
+          <a:lstStyle/>
+          <a:p>
+            <a:r>
+              <a:rPr lang="pt-BR" dirty="0" smtClean="0"/>
+              <a:t>Robôs de baixo custo cooperativos</a:t>
+            </a:r>
+            <a:endParaRPr lang="pt-BR" dirty="0"/>
+          </a:p>
+        </p:txBody>
+      </p:sp>
+      <p:pic>
+        <p:nvPicPr>
+          <p:cNvPr id="2050" name="Picture 2"/>
+          <p:cNvPicPr>
+            <a:picLocks noChangeAspect="1" noChangeArrowheads="1"/>
+          </p:cNvPicPr>
+          <p:nvPr/>
+        </p:nvPicPr>
+        <p:blipFill>
+          <a:blip r:embed="rId2" cstate="print">
+            <a:extLst>
+              <a:ext uri="{28A0092B-C50C-407E-A947-70E740481C1C}">
+                <a14:useLocalDpi xmlns:a14="http://schemas.microsoft.com/office/drawing/2010/main" val="0"/>
+              </a:ext>
+            </a:extLst>
+          </a:blip>
+          <a:srcRect/>
+          <a:stretch>
+            <a:fillRect/>
+          </a:stretch>
+        </p:blipFill>
+        <p:spPr bwMode="auto">
+          <a:xfrm>
+            <a:off x="465899" y="1484784"/>
+            <a:ext cx="3840427" cy="2880320"/>
+          </a:xfrm>
+          <a:prstGeom prst="rect">
+            <a:avLst/>
+          </a:prstGeom>
+          <a:noFill/>
+          <a:ln>
+            <a:noFill/>
+          </a:ln>
+          <a:effectLst/>
+          <a:extLst>
+            <a:ext uri="{909E8E84-426E-40DD-AFC4-6F175D3DCCD1}">
+              <a14:hiddenFill xmlns:a14="http://schemas.microsoft.com/office/drawing/2010/main">
+                <a:solidFill>
+                  <a:schemeClr val="accent1"/>
+                </a:solidFill>
+              </a14:hiddenFill>
+            </a:ext>
+            <a:ext uri="{91240B29-F687-4F45-9708-019B960494DF}">
+              <a14:hiddenLine xmlns:a14="http://schemas.microsoft.com/office/drawing/2010/main" w="9525">
+                <a:solidFill>
+                  <a:schemeClr val="tx1"/>
+                </a:solidFill>
+                <a:miter lim="800000"/>
+                <a:headEnd/>
+                <a:tailEnd/>
+              </a14:hiddenLine>
+            </a:ext>
+            <a:ext uri="{AF507438-7753-43E0-B8FC-AC1667EBCBE1}">
+              <a14:hiddenEffects xmlns:a14="http://schemas.microsoft.com/office/drawing/2010/main">
+                <a:effectLst>
+                  <a:outerShdw dist="35921" dir="2700000" algn="ctr" rotWithShape="0">
+                    <a:schemeClr val="bg2"/>
+                  </a:outerShdw>
+                </a:effectLst>
+              </a14:hiddenEffects>
+            </a:ext>
+          </a:extLst>
+        </p:spPr>
+      </p:pic>
+      <p:sp>
+        <p:nvSpPr>
+          <p:cNvPr id="4" name="TextBox 3"/>
+          <p:cNvSpPr txBox="1"/>
+          <p:nvPr/>
+        </p:nvSpPr>
+        <p:spPr>
+          <a:xfrm>
+            <a:off x="1691680" y="4476684"/>
+            <a:ext cx="1184940" cy="369332"/>
+          </a:xfrm>
+          <a:prstGeom prst="rect">
+            <a:avLst/>
+          </a:prstGeom>
+          <a:noFill/>
+        </p:spPr>
+        <p:txBody>
+          <a:bodyPr wrap="none" rtlCol="0">
+            <a:spAutoFit/>
+          </a:bodyPr>
+          <a:lstStyle/>
+          <a:p>
+            <a:r>
+              <a:rPr lang="pt-BR" dirty="0" smtClean="0"/>
+              <a:t>Robomote</a:t>
+            </a:r>
+            <a:endParaRPr lang="pt-BR" dirty="0"/>
+          </a:p>
+        </p:txBody>
+      </p:sp>
+      <p:pic>
+        <p:nvPicPr>
+          <p:cNvPr id="2054" name="Picture 6" descr="http://www.hizook.com/files/users/3/Alice_Micro_Robot_Swarm.jpg"/>
+          <p:cNvPicPr>
+            <a:picLocks noChangeAspect="1" noChangeArrowheads="1"/>
+          </p:cNvPicPr>
+          <p:nvPr/>
+        </p:nvPicPr>
+        <p:blipFill>
+          <a:blip r:embed="rId3" cstate="print">
+            <a:extLst>
+              <a:ext uri="{28A0092B-C50C-407E-A947-70E740481C1C}">
+                <a14:useLocalDpi xmlns:a14="http://schemas.microsoft.com/office/drawing/2010/main" val="0"/>
+              </a:ext>
+            </a:extLst>
+          </a:blip>
+          <a:srcRect/>
+          <a:stretch>
+            <a:fillRect/>
+          </a:stretch>
+        </p:blipFill>
+        <p:spPr bwMode="auto">
+          <a:xfrm>
+            <a:off x="4572874" y="1484784"/>
+            <a:ext cx="3936438" cy="2952328"/>
+          </a:xfrm>
+          <a:prstGeom prst="rect">
+            <a:avLst/>
+          </a:prstGeom>
+          <a:noFill/>
+          <a:extLst>
+            <a:ext uri="{909E8E84-426E-40DD-AFC4-6F175D3DCCD1}">
+              <a14:hiddenFill xmlns:a14="http://schemas.microsoft.com/office/drawing/2010/main">
+                <a:solidFill>
+                  <a:srgbClr val="FFFFFF"/>
+                </a:solidFill>
+              </a14:hiddenFill>
+            </a:ext>
+          </a:extLst>
+        </p:spPr>
+      </p:pic>
+      <p:sp>
+        <p:nvSpPr>
+          <p:cNvPr id="8" name="TextBox 7"/>
+          <p:cNvSpPr txBox="1"/>
+          <p:nvPr/>
+        </p:nvSpPr>
+        <p:spPr>
+          <a:xfrm>
+            <a:off x="6084168" y="4487464"/>
+            <a:ext cx="652743" cy="369332"/>
+          </a:xfrm>
+          <a:prstGeom prst="rect">
+            <a:avLst/>
+          </a:prstGeom>
+          <a:noFill/>
+        </p:spPr>
+        <p:txBody>
+          <a:bodyPr wrap="none" rtlCol="0">
+            <a:spAutoFit/>
+          </a:bodyPr>
+          <a:lstStyle/>
+          <a:p>
+            <a:r>
+              <a:rPr lang="pt-BR" dirty="0" smtClean="0"/>
+              <a:t>Alice</a:t>
+            </a:r>
+            <a:endParaRPr lang="pt-BR" dirty="0"/>
+          </a:p>
+        </p:txBody>
+      </p:sp>
+      <p:sp>
+        <p:nvSpPr>
+          <p:cNvPr id="3" name="Footer Placeholder 2"/>
+          <p:cNvSpPr>
+            <a:spLocks noGrp="1"/>
+          </p:cNvSpPr>
+          <p:nvPr>
+            <p:ph type="ftr" sz="quarter" idx="11"/>
+          </p:nvPr>
+        </p:nvSpPr>
+        <p:spPr/>
+        <p:txBody>
+          <a:bodyPr/>
+          <a:lstStyle/>
+          <a:p>
+            <a:r>
+              <a:rPr lang="pt-BR" smtClean="0"/>
+              <a:t>Pedro H. Affonso - Nov/2016</a:t>
+            </a:r>
+            <a:endParaRPr lang="pt-BR"/>
+          </a:p>
+        </p:txBody>
+      </p:sp>
+      <p:sp>
+        <p:nvSpPr>
+          <p:cNvPr id="5" name="Slide Number Placeholder 4"/>
+          <p:cNvSpPr>
+            <a:spLocks noGrp="1"/>
+          </p:cNvSpPr>
+          <p:nvPr>
+            <p:ph type="sldNum" sz="quarter" idx="12"/>
+          </p:nvPr>
+        </p:nvSpPr>
+        <p:spPr/>
+        <p:txBody>
+          <a:bodyPr/>
+          <a:lstStyle/>
+          <a:p>
+            <a:fld id="{1A58531D-7D0D-4E0A-8DC4-FF322C7609E7}" type="slidenum">
+              <a:rPr lang="pt-BR" smtClean="0"/>
+              <a:t>10</a:t>
+            </a:fld>
+            <a:endParaRPr lang="pt-BR"/>
+          </a:p>
+        </p:txBody>
+      </p:sp>
+    </p:spTree>
+    <p:extLst>
+      <p:ext uri="{BB962C8B-B14F-4D97-AF65-F5344CB8AC3E}">
+        <p14:creationId xmlns:p14="http://schemas.microsoft.com/office/powerpoint/2010/main" val="3308404715"/>
+      </p:ext>
+    </p:extLst>
+  </p:cSld>
+  <p:clrMapOvr>
+    <a:masterClrMapping/>
+  </p:clrMapOvr>
+</p:sld>
+</file>
+
+<file path=ppt/slides/slide11.xml><?xml version="1.0" encoding="utf-8"?>
 <p:sld xmlns:a="http://schemas.openxmlformats.org/drawingml/2006/main" xmlns:r="http://schemas.openxmlformats.org/officeDocument/2006/relationships" xmlns:p="http://schemas.openxmlformats.org/presentationml/2006/main">
   <p:cSld>
     <p:spTree>
@@ -3993,6 +4668,52 @@
           </a:p>
         </p:txBody>
       </p:sp>
+      <p:sp>
+        <p:nvSpPr>
+          <p:cNvPr id="6" name="Footer Placeholder 5"/>
+          <p:cNvSpPr>
+            <a:spLocks noGrp="1"/>
+          </p:cNvSpPr>
+          <p:nvPr>
+            <p:ph type="ftr" sz="quarter" idx="11"/>
+          </p:nvPr>
+        </p:nvSpPr>
+        <p:spPr/>
+        <p:txBody>
+          <a:bodyPr/>
+          <a:lstStyle/>
+          <a:p>
+            <a:r>
+              <a:rPr lang="pt-BR" smtClean="0"/>
+              <a:t>Pedro H. Affonso - Nov/2016</a:t>
+            </a:r>
+            <a:endParaRPr lang="pt-BR"/>
+          </a:p>
+        </p:txBody>
+      </p:sp>
+      <p:sp>
+        <p:nvSpPr>
+          <p:cNvPr id="7" name="Slide Number Placeholder 6"/>
+          <p:cNvSpPr>
+            <a:spLocks noGrp="1"/>
+          </p:cNvSpPr>
+          <p:nvPr>
+            <p:ph type="sldNum" sz="quarter" idx="12"/>
+          </p:nvPr>
+        </p:nvSpPr>
+        <p:spPr/>
+        <p:txBody>
+          <a:bodyPr/>
+          <a:lstStyle/>
+          <a:p>
+            <a:fld id="{1A58531D-7D0D-4E0A-8DC4-FF322C7609E7}" type="slidenum">
+              <a:rPr lang="pt-BR" smtClean="0"/>
+              <a:t>11</a:t>
+            </a:fld>
+            <a:endParaRPr lang="pt-BR"/>
+          </a:p>
+        </p:txBody>
+      </p:sp>
     </p:spTree>
     <p:extLst>
       <p:ext uri="{BB962C8B-B14F-4D97-AF65-F5344CB8AC3E}">
@@ -4003,108 +4724,13 @@
   <p:clrMapOvr>
     <a:masterClrMapping/>
   </p:clrMapOvr>
-</p:sld>
-</file>
-
-<file path=ppt/slides/slide11.xml><?xml version="1.0" encoding="utf-8"?>
-<p:sld xmlns:a="http://schemas.openxmlformats.org/drawingml/2006/main" xmlns:r="http://schemas.openxmlformats.org/officeDocument/2006/relationships" xmlns:p="http://schemas.openxmlformats.org/presentationml/2006/main">
-  <p:cSld>
-    <p:spTree>
-      <p:nvGrpSpPr>
-        <p:cNvPr id="1" name=""/>
-        <p:cNvGrpSpPr/>
-        <p:nvPr/>
-      </p:nvGrpSpPr>
-      <p:grpSpPr>
-        <a:xfrm>
-          <a:off x="0" y="0"/>
-          <a:ext cx="0" cy="0"/>
-          <a:chOff x="0" y="0"/>
-          <a:chExt cx="0" cy="0"/>
-        </a:xfrm>
-      </p:grpSpPr>
-      <p:sp>
-        <p:nvSpPr>
-          <p:cNvPr id="2" name="Title 1"/>
-          <p:cNvSpPr>
-            <a:spLocks noGrp="1"/>
-          </p:cNvSpPr>
-          <p:nvPr>
-            <p:ph type="title"/>
-          </p:nvPr>
-        </p:nvSpPr>
-        <p:spPr/>
-        <p:txBody>
-          <a:bodyPr/>
-          <a:lstStyle/>
-          <a:p>
-            <a:r>
-              <a:rPr lang="pt-BR" dirty="0" smtClean="0"/>
-              <a:t>Internet das Coisas Robóticas</a:t>
-            </a:r>
-            <a:endParaRPr lang="pt-BR" dirty="0"/>
-          </a:p>
-        </p:txBody>
-      </p:sp>
-      <p:sp>
-        <p:nvSpPr>
-          <p:cNvPr id="3" name="Content Placeholder 2"/>
-          <p:cNvSpPr>
-            <a:spLocks noGrp="1"/>
-          </p:cNvSpPr>
-          <p:nvPr>
-            <p:ph sz="quarter" idx="1"/>
-          </p:nvPr>
-        </p:nvSpPr>
-        <p:spPr/>
-        <p:txBody>
-          <a:bodyPr/>
-          <a:lstStyle/>
-          <a:p>
-            <a:r>
-              <a:rPr lang="pt-BR" dirty="0" smtClean="0"/>
-              <a:t>Apontado por alguns como o próximo passo da Internet das Coisas, acrescentando novas possibilidades</a:t>
-            </a:r>
-          </a:p>
-          <a:p>
-            <a:r>
-              <a:rPr lang="pt-BR" dirty="0"/>
-              <a:t>Será possível controlar robôs domésticos pela internet da maneira que se controla um termostato por celular</a:t>
-            </a:r>
-          </a:p>
-          <a:p>
-            <a:r>
-              <a:rPr lang="pt-BR" dirty="0" smtClean="0"/>
-              <a:t>Os robôs não se limitam mais aos seus próprios sensores para perceber o ambiente – grande disponibilidade de dados de dispositivos e ambientes inteligentes</a:t>
-            </a:r>
-          </a:p>
-          <a:p>
-            <a:r>
-              <a:rPr lang="pt-BR" dirty="0" smtClean="0"/>
-              <a:t>Robôs poderão usar bases de dados na internet – mapas, receitas, palavras, objetos, movimentos</a:t>
-            </a:r>
-          </a:p>
-          <a:p>
-            <a:endParaRPr lang="pt-BR" dirty="0" smtClean="0"/>
-          </a:p>
-          <a:p>
-            <a:endParaRPr lang="pt-BR" dirty="0" smtClean="0"/>
-          </a:p>
-          <a:p>
-            <a:endParaRPr lang="pt-BR" dirty="0"/>
-          </a:p>
-        </p:txBody>
-      </p:sp>
-    </p:spTree>
-    <p:extLst>
-      <p:ext uri="{BB962C8B-B14F-4D97-AF65-F5344CB8AC3E}">
-        <p14:creationId xmlns:p14="http://schemas.microsoft.com/office/powerpoint/2010/main" val="2543123065"/>
-      </p:ext>
-    </p:extLst>
-  </p:cSld>
-  <p:clrMapOvr>
-    <a:masterClrMapping/>
-  </p:clrMapOvr>
+  <p:timing>
+    <p:tnLst>
+      <p:par>
+        <p:cTn id="1" dur="indefinite" restart="never" nodeType="tmRoot"/>
+      </p:par>
+    </p:tnLst>
+  </p:timing>
 </p:sld>
 </file>
 
@@ -4142,6 +4768,154 @@
           <a:p>
             <a:r>
               <a:rPr lang="pt-BR" dirty="0" smtClean="0"/>
+              <a:t>Internet das Coisas Robóticas</a:t>
+            </a:r>
+            <a:endParaRPr lang="pt-BR" dirty="0"/>
+          </a:p>
+        </p:txBody>
+      </p:sp>
+      <p:sp>
+        <p:nvSpPr>
+          <p:cNvPr id="3" name="Content Placeholder 2"/>
+          <p:cNvSpPr>
+            <a:spLocks noGrp="1"/>
+          </p:cNvSpPr>
+          <p:nvPr>
+            <p:ph sz="quarter" idx="1"/>
+          </p:nvPr>
+        </p:nvSpPr>
+        <p:spPr/>
+        <p:txBody>
+          <a:bodyPr/>
+          <a:lstStyle/>
+          <a:p>
+            <a:r>
+              <a:rPr lang="pt-BR" dirty="0" smtClean="0"/>
+              <a:t>Apontado por alguns como o próximo passo da Internet das Coisas, acrescentando novas possibilidades</a:t>
+            </a:r>
+          </a:p>
+          <a:p>
+            <a:r>
+              <a:rPr lang="pt-BR" dirty="0"/>
+              <a:t>Será possível controlar robôs domésticos pela internet da maneira que se controla um termostato por celular</a:t>
+            </a:r>
+          </a:p>
+          <a:p>
+            <a:r>
+              <a:rPr lang="pt-BR" dirty="0" smtClean="0"/>
+              <a:t>Os robôs não se limitam mais aos seus próprios sensores para perceber o ambiente – grande disponibilidade de dados de dispositivos e ambientes inteligentes</a:t>
+            </a:r>
+          </a:p>
+          <a:p>
+            <a:r>
+              <a:rPr lang="pt-BR" dirty="0" smtClean="0"/>
+              <a:t>Robôs poderão usar bases de dados na internet – mapas, receitas, palavras, objetos, movimentos</a:t>
+            </a:r>
+          </a:p>
+          <a:p>
+            <a:endParaRPr lang="pt-BR" dirty="0" smtClean="0"/>
+          </a:p>
+          <a:p>
+            <a:endParaRPr lang="pt-BR" dirty="0" smtClean="0"/>
+          </a:p>
+          <a:p>
+            <a:endParaRPr lang="pt-BR" dirty="0"/>
+          </a:p>
+        </p:txBody>
+      </p:sp>
+      <p:sp>
+        <p:nvSpPr>
+          <p:cNvPr id="4" name="Footer Placeholder 3"/>
+          <p:cNvSpPr>
+            <a:spLocks noGrp="1"/>
+          </p:cNvSpPr>
+          <p:nvPr>
+            <p:ph type="ftr" sz="quarter" idx="11"/>
+          </p:nvPr>
+        </p:nvSpPr>
+        <p:spPr/>
+        <p:txBody>
+          <a:bodyPr/>
+          <a:lstStyle/>
+          <a:p>
+            <a:r>
+              <a:rPr lang="pt-BR" smtClean="0"/>
+              <a:t>Pedro H. Affonso - Nov/2016</a:t>
+            </a:r>
+            <a:endParaRPr lang="pt-BR"/>
+          </a:p>
+        </p:txBody>
+      </p:sp>
+      <p:sp>
+        <p:nvSpPr>
+          <p:cNvPr id="5" name="Slide Number Placeholder 4"/>
+          <p:cNvSpPr>
+            <a:spLocks noGrp="1"/>
+          </p:cNvSpPr>
+          <p:nvPr>
+            <p:ph type="sldNum" sz="quarter" idx="12"/>
+          </p:nvPr>
+        </p:nvSpPr>
+        <p:spPr/>
+        <p:txBody>
+          <a:bodyPr/>
+          <a:lstStyle/>
+          <a:p>
+            <a:fld id="{1A58531D-7D0D-4E0A-8DC4-FF322C7609E7}" type="slidenum">
+              <a:rPr lang="pt-BR" smtClean="0"/>
+              <a:t>12</a:t>
+            </a:fld>
+            <a:endParaRPr lang="pt-BR"/>
+          </a:p>
+        </p:txBody>
+      </p:sp>
+    </p:spTree>
+    <p:extLst>
+      <p:ext uri="{BB962C8B-B14F-4D97-AF65-F5344CB8AC3E}">
+        <p14:creationId xmlns:p14="http://schemas.microsoft.com/office/powerpoint/2010/main" val="2543123065"/>
+      </p:ext>
+    </p:extLst>
+  </p:cSld>
+  <p:clrMapOvr>
+    <a:masterClrMapping/>
+  </p:clrMapOvr>
+</p:sld>
+</file>
+
+<file path=ppt/slides/slide13.xml><?xml version="1.0" encoding="utf-8"?>
+<p:sld xmlns:a="http://schemas.openxmlformats.org/drawingml/2006/main" xmlns:r="http://schemas.openxmlformats.org/officeDocument/2006/relationships" xmlns:p="http://schemas.openxmlformats.org/presentationml/2006/main">
+  <p:cSld>
+    <p:spTree>
+      <p:nvGrpSpPr>
+        <p:cNvPr id="1" name=""/>
+        <p:cNvGrpSpPr/>
+        <p:nvPr/>
+      </p:nvGrpSpPr>
+      <p:grpSpPr>
+        <a:xfrm>
+          <a:off x="0" y="0"/>
+          <a:ext cx="0" cy="0"/>
+          <a:chOff x="0" y="0"/>
+          <a:chExt cx="0" cy="0"/>
+        </a:xfrm>
+      </p:grpSpPr>
+      <p:sp>
+        <p:nvSpPr>
+          <p:cNvPr id="2" name="Title 1"/>
+          <p:cNvSpPr>
+            <a:spLocks noGrp="1"/>
+          </p:cNvSpPr>
+          <p:nvPr>
+            <p:ph type="title"/>
+          </p:nvPr>
+        </p:nvSpPr>
+        <p:spPr/>
+        <p:txBody>
+          <a:bodyPr/>
+          <a:lstStyle/>
+          <a:p>
+            <a:r>
+              <a:rPr lang="pt-BR" dirty="0" smtClean="0"/>
               <a:t>Vantagens de RSSF/IoT + robôs</a:t>
             </a:r>
             <a:endParaRPr lang="pt-BR" dirty="0"/>
@@ -4231,6 +5005,52 @@
               <a:rPr lang="pt-BR" dirty="0" smtClean="0"/>
               <a:t>Diminuição do problema de afunilamento</a:t>
             </a:r>
+          </a:p>
+        </p:txBody>
+      </p:sp>
+      <p:sp>
+        <p:nvSpPr>
+          <p:cNvPr id="4" name="Footer Placeholder 3"/>
+          <p:cNvSpPr>
+            <a:spLocks noGrp="1"/>
+          </p:cNvSpPr>
+          <p:nvPr>
+            <p:ph type="ftr" sz="quarter" idx="11"/>
+          </p:nvPr>
+        </p:nvSpPr>
+        <p:spPr/>
+        <p:txBody>
+          <a:bodyPr/>
+          <a:lstStyle/>
+          <a:p>
+            <a:r>
+              <a:rPr lang="pt-BR" smtClean="0"/>
+              <a:t>Pedro H. Affonso - Nov/2016</a:t>
+            </a:r>
+            <a:endParaRPr lang="pt-BR"/>
+          </a:p>
+        </p:txBody>
+      </p:sp>
+      <p:sp>
+        <p:nvSpPr>
+          <p:cNvPr id="5" name="Slide Number Placeholder 4"/>
+          <p:cNvSpPr>
+            <a:spLocks noGrp="1"/>
+          </p:cNvSpPr>
+          <p:nvPr>
+            <p:ph type="sldNum" sz="quarter" idx="12"/>
+          </p:nvPr>
+        </p:nvSpPr>
+        <p:spPr/>
+        <p:txBody>
+          <a:bodyPr/>
+          <a:lstStyle/>
+          <a:p>
+            <a:fld id="{1A58531D-7D0D-4E0A-8DC4-FF322C7609E7}" type="slidenum">
+              <a:rPr lang="pt-BR" smtClean="0"/>
+              <a:t>13</a:t>
+            </a:fld>
+            <a:endParaRPr lang="pt-BR"/>
           </a:p>
         </p:txBody>
       </p:sp>
@@ -4244,10 +5064,17 @@
   <p:clrMapOvr>
     <a:masterClrMapping/>
   </p:clrMapOvr>
+  <p:timing>
+    <p:tnLst>
+      <p:par>
+        <p:cTn id="1" dur="indefinite" restart="never" nodeType="tmRoot"/>
+      </p:par>
+    </p:tnLst>
+  </p:timing>
 </p:sld>
 </file>
 
-<file path=ppt/slides/slide13.xml><?xml version="1.0" encoding="utf-8"?>
+<file path=ppt/slides/slide14.xml><?xml version="1.0" encoding="utf-8"?>
 <p:sld xmlns:a="http://schemas.openxmlformats.org/drawingml/2006/main" xmlns:r="http://schemas.openxmlformats.org/officeDocument/2006/relationships" xmlns:p="http://schemas.openxmlformats.org/presentationml/2006/main">
   <p:cSld>
     <p:spTree>
@@ -4623,7 +5450,6 @@
               <a:rPr lang="pt-BR" dirty="0" smtClean="0"/>
               <a:t>Meio para (re)posicionar os sensores de maneira otimizada</a:t>
             </a:r>
-            <a:endParaRPr lang="pt-BR" dirty="0" smtClean="0"/>
           </a:p>
           <a:p>
             <a:pPr lvl="1"/>
@@ -4636,6 +5462,52 @@
           <a:p>
             <a:pPr lvl="1"/>
             <a:endParaRPr lang="pt-BR" dirty="0" smtClean="0"/>
+          </a:p>
+        </p:txBody>
+      </p:sp>
+      <p:sp>
+        <p:nvSpPr>
+          <p:cNvPr id="6" name="Footer Placeholder 5"/>
+          <p:cNvSpPr>
+            <a:spLocks noGrp="1"/>
+          </p:cNvSpPr>
+          <p:nvPr>
+            <p:ph type="ftr" sz="quarter" idx="11"/>
+          </p:nvPr>
+        </p:nvSpPr>
+        <p:spPr/>
+        <p:txBody>
+          <a:bodyPr/>
+          <a:lstStyle/>
+          <a:p>
+            <a:r>
+              <a:rPr lang="pt-BR" smtClean="0"/>
+              <a:t>Pedro H. Affonso - Nov/2016</a:t>
+            </a:r>
+            <a:endParaRPr lang="pt-BR"/>
+          </a:p>
+        </p:txBody>
+      </p:sp>
+      <p:sp>
+        <p:nvSpPr>
+          <p:cNvPr id="8" name="Slide Number Placeholder 7"/>
+          <p:cNvSpPr>
+            <a:spLocks noGrp="1"/>
+          </p:cNvSpPr>
+          <p:nvPr>
+            <p:ph type="sldNum" sz="quarter" idx="12"/>
+          </p:nvPr>
+        </p:nvSpPr>
+        <p:spPr/>
+        <p:txBody>
+          <a:bodyPr/>
+          <a:lstStyle/>
+          <a:p>
+            <a:fld id="{1A58531D-7D0D-4E0A-8DC4-FF322C7609E7}" type="slidenum">
+              <a:rPr lang="pt-BR" smtClean="0"/>
+              <a:t>14</a:t>
+            </a:fld>
+            <a:endParaRPr lang="pt-BR"/>
           </a:p>
         </p:txBody>
       </p:sp>
@@ -4649,10 +5521,128 @@
   <p:clrMapOvr>
     <a:masterClrMapping/>
   </p:clrMapOvr>
+  <p:timing>
+    <p:tnLst>
+      <p:par>
+        <p:cTn id="1" dur="indefinite" restart="never" nodeType="tmRoot"/>
+      </p:par>
+    </p:tnLst>
+  </p:timing>
 </p:sld>
 </file>
 
-<file path=ppt/slides/slide14.xml><?xml version="1.0" encoding="utf-8"?>
+<file path=ppt/slides/slide15.xml><?xml version="1.0" encoding="utf-8"?>
+<p:sld xmlns:a="http://schemas.openxmlformats.org/drawingml/2006/main" xmlns:r="http://schemas.openxmlformats.org/officeDocument/2006/relationships" xmlns:p="http://schemas.openxmlformats.org/presentationml/2006/main">
+  <p:cSld>
+    <p:spTree>
+      <p:nvGrpSpPr>
+        <p:cNvPr id="1" name=""/>
+        <p:cNvGrpSpPr/>
+        <p:nvPr/>
+      </p:nvGrpSpPr>
+      <p:grpSpPr>
+        <a:xfrm>
+          <a:off x="0" y="0"/>
+          <a:ext cx="0" cy="0"/>
+          <a:chOff x="0" y="0"/>
+          <a:chExt cx="0" cy="0"/>
+        </a:xfrm>
+      </p:grpSpPr>
+      <p:sp>
+        <p:nvSpPr>
+          <p:cNvPr id="2" name="Title 1"/>
+          <p:cNvSpPr>
+            <a:spLocks noGrp="1"/>
+          </p:cNvSpPr>
+          <p:nvPr>
+            <p:ph type="title"/>
+          </p:nvPr>
+        </p:nvSpPr>
+        <p:spPr>
+          <a:xfrm>
+            <a:off x="467544" y="2996952"/>
+            <a:ext cx="8229600" cy="990600"/>
+          </a:xfrm>
+        </p:spPr>
+        <p:txBody>
+          <a:bodyPr/>
+          <a:lstStyle/>
+          <a:p>
+            <a:r>
+              <a:rPr lang="pt-BR" dirty="0" smtClean="0"/>
+              <a:t>Aplicações em diferentes segmentos</a:t>
+            </a:r>
+            <a:endParaRPr lang="pt-BR" dirty="0"/>
+          </a:p>
+        </p:txBody>
+      </p:sp>
+      <p:sp>
+        <p:nvSpPr>
+          <p:cNvPr id="3" name="Footer Placeholder 2"/>
+          <p:cNvSpPr>
+            <a:spLocks noGrp="1"/>
+          </p:cNvSpPr>
+          <p:nvPr>
+            <p:ph type="ftr" sz="quarter" idx="11"/>
+          </p:nvPr>
+        </p:nvSpPr>
+        <p:spPr/>
+        <p:txBody>
+          <a:bodyPr/>
+          <a:lstStyle/>
+          <a:p>
+            <a:r>
+              <a:rPr lang="pt-BR" smtClean="0"/>
+              <a:t>Pedro H. Affonso - Nov/2016</a:t>
+            </a:r>
+            <a:endParaRPr lang="pt-BR"/>
+          </a:p>
+        </p:txBody>
+      </p:sp>
+      <p:sp>
+        <p:nvSpPr>
+          <p:cNvPr id="4" name="Slide Number Placeholder 3"/>
+          <p:cNvSpPr>
+            <a:spLocks noGrp="1"/>
+          </p:cNvSpPr>
+          <p:nvPr>
+            <p:ph type="sldNum" sz="quarter" idx="12"/>
+          </p:nvPr>
+        </p:nvSpPr>
+        <p:spPr/>
+        <p:txBody>
+          <a:bodyPr/>
+          <a:lstStyle/>
+          <a:p>
+            <a:fld id="{1A58531D-7D0D-4E0A-8DC4-FF322C7609E7}" type="slidenum">
+              <a:rPr lang="pt-BR" smtClean="0"/>
+              <a:t>15</a:t>
+            </a:fld>
+            <a:endParaRPr lang="pt-BR"/>
+          </a:p>
+        </p:txBody>
+      </p:sp>
+    </p:spTree>
+    <p:extLst>
+      <p:ext uri="{BB962C8B-B14F-4D97-AF65-F5344CB8AC3E}">
+        <p14:creationId xmlns:p14="http://schemas.microsoft.com/office/powerpoint/2010/main" val="2376460308"/>
+      </p:ext>
+    </p:extLst>
+  </p:cSld>
+  <p:clrMapOvr>
+    <a:masterClrMapping/>
+  </p:clrMapOvr>
+  <p:timing>
+    <p:tnLst>
+      <p:par>
+        <p:cTn id="1" dur="indefinite" restart="never" nodeType="tmRoot"/>
+      </p:par>
+    </p:tnLst>
+  </p:timing>
+</p:sld>
+</file>
+
+<file path=ppt/slides/slide16.xml><?xml version="1.0" encoding="utf-8"?>
 <p:sld xmlns:a="http://schemas.openxmlformats.org/drawingml/2006/main" xmlns:r="http://schemas.openxmlformats.org/officeDocument/2006/relationships" xmlns:p="http://schemas.openxmlformats.org/presentationml/2006/main">
   <p:cSld>
     <p:spTree>
@@ -4772,8 +5762,8 @@
         </p:blipFill>
         <p:spPr bwMode="auto">
           <a:xfrm>
-            <a:off x="611560" y="3898412"/>
-            <a:ext cx="3307054" cy="2511524"/>
+            <a:off x="898282" y="4007783"/>
+            <a:ext cx="3019022" cy="2292780"/>
           </a:xfrm>
           <a:prstGeom prst="rect">
             <a:avLst/>
@@ -4813,8 +5803,8 @@
         </p:blipFill>
         <p:spPr bwMode="auto">
           <a:xfrm>
-            <a:off x="5494972" y="3853105"/>
-            <a:ext cx="3469516" cy="2602137"/>
+            <a:off x="5292080" y="3853106"/>
+            <a:ext cx="3263277" cy="2447458"/>
           </a:xfrm>
           <a:prstGeom prst="rect">
             <a:avLst/>
@@ -4831,6 +5821,52 @@
           </a:extLst>
         </p:spPr>
       </p:pic>
+      <p:sp>
+        <p:nvSpPr>
+          <p:cNvPr id="4" name="Footer Placeholder 3"/>
+          <p:cNvSpPr>
+            <a:spLocks noGrp="1"/>
+          </p:cNvSpPr>
+          <p:nvPr>
+            <p:ph type="ftr" sz="quarter" idx="11"/>
+          </p:nvPr>
+        </p:nvSpPr>
+        <p:spPr/>
+        <p:txBody>
+          <a:bodyPr/>
+          <a:lstStyle/>
+          <a:p>
+            <a:r>
+              <a:rPr lang="pt-BR" smtClean="0"/>
+              <a:t>Pedro H. Affonso - Nov/2016</a:t>
+            </a:r>
+            <a:endParaRPr lang="pt-BR"/>
+          </a:p>
+        </p:txBody>
+      </p:sp>
+      <p:sp>
+        <p:nvSpPr>
+          <p:cNvPr id="5" name="Slide Number Placeholder 4"/>
+          <p:cNvSpPr>
+            <a:spLocks noGrp="1"/>
+          </p:cNvSpPr>
+          <p:nvPr>
+            <p:ph type="sldNum" sz="quarter" idx="12"/>
+          </p:nvPr>
+        </p:nvSpPr>
+        <p:spPr/>
+        <p:txBody>
+          <a:bodyPr/>
+          <a:lstStyle/>
+          <a:p>
+            <a:fld id="{1A58531D-7D0D-4E0A-8DC4-FF322C7609E7}" type="slidenum">
+              <a:rPr lang="pt-BR" smtClean="0"/>
+              <a:t>16</a:t>
+            </a:fld>
+            <a:endParaRPr lang="pt-BR"/>
+          </a:p>
+        </p:txBody>
+      </p:sp>
     </p:spTree>
     <p:extLst>
       <p:ext uri="{BB962C8B-B14F-4D97-AF65-F5344CB8AC3E}">
@@ -4841,10 +5877,17 @@
   <p:clrMapOvr>
     <a:masterClrMapping/>
   </p:clrMapOvr>
+  <p:timing>
+    <p:tnLst>
+      <p:par>
+        <p:cTn id="1" dur="indefinite" restart="never" nodeType="tmRoot"/>
+      </p:par>
+    </p:tnLst>
+  </p:timing>
 </p:sld>
 </file>
 
-<file path=ppt/slides/slide15.xml><?xml version="1.0" encoding="utf-8"?>
+<file path=ppt/slides/slide17.xml><?xml version="1.0" encoding="utf-8"?>
 <p:sld xmlns:a="http://schemas.openxmlformats.org/drawingml/2006/main" xmlns:r="http://schemas.openxmlformats.org/officeDocument/2006/relationships" xmlns:p="http://schemas.openxmlformats.org/presentationml/2006/main">
   <p:cSld>
     <p:spTree>
@@ -5010,6 +6053,52 @@
           </a:extLst>
         </p:spPr>
       </p:pic>
+      <p:sp>
+        <p:nvSpPr>
+          <p:cNvPr id="4" name="Footer Placeholder 3"/>
+          <p:cNvSpPr>
+            <a:spLocks noGrp="1"/>
+          </p:cNvSpPr>
+          <p:nvPr>
+            <p:ph type="ftr" sz="quarter" idx="11"/>
+          </p:nvPr>
+        </p:nvSpPr>
+        <p:spPr/>
+        <p:txBody>
+          <a:bodyPr/>
+          <a:lstStyle/>
+          <a:p>
+            <a:r>
+              <a:rPr lang="pt-BR" smtClean="0"/>
+              <a:t>Pedro H. Affonso - Nov/2016</a:t>
+            </a:r>
+            <a:endParaRPr lang="pt-BR"/>
+          </a:p>
+        </p:txBody>
+      </p:sp>
+      <p:sp>
+        <p:nvSpPr>
+          <p:cNvPr id="5" name="Slide Number Placeholder 4"/>
+          <p:cNvSpPr>
+            <a:spLocks noGrp="1"/>
+          </p:cNvSpPr>
+          <p:nvPr>
+            <p:ph type="sldNum" sz="quarter" idx="12"/>
+          </p:nvPr>
+        </p:nvSpPr>
+        <p:spPr/>
+        <p:txBody>
+          <a:bodyPr/>
+          <a:lstStyle/>
+          <a:p>
+            <a:fld id="{1A58531D-7D0D-4E0A-8DC4-FF322C7609E7}" type="slidenum">
+              <a:rPr lang="pt-BR" smtClean="0"/>
+              <a:t>17</a:t>
+            </a:fld>
+            <a:endParaRPr lang="pt-BR"/>
+          </a:p>
+        </p:txBody>
+      </p:sp>
     </p:spTree>
     <p:extLst>
       <p:ext uri="{BB962C8B-B14F-4D97-AF65-F5344CB8AC3E}">
@@ -5020,288 +6109,13 @@
   <p:clrMapOvr>
     <a:masterClrMapping/>
   </p:clrMapOvr>
-</p:sld>
-</file>
-
-<file path=ppt/slides/slide16.xml><?xml version="1.0" encoding="utf-8"?>
-<p:sld xmlns:a="http://schemas.openxmlformats.org/drawingml/2006/main" xmlns:r="http://schemas.openxmlformats.org/officeDocument/2006/relationships" xmlns:p="http://schemas.openxmlformats.org/presentationml/2006/main">
-  <p:cSld>
-    <p:spTree>
-      <p:nvGrpSpPr>
-        <p:cNvPr id="1" name=""/>
-        <p:cNvGrpSpPr/>
-        <p:nvPr/>
-      </p:nvGrpSpPr>
-      <p:grpSpPr>
-        <a:xfrm>
-          <a:off x="0" y="0"/>
-          <a:ext cx="0" cy="0"/>
-          <a:chOff x="0" y="0"/>
-          <a:chExt cx="0" cy="0"/>
-        </a:xfrm>
-      </p:grpSpPr>
-      <p:sp>
-        <p:nvSpPr>
-          <p:cNvPr id="2" name="Title 1"/>
-          <p:cNvSpPr>
-            <a:spLocks noGrp="1"/>
-          </p:cNvSpPr>
-          <p:nvPr>
-            <p:ph type="title"/>
-          </p:nvPr>
-        </p:nvSpPr>
-        <p:spPr/>
-        <p:txBody>
-          <a:bodyPr/>
-          <a:lstStyle/>
-          <a:p>
-            <a:r>
-              <a:rPr lang="pt-BR" dirty="0" smtClean="0"/>
-              <a:t>Outros Setores</a:t>
-            </a:r>
-            <a:endParaRPr lang="pt-BR" dirty="0"/>
-          </a:p>
-        </p:txBody>
-      </p:sp>
-      <p:sp>
-        <p:nvSpPr>
-          <p:cNvPr id="3" name="Content Placeholder 2"/>
-          <p:cNvSpPr>
-            <a:spLocks noGrp="1"/>
-          </p:cNvSpPr>
-          <p:nvPr>
-            <p:ph sz="quarter" idx="1"/>
-          </p:nvPr>
-        </p:nvSpPr>
-        <p:spPr/>
-        <p:txBody>
-          <a:bodyPr>
-            <a:normAutofit lnSpcReduction="10000"/>
-          </a:bodyPr>
-          <a:lstStyle/>
-          <a:p>
-            <a:r>
-              <a:rPr lang="pt-BR" dirty="0" smtClean="0"/>
-              <a:t>Cidades Inteligentes</a:t>
-            </a:r>
-          </a:p>
-          <a:p>
-            <a:pPr lvl="1"/>
-            <a:r>
-              <a:rPr lang="pt-BR" dirty="0" smtClean="0"/>
-              <a:t>Coleta automática de lixo</a:t>
-            </a:r>
-          </a:p>
-          <a:p>
-            <a:pPr lvl="1"/>
-            <a:r>
-              <a:rPr lang="pt-BR" dirty="0" smtClean="0"/>
-              <a:t>Segurança e monitoramento com uso de drones</a:t>
-            </a:r>
-          </a:p>
-          <a:p>
-            <a:r>
-              <a:rPr lang="pt-BR" dirty="0" smtClean="0"/>
-              <a:t>Indústrias</a:t>
-            </a:r>
-          </a:p>
-          <a:p>
-            <a:pPr lvl="1"/>
-            <a:r>
-              <a:rPr lang="pt-BR" dirty="0" smtClean="0"/>
-              <a:t>Robôs já são lugar comum e </a:t>
-            </a:r>
-            <a:r>
-              <a:rPr lang="pt-BR" dirty="0" smtClean="0"/>
-              <a:t>vendas crescem a cada ano</a:t>
-            </a:r>
-          </a:p>
-          <a:p>
-            <a:pPr lvl="1"/>
-            <a:r>
-              <a:rPr lang="pt-BR" dirty="0"/>
-              <a:t>S</a:t>
-            </a:r>
-            <a:r>
-              <a:rPr lang="pt-BR" dirty="0" smtClean="0"/>
-              <a:t>erão </a:t>
-            </a:r>
-            <a:r>
-              <a:rPr lang="pt-BR" dirty="0" smtClean="0"/>
-              <a:t>integrados com IoT conforme for sendo implantada</a:t>
-            </a:r>
-          </a:p>
-          <a:p>
-            <a:pPr lvl="1"/>
-            <a:r>
-              <a:rPr lang="pt-BR" dirty="0"/>
-              <a:t>S</a:t>
-            </a:r>
-            <a:r>
-              <a:rPr lang="pt-BR" dirty="0" smtClean="0"/>
-              <a:t>e tornarão mais inteligentes</a:t>
-            </a:r>
-          </a:p>
-          <a:p>
-            <a:r>
-              <a:rPr lang="pt-BR" dirty="0" smtClean="0"/>
-              <a:t>Varejo</a:t>
-            </a:r>
-          </a:p>
-          <a:p>
-            <a:pPr lvl="1"/>
-            <a:r>
-              <a:rPr lang="pt-BR" dirty="0" smtClean="0"/>
-              <a:t>Atendentes/vendedores robóticos</a:t>
-            </a:r>
-          </a:p>
-          <a:p>
-            <a:pPr lvl="1"/>
-            <a:r>
-              <a:rPr lang="pt-BR" dirty="0" smtClean="0"/>
-              <a:t>Armazenar e buscar produtos – como em depósitos</a:t>
-            </a:r>
-          </a:p>
-          <a:p>
-            <a:r>
-              <a:rPr lang="pt-BR" dirty="0" smtClean="0"/>
-              <a:t>Automóveis</a:t>
-            </a:r>
-          </a:p>
-          <a:p>
-            <a:pPr lvl="1"/>
-            <a:r>
-              <a:rPr lang="pt-BR" dirty="0" smtClean="0"/>
-              <a:t>Carro autônomo </a:t>
-            </a:r>
-            <a:r>
-              <a:rPr lang="pt-BR" dirty="0" smtClean="0">
-                <a:sym typeface="Wingdings" pitchFamily="2" charset="2"/>
-              </a:rPr>
-              <a:t> Robô móvel</a:t>
-            </a:r>
-            <a:endParaRPr lang="pt-BR" dirty="0" smtClean="0"/>
-          </a:p>
-        </p:txBody>
-      </p:sp>
-    </p:spTree>
-    <p:extLst>
-      <p:ext uri="{BB962C8B-B14F-4D97-AF65-F5344CB8AC3E}">
-        <p14:creationId xmlns:p14="http://schemas.microsoft.com/office/powerpoint/2010/main" val="649753901"/>
-      </p:ext>
-    </p:extLst>
-  </p:cSld>
-  <p:clrMapOvr>
-    <a:masterClrMapping/>
-  </p:clrMapOvr>
-</p:sld>
-</file>
-
-<file path=ppt/slides/slide17.xml><?xml version="1.0" encoding="utf-8"?>
-<p:sld xmlns:a="http://schemas.openxmlformats.org/drawingml/2006/main" xmlns:r="http://schemas.openxmlformats.org/officeDocument/2006/relationships" xmlns:p="http://schemas.openxmlformats.org/presentationml/2006/main">
-  <p:cSld>
-    <p:spTree>
-      <p:nvGrpSpPr>
-        <p:cNvPr id="1" name=""/>
-        <p:cNvGrpSpPr/>
-        <p:nvPr/>
-      </p:nvGrpSpPr>
-      <p:grpSpPr>
-        <a:xfrm>
-          <a:off x="0" y="0"/>
-          <a:ext cx="0" cy="0"/>
-          <a:chOff x="0" y="0"/>
-          <a:chExt cx="0" cy="0"/>
-        </a:xfrm>
-      </p:grpSpPr>
-      <p:sp>
-        <p:nvSpPr>
-          <p:cNvPr id="2" name="Title 1"/>
-          <p:cNvSpPr>
-            <a:spLocks noGrp="1"/>
-          </p:cNvSpPr>
-          <p:nvPr>
-            <p:ph type="title"/>
-          </p:nvPr>
-        </p:nvSpPr>
-        <p:spPr/>
-        <p:txBody>
-          <a:bodyPr/>
-          <a:lstStyle/>
-          <a:p>
-            <a:r>
-              <a:rPr lang="pt-BR" dirty="0" smtClean="0"/>
-              <a:t>Conclusão</a:t>
-            </a:r>
-            <a:endParaRPr lang="pt-BR" dirty="0"/>
-          </a:p>
-        </p:txBody>
-      </p:sp>
-      <p:sp>
-        <p:nvSpPr>
-          <p:cNvPr id="3" name="Content Placeholder 2"/>
-          <p:cNvSpPr>
-            <a:spLocks noGrp="1"/>
-          </p:cNvSpPr>
-          <p:nvPr>
-            <p:ph sz="quarter" idx="1"/>
-          </p:nvPr>
-        </p:nvSpPr>
-        <p:spPr/>
-        <p:txBody>
-          <a:bodyPr/>
-          <a:lstStyle/>
-          <a:p>
-            <a:r>
-              <a:rPr lang="pt-BR" dirty="0" smtClean="0"/>
-              <a:t>Já existem muitas aplicações envolvendo robótica e IoT</a:t>
-            </a:r>
-          </a:p>
-          <a:p>
-            <a:r>
-              <a:rPr lang="pt-BR" dirty="0" smtClean="0"/>
-              <a:t>Torna possíveis robôs muito mais inteligentes</a:t>
-            </a:r>
-          </a:p>
-          <a:p>
-            <a:r>
-              <a:rPr lang="pt-BR" dirty="0" smtClean="0"/>
-              <a:t>Bastante interesse acadêmico e da indústria</a:t>
-            </a:r>
-          </a:p>
-          <a:p>
-            <a:r>
-              <a:rPr lang="pt-BR" dirty="0" smtClean="0"/>
-              <a:t>A tendência é que haja um crescimento muito grande</a:t>
-            </a:r>
-          </a:p>
-          <a:p>
-            <a:pPr lvl="1"/>
-            <a:r>
-              <a:rPr lang="pt-BR" dirty="0" smtClean="0"/>
-              <a:t>Conforme os custos de IoT caem</a:t>
-            </a:r>
-          </a:p>
-          <a:p>
-            <a:pPr lvl="1"/>
-            <a:r>
-              <a:rPr lang="pt-BR" dirty="0" smtClean="0"/>
-              <a:t>Com o amadurecimento da robótica</a:t>
-            </a:r>
-            <a:endParaRPr lang="pt-BR" dirty="0"/>
-          </a:p>
-        </p:txBody>
-      </p:sp>
-    </p:spTree>
-    <p:extLst>
-      <p:ext uri="{BB962C8B-B14F-4D97-AF65-F5344CB8AC3E}">
-        <p14:creationId xmlns:p14="http://schemas.microsoft.com/office/powerpoint/2010/main" val="3527821407"/>
-      </p:ext>
-    </p:extLst>
-  </p:cSld>
-  <p:clrMapOvr>
-    <a:masterClrMapping/>
-  </p:clrMapOvr>
+  <p:timing>
+    <p:tnLst>
+      <p:par>
+        <p:cTn id="1" dur="indefinite" restart="never" nodeType="tmRoot"/>
+      </p:par>
+    </p:tnLst>
+  </p:timing>
 </p:sld>
 </file>
 
@@ -5339,7 +6153,7 @@
           <a:p>
             <a:r>
               <a:rPr lang="pt-BR" dirty="0" smtClean="0"/>
-              <a:t>Dúvidas</a:t>
+              <a:t>Outros Setores</a:t>
             </a:r>
             <a:endParaRPr lang="pt-BR" dirty="0"/>
           </a:p>
@@ -5357,9 +6171,149 @@
         </p:nvSpPr>
         <p:spPr/>
         <p:txBody>
-          <a:bodyPr/>
-          <a:lstStyle/>
-          <a:p>
+          <a:bodyPr>
+            <a:normAutofit lnSpcReduction="10000"/>
+          </a:bodyPr>
+          <a:lstStyle/>
+          <a:p>
+            <a:r>
+              <a:rPr lang="pt-BR" dirty="0" smtClean="0"/>
+              <a:t>Cidades Inteligentes</a:t>
+            </a:r>
+          </a:p>
+          <a:p>
+            <a:pPr lvl="1"/>
+            <a:r>
+              <a:rPr lang="pt-BR" dirty="0" smtClean="0"/>
+              <a:t>Coleta automática de lixo</a:t>
+            </a:r>
+          </a:p>
+          <a:p>
+            <a:pPr lvl="1"/>
+            <a:r>
+              <a:rPr lang="pt-BR" dirty="0" smtClean="0"/>
+              <a:t>Segurança e monitoramento com uso de drones</a:t>
+            </a:r>
+          </a:p>
+          <a:p>
+            <a:r>
+              <a:rPr lang="pt-BR" dirty="0" smtClean="0"/>
+              <a:t>Indústrias</a:t>
+            </a:r>
+          </a:p>
+          <a:p>
+            <a:pPr lvl="1"/>
+            <a:r>
+              <a:rPr lang="pt-BR" dirty="0" smtClean="0"/>
+              <a:t>Robôs já são lugar comum e vendas crescem a cada ano</a:t>
+            </a:r>
+          </a:p>
+          <a:p>
+            <a:pPr lvl="1"/>
+            <a:r>
+              <a:rPr lang="pt-BR" dirty="0"/>
+              <a:t>S</a:t>
+            </a:r>
+            <a:r>
+              <a:rPr lang="pt-BR" dirty="0" smtClean="0"/>
+              <a:t>erão integrados com IoT conforme for sendo implantada</a:t>
+            </a:r>
+          </a:p>
+          <a:p>
+            <a:pPr lvl="1"/>
+            <a:r>
+              <a:rPr lang="pt-BR" dirty="0"/>
+              <a:t>S</a:t>
+            </a:r>
+            <a:r>
+              <a:rPr lang="pt-BR" dirty="0" smtClean="0"/>
+              <a:t>e tornarão mais inteligentes</a:t>
+            </a:r>
+          </a:p>
+          <a:p>
+            <a:r>
+              <a:rPr lang="pt-BR" dirty="0" smtClean="0"/>
+              <a:t>Varejo</a:t>
+            </a:r>
+          </a:p>
+          <a:p>
+            <a:pPr lvl="1"/>
+            <a:r>
+              <a:rPr lang="pt-BR" dirty="0" smtClean="0"/>
+              <a:t>Atendentes/vendedores robóticos</a:t>
+            </a:r>
+          </a:p>
+          <a:p>
+            <a:pPr lvl="1"/>
+            <a:r>
+              <a:rPr lang="pt-BR" dirty="0" smtClean="0"/>
+              <a:t>Armazenar e buscar produtos – como em depósitos</a:t>
+            </a:r>
+          </a:p>
+          <a:p>
+            <a:r>
+              <a:rPr lang="pt-BR" dirty="0" smtClean="0"/>
+              <a:t>Automóveis</a:t>
+            </a:r>
+          </a:p>
+          <a:p>
+            <a:pPr lvl="1"/>
+            <a:r>
+              <a:rPr lang="pt-BR" dirty="0" smtClean="0"/>
+              <a:t>Carro autônomo </a:t>
+            </a:r>
+            <a:r>
+              <a:rPr lang="pt-BR" dirty="0" smtClean="0">
+                <a:sym typeface="Wingdings" pitchFamily="2" charset="2"/>
+              </a:rPr>
+              <a:t> Robô móvel</a:t>
+            </a:r>
+            <a:endParaRPr lang="pt-BR" dirty="0" smtClean="0"/>
+          </a:p>
+        </p:txBody>
+      </p:sp>
+      <p:sp>
+        <p:nvSpPr>
+          <p:cNvPr id="4" name="Footer Placeholder 3"/>
+          <p:cNvSpPr>
+            <a:spLocks noGrp="1"/>
+          </p:cNvSpPr>
+          <p:nvPr>
+            <p:ph type="ftr" sz="quarter" idx="11"/>
+          </p:nvPr>
+        </p:nvSpPr>
+        <p:spPr/>
+        <p:txBody>
+          <a:bodyPr/>
+          <a:lstStyle/>
+          <a:p>
+            <a:r>
+              <a:rPr lang="pt-BR" smtClean="0"/>
+              <a:t>Pedro H. Affonso - Nov/2016</a:t>
+            </a:r>
+            <a:endParaRPr lang="pt-BR"/>
+          </a:p>
+        </p:txBody>
+      </p:sp>
+      <p:sp>
+        <p:nvSpPr>
+          <p:cNvPr id="5" name="Slide Number Placeholder 4"/>
+          <p:cNvSpPr>
+            <a:spLocks noGrp="1"/>
+          </p:cNvSpPr>
+          <p:nvPr>
+            <p:ph type="sldNum" sz="quarter" idx="12"/>
+          </p:nvPr>
+        </p:nvSpPr>
+        <p:spPr/>
+        <p:txBody>
+          <a:bodyPr/>
+          <a:lstStyle/>
+          <a:p>
+            <a:fld id="{1A58531D-7D0D-4E0A-8DC4-FF322C7609E7}" type="slidenum">
+              <a:rPr lang="pt-BR" smtClean="0"/>
+              <a:t>18</a:t>
+            </a:fld>
             <a:endParaRPr lang="pt-BR"/>
           </a:p>
         </p:txBody>
@@ -5367,13 +6321,20 @@
     </p:spTree>
     <p:extLst>
       <p:ext uri="{BB962C8B-B14F-4D97-AF65-F5344CB8AC3E}">
-        <p14:creationId xmlns:p14="http://schemas.microsoft.com/office/powerpoint/2010/main" val="3602084392"/>
+        <p14:creationId xmlns:p14="http://schemas.microsoft.com/office/powerpoint/2010/main" val="649753901"/>
       </p:ext>
     </p:extLst>
   </p:cSld>
   <p:clrMapOvr>
     <a:masterClrMapping/>
   </p:clrMapOvr>
+  <p:timing>
+    <p:tnLst>
+      <p:par>
+        <p:cTn id="1" dur="indefinite" restart="never" nodeType="tmRoot"/>
+      </p:par>
+    </p:tnLst>
+  </p:timing>
 </p:sld>
 </file>
 
@@ -5411,7 +6372,7 @@
           <a:p>
             <a:r>
               <a:rPr lang="pt-BR" dirty="0" smtClean="0"/>
-              <a:t>Referências</a:t>
+              <a:t>Conclusão</a:t>
             </a:r>
             <a:endParaRPr lang="pt-BR" dirty="0"/>
           </a:p>
@@ -5433,34 +6394,108 @@
           <a:lstStyle/>
           <a:p>
             <a:r>
-              <a:rPr lang="pt-BR" dirty="0">
-                <a:hlinkClick r:id="rId2"/>
-              </a:rPr>
-              <a:t>http://</a:t>
-            </a:r>
-            <a:r>
-              <a:rPr lang="pt-BR" dirty="0" smtClean="0">
-                <a:hlinkClick r:id="rId2"/>
-              </a:rPr>
-              <a:t>cacm.acm.org/news/205836-the-beginning-of-the-internet-of-robot-things/fulltext</a:t>
-            </a:r>
-            <a:endParaRPr lang="pt-BR" dirty="0" smtClean="0"/>
-          </a:p>
-          <a:p>
+              <a:rPr lang="pt-BR" dirty="0" smtClean="0"/>
+              <a:t>Já existem muitas aplicações envolvendo robótica e IoT</a:t>
+            </a:r>
+          </a:p>
+          <a:p>
+            <a:r>
+              <a:rPr lang="pt-BR" dirty="0" smtClean="0"/>
+              <a:t>Torna possíveis robôs muito mais inteligentes</a:t>
+            </a:r>
+          </a:p>
+          <a:p>
+            <a:r>
+              <a:rPr lang="pt-BR" dirty="0" smtClean="0"/>
+              <a:t>Bastante interesse acadêmico e da indústria</a:t>
+            </a:r>
+          </a:p>
+          <a:p>
+            <a:r>
+              <a:rPr lang="pt-BR" dirty="0" smtClean="0"/>
+              <a:t>A tendência é que haja um crescimento muito grande</a:t>
+            </a:r>
+          </a:p>
+          <a:p>
+            <a:pPr lvl="1"/>
+            <a:r>
+              <a:rPr lang="pt-BR" dirty="0" smtClean="0"/>
+              <a:t>Conforme os custos de IoT caem</a:t>
+            </a:r>
+          </a:p>
+          <a:p>
+            <a:pPr lvl="1"/>
+            <a:r>
+              <a:rPr lang="pt-BR" dirty="0" smtClean="0"/>
+              <a:t>Com o amadurecimento da robótica</a:t>
+            </a:r>
             <a:endParaRPr lang="pt-BR" dirty="0"/>
+          </a:p>
+        </p:txBody>
+      </p:sp>
+      <p:sp>
+        <p:nvSpPr>
+          <p:cNvPr id="4" name="Footer Placeholder 3"/>
+          <p:cNvSpPr>
+            <a:spLocks noGrp="1"/>
+          </p:cNvSpPr>
+          <p:nvPr>
+            <p:ph type="ftr" sz="quarter" idx="11"/>
+          </p:nvPr>
+        </p:nvSpPr>
+        <p:spPr/>
+        <p:txBody>
+          <a:bodyPr/>
+          <a:lstStyle/>
+          <a:p>
+            <a:r>
+              <a:rPr lang="pt-BR" smtClean="0"/>
+              <a:t>Pedro H. Affonso - Nov/2016</a:t>
+            </a:r>
+            <a:endParaRPr lang="pt-BR"/>
+          </a:p>
+        </p:txBody>
+      </p:sp>
+      <p:sp>
+        <p:nvSpPr>
+          <p:cNvPr id="5" name="Slide Number Placeholder 4"/>
+          <p:cNvSpPr>
+            <a:spLocks noGrp="1"/>
+          </p:cNvSpPr>
+          <p:nvPr>
+            <p:ph type="sldNum" sz="quarter" idx="12"/>
+          </p:nvPr>
+        </p:nvSpPr>
+        <p:spPr/>
+        <p:txBody>
+          <a:bodyPr/>
+          <a:lstStyle/>
+          <a:p>
+            <a:fld id="{1A58531D-7D0D-4E0A-8DC4-FF322C7609E7}" type="slidenum">
+              <a:rPr lang="pt-BR" smtClean="0"/>
+              <a:t>19</a:t>
+            </a:fld>
+            <a:endParaRPr lang="pt-BR"/>
           </a:p>
         </p:txBody>
       </p:sp>
     </p:spTree>
     <p:extLst>
       <p:ext uri="{BB962C8B-B14F-4D97-AF65-F5344CB8AC3E}">
-        <p14:creationId xmlns:p14="http://schemas.microsoft.com/office/powerpoint/2010/main" val="964487792"/>
+        <p14:creationId xmlns:p14="http://schemas.microsoft.com/office/powerpoint/2010/main" val="3527821407"/>
       </p:ext>
     </p:extLst>
   </p:cSld>
   <p:clrMapOvr>
     <a:masterClrMapping/>
   </p:clrMapOvr>
+  <p:timing>
+    <p:tnLst>
+      <p:par>
+        <p:cTn id="1" dur="indefinite" restart="never" nodeType="tmRoot"/>
+      </p:par>
+    </p:tnLst>
+  </p:timing>
 </p:sld>
 </file>
 
@@ -5543,8 +6578,30 @@
           <a:p>
             <a:r>
               <a:rPr lang="pt-BR" dirty="0" smtClean="0"/>
-              <a:t>Semelhanças e convergência com IoT</a:t>
-            </a:r>
+              <a:t>Robótica e Internet das Coisas</a:t>
+            </a:r>
+          </a:p>
+          <a:p>
+            <a:pPr lvl="1"/>
+            <a:r>
+              <a:rPr lang="pt-BR" dirty="0" smtClean="0"/>
+              <a:t>Semelhanças com RSSF/IoT e convergência</a:t>
+            </a:r>
+          </a:p>
+          <a:p>
+            <a:pPr lvl="1"/>
+            <a:r>
+              <a:rPr lang="pt-BR" dirty="0" smtClean="0"/>
+              <a:t>Internet das Coisas Robóticas</a:t>
+            </a:r>
+          </a:p>
+          <a:p>
+            <a:pPr lvl="1"/>
+            <a:r>
+              <a:rPr lang="pt-BR" dirty="0"/>
+              <a:t>Vantagens de RSSF/IoT + robôs</a:t>
+            </a:r>
+            <a:endParaRPr lang="pt-BR" dirty="0" smtClean="0"/>
           </a:p>
           <a:p>
             <a:r>
@@ -5573,6 +6630,52 @@
               <a:t>Outros</a:t>
             </a:r>
             <a:endParaRPr lang="pt-BR" dirty="0"/>
+          </a:p>
+        </p:txBody>
+      </p:sp>
+      <p:sp>
+        <p:nvSpPr>
+          <p:cNvPr id="4" name="Footer Placeholder 3"/>
+          <p:cNvSpPr>
+            <a:spLocks noGrp="1"/>
+          </p:cNvSpPr>
+          <p:nvPr>
+            <p:ph type="ftr" sz="quarter" idx="11"/>
+          </p:nvPr>
+        </p:nvSpPr>
+        <p:spPr/>
+        <p:txBody>
+          <a:bodyPr/>
+          <a:lstStyle/>
+          <a:p>
+            <a:r>
+              <a:rPr lang="pt-BR" smtClean="0"/>
+              <a:t>Pedro H. Affonso - Nov/2016</a:t>
+            </a:r>
+            <a:endParaRPr lang="pt-BR"/>
+          </a:p>
+        </p:txBody>
+      </p:sp>
+      <p:sp>
+        <p:nvSpPr>
+          <p:cNvPr id="5" name="Slide Number Placeholder 4"/>
+          <p:cNvSpPr>
+            <a:spLocks noGrp="1"/>
+          </p:cNvSpPr>
+          <p:nvPr>
+            <p:ph type="sldNum" sz="quarter" idx="12"/>
+          </p:nvPr>
+        </p:nvSpPr>
+        <p:spPr/>
+        <p:txBody>
+          <a:bodyPr/>
+          <a:lstStyle/>
+          <a:p>
+            <a:fld id="{1A58531D-7D0D-4E0A-8DC4-FF322C7609E7}" type="slidenum">
+              <a:rPr lang="pt-BR" smtClean="0"/>
+              <a:t>2</a:t>
+            </a:fld>
+            <a:endParaRPr lang="pt-BR"/>
           </a:p>
         </p:txBody>
       </p:sp>
@@ -5586,6 +6689,567 @@
   <p:clrMapOvr>
     <a:masterClrMapping/>
   </p:clrMapOvr>
+  <p:timing>
+    <p:tnLst>
+      <p:par>
+        <p:cTn id="1" dur="indefinite" restart="never" nodeType="tmRoot"/>
+      </p:par>
+    </p:tnLst>
+  </p:timing>
+</p:sld>
+</file>
+
+<file path=ppt/slides/slide20.xml><?xml version="1.0" encoding="utf-8"?>
+<p:sld xmlns:a="http://schemas.openxmlformats.org/drawingml/2006/main" xmlns:r="http://schemas.openxmlformats.org/officeDocument/2006/relationships" xmlns:p="http://schemas.openxmlformats.org/presentationml/2006/main">
+  <p:cSld>
+    <p:spTree>
+      <p:nvGrpSpPr>
+        <p:cNvPr id="1" name=""/>
+        <p:cNvGrpSpPr/>
+        <p:nvPr/>
+      </p:nvGrpSpPr>
+      <p:grpSpPr>
+        <a:xfrm>
+          <a:off x="0" y="0"/>
+          <a:ext cx="0" cy="0"/>
+          <a:chOff x="0" y="0"/>
+          <a:chExt cx="0" cy="0"/>
+        </a:xfrm>
+      </p:grpSpPr>
+      <p:sp>
+        <p:nvSpPr>
+          <p:cNvPr id="2" name="Title 1"/>
+          <p:cNvSpPr>
+            <a:spLocks noGrp="1"/>
+          </p:cNvSpPr>
+          <p:nvPr>
+            <p:ph type="title"/>
+          </p:nvPr>
+        </p:nvSpPr>
+        <p:spPr/>
+        <p:txBody>
+          <a:bodyPr/>
+          <a:lstStyle/>
+          <a:p>
+            <a:r>
+              <a:rPr lang="pt-BR" dirty="0" smtClean="0"/>
+              <a:t>Dúvidas</a:t>
+            </a:r>
+            <a:endParaRPr lang="pt-BR" dirty="0"/>
+          </a:p>
+        </p:txBody>
+      </p:sp>
+      <p:sp>
+        <p:nvSpPr>
+          <p:cNvPr id="3" name="Content Placeholder 2"/>
+          <p:cNvSpPr>
+            <a:spLocks noGrp="1"/>
+          </p:cNvSpPr>
+          <p:nvPr>
+            <p:ph sz="quarter" idx="1"/>
+          </p:nvPr>
+        </p:nvSpPr>
+        <p:spPr/>
+        <p:txBody>
+          <a:bodyPr/>
+          <a:lstStyle/>
+          <a:p>
+            <a:endParaRPr lang="pt-BR"/>
+          </a:p>
+        </p:txBody>
+      </p:sp>
+      <p:sp>
+        <p:nvSpPr>
+          <p:cNvPr id="4" name="Footer Placeholder 3"/>
+          <p:cNvSpPr>
+            <a:spLocks noGrp="1"/>
+          </p:cNvSpPr>
+          <p:nvPr>
+            <p:ph type="ftr" sz="quarter" idx="11"/>
+          </p:nvPr>
+        </p:nvSpPr>
+        <p:spPr/>
+        <p:txBody>
+          <a:bodyPr/>
+          <a:lstStyle/>
+          <a:p>
+            <a:r>
+              <a:rPr lang="pt-BR" smtClean="0"/>
+              <a:t>Pedro H. Affonso - Nov/2016</a:t>
+            </a:r>
+            <a:endParaRPr lang="pt-BR"/>
+          </a:p>
+        </p:txBody>
+      </p:sp>
+      <p:sp>
+        <p:nvSpPr>
+          <p:cNvPr id="5" name="Slide Number Placeholder 4"/>
+          <p:cNvSpPr>
+            <a:spLocks noGrp="1"/>
+          </p:cNvSpPr>
+          <p:nvPr>
+            <p:ph type="sldNum" sz="quarter" idx="12"/>
+          </p:nvPr>
+        </p:nvSpPr>
+        <p:spPr/>
+        <p:txBody>
+          <a:bodyPr/>
+          <a:lstStyle/>
+          <a:p>
+            <a:fld id="{1A58531D-7D0D-4E0A-8DC4-FF322C7609E7}" type="slidenum">
+              <a:rPr lang="pt-BR" smtClean="0"/>
+              <a:t>20</a:t>
+            </a:fld>
+            <a:endParaRPr lang="pt-BR"/>
+          </a:p>
+        </p:txBody>
+      </p:sp>
+    </p:spTree>
+    <p:extLst>
+      <p:ext uri="{BB962C8B-B14F-4D97-AF65-F5344CB8AC3E}">
+        <p14:creationId xmlns:p14="http://schemas.microsoft.com/office/powerpoint/2010/main" val="3602084392"/>
+      </p:ext>
+    </p:extLst>
+  </p:cSld>
+  <p:clrMapOvr>
+    <a:masterClrMapping/>
+  </p:clrMapOvr>
+  <p:timing>
+    <p:tnLst>
+      <p:par>
+        <p:cTn id="1" dur="indefinite" restart="never" nodeType="tmRoot"/>
+      </p:par>
+    </p:tnLst>
+  </p:timing>
+</p:sld>
+</file>
+
+<file path=ppt/slides/slide21.xml><?xml version="1.0" encoding="utf-8"?>
+<p:sld xmlns:a="http://schemas.openxmlformats.org/drawingml/2006/main" xmlns:r="http://schemas.openxmlformats.org/officeDocument/2006/relationships" xmlns:p="http://schemas.openxmlformats.org/presentationml/2006/main">
+  <p:cSld>
+    <p:spTree>
+      <p:nvGrpSpPr>
+        <p:cNvPr id="1" name=""/>
+        <p:cNvGrpSpPr/>
+        <p:nvPr/>
+      </p:nvGrpSpPr>
+      <p:grpSpPr>
+        <a:xfrm>
+          <a:off x="0" y="0"/>
+          <a:ext cx="0" cy="0"/>
+          <a:chOff x="0" y="0"/>
+          <a:chExt cx="0" cy="0"/>
+        </a:xfrm>
+      </p:grpSpPr>
+      <p:sp>
+        <p:nvSpPr>
+          <p:cNvPr id="2" name="Title 1"/>
+          <p:cNvSpPr>
+            <a:spLocks noGrp="1"/>
+          </p:cNvSpPr>
+          <p:nvPr>
+            <p:ph type="title"/>
+          </p:nvPr>
+        </p:nvSpPr>
+        <p:spPr/>
+        <p:txBody>
+          <a:bodyPr/>
+          <a:lstStyle/>
+          <a:p>
+            <a:r>
+              <a:rPr lang="pt-BR" dirty="0" smtClean="0"/>
+              <a:t>Referências</a:t>
+            </a:r>
+            <a:endParaRPr lang="pt-BR" dirty="0"/>
+          </a:p>
+        </p:txBody>
+      </p:sp>
+      <p:sp>
+        <p:nvSpPr>
+          <p:cNvPr id="3" name="Content Placeholder 2"/>
+          <p:cNvSpPr>
+            <a:spLocks noGrp="1"/>
+          </p:cNvSpPr>
+          <p:nvPr>
+            <p:ph sz="quarter" idx="1"/>
+          </p:nvPr>
+        </p:nvSpPr>
+        <p:spPr/>
+        <p:txBody>
+          <a:bodyPr>
+            <a:normAutofit fontScale="62500" lnSpcReduction="20000"/>
+          </a:bodyPr>
+          <a:lstStyle/>
+          <a:p>
+            <a:r>
+              <a:rPr lang="pt-BR" b="1" dirty="0" smtClean="0"/>
+              <a:t>The </a:t>
+            </a:r>
+            <a:r>
+              <a:rPr lang="pt-BR" b="1" dirty="0"/>
+              <a:t>integration of mobile (tele) robotics and wireless sensor networks: A survey</a:t>
+            </a:r>
+          </a:p>
+          <a:p>
+            <a:pPr lvl="1"/>
+            <a:r>
+              <a:rPr lang="pt-BR" dirty="0"/>
+              <a:t>A Wichmann, BD Okkalioglu, T Korkmaz - </a:t>
+            </a:r>
+            <a:r>
+              <a:rPr lang="fr-FR" i="1" dirty="0"/>
+              <a:t>Computer Communications</a:t>
+            </a:r>
+            <a:r>
+              <a:rPr lang="fr-FR" dirty="0"/>
+              <a:t> 51 (2014): 21-35</a:t>
+            </a:r>
+            <a:r>
+              <a:rPr lang="fr-FR" dirty="0" smtClean="0"/>
+              <a:t>.</a:t>
+            </a:r>
+          </a:p>
+          <a:p>
+            <a:r>
+              <a:rPr lang="pt-BR" b="1" dirty="0" smtClean="0"/>
+              <a:t>Indoor localization system using RSSI measurement of wireless sensor network based on ZigBee standard</a:t>
+            </a:r>
+          </a:p>
+          <a:p>
+            <a:pPr lvl="1"/>
+            <a:r>
+              <a:rPr lang="pt-BR" dirty="0" smtClean="0"/>
+              <a:t>M </a:t>
+            </a:r>
+            <a:r>
+              <a:rPr lang="pt-BR" dirty="0"/>
+              <a:t>Sugano, T Kawazoe, Y Ohta, M Murata </a:t>
+            </a:r>
+            <a:r>
+              <a:rPr lang="pt-BR" dirty="0" smtClean="0"/>
+              <a:t>- </a:t>
+            </a:r>
+            <a:r>
+              <a:rPr lang="pt-BR" i="1" dirty="0"/>
+              <a:t>Target</a:t>
+            </a:r>
+            <a:r>
+              <a:rPr lang="pt-BR" dirty="0"/>
+              <a:t>, </a:t>
+            </a:r>
+            <a:r>
+              <a:rPr lang="pt-BR" i="1" dirty="0" smtClean="0"/>
+              <a:t>538 (2006)</a:t>
+            </a:r>
+            <a:r>
+              <a:rPr lang="pt-BR" dirty="0" smtClean="0"/>
+              <a:t>, 050</a:t>
+            </a:r>
+            <a:endParaRPr lang="pt-BR" dirty="0" smtClean="0"/>
+          </a:p>
+          <a:p>
+            <a:r>
+              <a:rPr lang="en-US" b="1" dirty="0" smtClean="0"/>
+              <a:t>Analysis of deployment and movement policies in wireless sensor and robot networks</a:t>
+            </a:r>
+          </a:p>
+          <a:p>
+            <a:pPr lvl="1"/>
+            <a:r>
+              <a:rPr lang="en-US" dirty="0" smtClean="0"/>
+              <a:t>A </a:t>
+            </a:r>
+            <a:r>
+              <a:rPr lang="en-US" dirty="0" err="1"/>
+              <a:t>Wichmann</a:t>
+            </a:r>
+            <a:r>
+              <a:rPr lang="en-US" dirty="0"/>
+              <a:t>, T </a:t>
+            </a:r>
+            <a:r>
+              <a:rPr lang="en-US" dirty="0" err="1"/>
+              <a:t>Korkmaz</a:t>
+            </a:r>
+            <a:r>
+              <a:rPr lang="en-US" dirty="0"/>
+              <a:t> - </a:t>
+            </a:r>
+            <a:r>
+              <a:rPr lang="en-US" i="1" dirty="0" err="1" smtClean="0"/>
+              <a:t>WoWMoM</a:t>
+            </a:r>
+            <a:r>
+              <a:rPr lang="en-US" dirty="0" smtClean="0"/>
+              <a:t>. </a:t>
+            </a:r>
+            <a:r>
+              <a:rPr lang="en-US" dirty="0"/>
+              <a:t>IEEE, 2015.</a:t>
+            </a:r>
+            <a:endParaRPr lang="en-US" dirty="0" smtClean="0"/>
+          </a:p>
+          <a:p>
+            <a:pPr fontAlgn="base"/>
+            <a:r>
+              <a:rPr lang="en-US" b="1" dirty="0" smtClean="0"/>
+              <a:t>Batch forwarding in wireless sensor networks</a:t>
+            </a:r>
+          </a:p>
+          <a:p>
+            <a:pPr lvl="1" fontAlgn="base"/>
+            <a:r>
+              <a:rPr lang="en-US" dirty="0" smtClean="0"/>
+              <a:t>T</a:t>
+            </a:r>
+            <a:r>
+              <a:rPr lang="en-US" dirty="0"/>
+              <a:t>. </a:t>
+            </a:r>
+            <a:r>
+              <a:rPr lang="en-US" dirty="0" err="1" smtClean="0"/>
+              <a:t>Korkmaz</a:t>
+            </a:r>
+            <a:r>
+              <a:rPr lang="en-US" dirty="0" smtClean="0"/>
+              <a:t> - Military </a:t>
+            </a:r>
+            <a:r>
+              <a:rPr lang="en-US" dirty="0"/>
+              <a:t>Communications Conference, IEEE (2010), </a:t>
+            </a:r>
+            <a:r>
+              <a:rPr lang="en-US" dirty="0" smtClean="0"/>
+              <a:t>116–124</a:t>
+            </a:r>
+            <a:endParaRPr lang="en-US" dirty="0"/>
+          </a:p>
+          <a:p>
+            <a:pPr fontAlgn="base"/>
+            <a:r>
+              <a:rPr lang="en-US" b="1" dirty="0" smtClean="0"/>
+              <a:t>Data </a:t>
+            </a:r>
+            <a:r>
+              <a:rPr lang="en-US" b="1" dirty="0"/>
+              <a:t>mules: modeling and analysis of a three-tier architecture for sparse sensor networks</a:t>
+            </a:r>
+          </a:p>
+          <a:p>
+            <a:pPr lvl="1" fontAlgn="base"/>
+            <a:r>
+              <a:rPr lang="en-US" dirty="0"/>
+              <a:t>R.C. Shah, S. Roy, S. Jain, W. </a:t>
+            </a:r>
+            <a:r>
+              <a:rPr lang="en-US" dirty="0" smtClean="0"/>
+              <a:t>Brunette - </a:t>
+            </a:r>
+            <a:r>
+              <a:rPr lang="en-US" i="1" dirty="0"/>
+              <a:t>Ad Hoc Networks</a:t>
+            </a:r>
+            <a:r>
+              <a:rPr lang="en-US" dirty="0"/>
+              <a:t> 1.2 (2003): 215-233.</a:t>
+            </a:r>
+            <a:endParaRPr lang="en-US" dirty="0" smtClean="0"/>
+          </a:p>
+          <a:p>
+            <a:pPr fontAlgn="base"/>
+            <a:r>
+              <a:rPr lang="pt-BR" b="1" dirty="0" smtClean="0"/>
+              <a:t>Equipment </a:t>
+            </a:r>
+            <a:r>
+              <a:rPr lang="pt-BR" b="1" dirty="0"/>
+              <a:t>location in hospitals using RFID-based positioning </a:t>
+            </a:r>
+            <a:r>
+              <a:rPr lang="pt-BR" b="1" dirty="0" smtClean="0"/>
+              <a:t>system.</a:t>
+            </a:r>
+          </a:p>
+          <a:p>
+            <a:pPr lvl="1" fontAlgn="base"/>
+            <a:r>
+              <a:rPr lang="pt-BR" dirty="0" smtClean="0"/>
+              <a:t>Shirehjini</a:t>
+            </a:r>
+            <a:r>
+              <a:rPr lang="pt-BR" dirty="0"/>
+              <a:t>, </a:t>
+            </a:r>
+            <a:r>
+              <a:rPr lang="pt-BR" dirty="0" smtClean="0"/>
+              <a:t>A. Nazari</a:t>
+            </a:r>
+            <a:r>
+              <a:rPr lang="pt-BR" dirty="0"/>
+              <a:t>, </a:t>
+            </a:r>
+            <a:r>
+              <a:rPr lang="pt-BR" dirty="0" smtClean="0"/>
+              <a:t>A. Yassine</a:t>
+            </a:r>
+            <a:r>
+              <a:rPr lang="pt-BR" dirty="0"/>
+              <a:t>, </a:t>
+            </a:r>
+            <a:r>
+              <a:rPr lang="pt-BR" dirty="0"/>
+              <a:t> </a:t>
+            </a:r>
+            <a:r>
+              <a:rPr lang="pt-BR" dirty="0" smtClean="0"/>
+              <a:t>S.  Shirmohammadi -</a:t>
+            </a:r>
+            <a:r>
+              <a:rPr lang="pt-BR" dirty="0"/>
+              <a:t> IEEE Transactions on information technology in biomedicine 16.6 (2012): 1058-1069</a:t>
+            </a:r>
+            <a:r>
+              <a:rPr lang="pt-BR" dirty="0" smtClean="0"/>
+              <a:t>.</a:t>
+            </a:r>
+          </a:p>
+          <a:p>
+            <a:r>
+              <a:rPr lang="pt-BR" b="1" dirty="0"/>
+              <a:t>IoT-aided robotics applications: Technological implications, target domains and open issues</a:t>
+            </a:r>
+          </a:p>
+          <a:p>
+            <a:pPr lvl="1"/>
+            <a:r>
+              <a:rPr lang="pt-BR" dirty="0"/>
+              <a:t>LA </a:t>
+            </a:r>
+            <a:r>
+              <a:rPr lang="pt-BR" dirty="0" smtClean="0"/>
+              <a:t>Grieco</a:t>
+            </a:r>
+            <a:r>
+              <a:rPr lang="pt-BR" dirty="0"/>
+              <a:t> </a:t>
+            </a:r>
+            <a:r>
+              <a:rPr lang="pt-BR" dirty="0" smtClean="0"/>
+              <a:t>et al. - </a:t>
+            </a:r>
+            <a:r>
+              <a:rPr lang="fr-FR" dirty="0"/>
+              <a:t>Computer </a:t>
+            </a:r>
+            <a:r>
+              <a:rPr lang="fr-FR" dirty="0" smtClean="0"/>
+              <a:t>Communications 54 (2014): 32-47</a:t>
+            </a:r>
+            <a:endParaRPr lang="pt-BR" dirty="0"/>
+          </a:p>
+          <a:p>
+            <a:pPr fontAlgn="base"/>
+            <a:r>
+              <a:rPr lang="pt-BR" dirty="0">
+                <a:hlinkClick r:id="rId2"/>
+              </a:rPr>
+              <a:t>http://cacm.acm.org/news/205836-the-beginning-of-the-internet-of-robot-things/fulltext</a:t>
+            </a:r>
+            <a:endParaRPr lang="pt-BR" dirty="0"/>
+          </a:p>
+          <a:p>
+            <a:pPr fontAlgn="base"/>
+            <a:endParaRPr lang="pt-BR" dirty="0" smtClean="0"/>
+          </a:p>
+          <a:p>
+            <a:pPr fontAlgn="base"/>
+            <a:endParaRPr lang="en-US" dirty="0"/>
+          </a:p>
+          <a:p>
+            <a:pPr fontAlgn="base"/>
+            <a:endParaRPr lang="en-US" dirty="0"/>
+          </a:p>
+          <a:p>
+            <a:pPr lvl="1" fontAlgn="base"/>
+            <a:endParaRPr lang="en-US" b="1" dirty="0"/>
+          </a:p>
+          <a:p>
+            <a:endParaRPr lang="en-US" dirty="0"/>
+          </a:p>
+          <a:p>
+            <a:endParaRPr lang="pt-BR" dirty="0"/>
+          </a:p>
+          <a:p>
+            <a:endParaRPr lang="pt-BR" dirty="0" smtClean="0"/>
+          </a:p>
+          <a:p>
+            <a:endParaRPr lang="pt-BR" dirty="0"/>
+          </a:p>
+        </p:txBody>
+      </p:sp>
+      <p:sp>
+        <p:nvSpPr>
+          <p:cNvPr id="4" name="Footer Placeholder 3"/>
+          <p:cNvSpPr>
+            <a:spLocks noGrp="1"/>
+          </p:cNvSpPr>
+          <p:nvPr>
+            <p:ph type="ftr" sz="quarter" idx="11"/>
+          </p:nvPr>
+        </p:nvSpPr>
+        <p:spPr/>
+        <p:txBody>
+          <a:bodyPr/>
+          <a:lstStyle/>
+          <a:p>
+            <a:r>
+              <a:rPr lang="pt-BR" smtClean="0"/>
+              <a:t>Pedro H. Affonso - Nov/2016</a:t>
+            </a:r>
+            <a:endParaRPr lang="pt-BR"/>
+          </a:p>
+        </p:txBody>
+      </p:sp>
+      <p:sp>
+        <p:nvSpPr>
+          <p:cNvPr id="5" name="Slide Number Placeholder 4"/>
+          <p:cNvSpPr>
+            <a:spLocks noGrp="1"/>
+          </p:cNvSpPr>
+          <p:nvPr>
+            <p:ph type="sldNum" sz="quarter" idx="12"/>
+          </p:nvPr>
+        </p:nvSpPr>
+        <p:spPr/>
+        <p:txBody>
+          <a:bodyPr/>
+          <a:lstStyle/>
+          <a:p>
+            <a:fld id="{1A58531D-7D0D-4E0A-8DC4-FF322C7609E7}" type="slidenum">
+              <a:rPr lang="pt-BR" smtClean="0"/>
+              <a:t>21</a:t>
+            </a:fld>
+            <a:endParaRPr lang="pt-BR"/>
+          </a:p>
+        </p:txBody>
+      </p:sp>
+    </p:spTree>
+    <p:extLst>
+      <p:ext uri="{BB962C8B-B14F-4D97-AF65-F5344CB8AC3E}">
+        <p14:creationId xmlns:p14="http://schemas.microsoft.com/office/powerpoint/2010/main" val="964487792"/>
+      </p:ext>
+    </p:extLst>
+  </p:cSld>
+  <p:clrMapOvr>
+    <a:masterClrMapping/>
+  </p:clrMapOvr>
+  <p:timing>
+    <p:tnLst>
+      <p:par>
+        <p:cTn id="1" dur="indefinite" restart="never" nodeType="tmRoot"/>
+      </p:par>
+    </p:tnLst>
+  </p:timing>
 </p:sld>
 </file>
 
@@ -5742,6 +7406,52 @@
           </a:p>
         </p:txBody>
       </p:sp>
+      <p:sp>
+        <p:nvSpPr>
+          <p:cNvPr id="4" name="Footer Placeholder 3"/>
+          <p:cNvSpPr>
+            <a:spLocks noGrp="1"/>
+          </p:cNvSpPr>
+          <p:nvPr>
+            <p:ph type="ftr" sz="quarter" idx="11"/>
+          </p:nvPr>
+        </p:nvSpPr>
+        <p:spPr/>
+        <p:txBody>
+          <a:bodyPr/>
+          <a:lstStyle/>
+          <a:p>
+            <a:r>
+              <a:rPr lang="pt-BR" smtClean="0"/>
+              <a:t>Pedro H. Affonso - Nov/2016</a:t>
+            </a:r>
+            <a:endParaRPr lang="pt-BR"/>
+          </a:p>
+        </p:txBody>
+      </p:sp>
+      <p:sp>
+        <p:nvSpPr>
+          <p:cNvPr id="5" name="Slide Number Placeholder 4"/>
+          <p:cNvSpPr>
+            <a:spLocks noGrp="1"/>
+          </p:cNvSpPr>
+          <p:nvPr>
+            <p:ph type="sldNum" sz="quarter" idx="12"/>
+          </p:nvPr>
+        </p:nvSpPr>
+        <p:spPr/>
+        <p:txBody>
+          <a:bodyPr/>
+          <a:lstStyle/>
+          <a:p>
+            <a:fld id="{1A58531D-7D0D-4E0A-8DC4-FF322C7609E7}" type="slidenum">
+              <a:rPr lang="pt-BR" smtClean="0"/>
+              <a:t>3</a:t>
+            </a:fld>
+            <a:endParaRPr lang="pt-BR"/>
+          </a:p>
+        </p:txBody>
+      </p:sp>
     </p:spTree>
     <p:extLst>
       <p:ext uri="{BB962C8B-B14F-4D97-AF65-F5344CB8AC3E}">
@@ -5752,6 +7462,13 @@
   <p:clrMapOvr>
     <a:masterClrMapping/>
   </p:clrMapOvr>
+  <p:timing>
+    <p:tnLst>
+      <p:par>
+        <p:cTn id="1" dur="indefinite" restart="never" nodeType="tmRoot"/>
+      </p:par>
+    </p:tnLst>
+  </p:timing>
 </p:sld>
 </file>
 
@@ -5874,6 +7591,52 @@
           <a:p>
             <a:pPr lvl="1"/>
             <a:endParaRPr lang="pt-BR" dirty="0"/>
+          </a:p>
+        </p:txBody>
+      </p:sp>
+      <p:sp>
+        <p:nvSpPr>
+          <p:cNvPr id="4" name="Footer Placeholder 3"/>
+          <p:cNvSpPr>
+            <a:spLocks noGrp="1"/>
+          </p:cNvSpPr>
+          <p:nvPr>
+            <p:ph type="ftr" sz="quarter" idx="11"/>
+          </p:nvPr>
+        </p:nvSpPr>
+        <p:spPr/>
+        <p:txBody>
+          <a:bodyPr/>
+          <a:lstStyle/>
+          <a:p>
+            <a:r>
+              <a:rPr lang="pt-BR" smtClean="0"/>
+              <a:t>Pedro H. Affonso - Nov/2016</a:t>
+            </a:r>
+            <a:endParaRPr lang="pt-BR"/>
+          </a:p>
+        </p:txBody>
+      </p:sp>
+      <p:sp>
+        <p:nvSpPr>
+          <p:cNvPr id="5" name="Slide Number Placeholder 4"/>
+          <p:cNvSpPr>
+            <a:spLocks noGrp="1"/>
+          </p:cNvSpPr>
+          <p:nvPr>
+            <p:ph type="sldNum" sz="quarter" idx="12"/>
+          </p:nvPr>
+        </p:nvSpPr>
+        <p:spPr/>
+        <p:txBody>
+          <a:bodyPr/>
+          <a:lstStyle/>
+          <a:p>
+            <a:fld id="{1A58531D-7D0D-4E0A-8DC4-FF322C7609E7}" type="slidenum">
+              <a:rPr lang="pt-BR" smtClean="0"/>
+              <a:t>4</a:t>
+            </a:fld>
+            <a:endParaRPr lang="pt-BR"/>
           </a:p>
         </p:txBody>
       </p:sp>
@@ -6355,6 +8118,52 @@
           </a:extLst>
         </p:spPr>
       </p:pic>
+      <p:sp>
+        <p:nvSpPr>
+          <p:cNvPr id="3" name="Footer Placeholder 2"/>
+          <p:cNvSpPr>
+            <a:spLocks noGrp="1"/>
+          </p:cNvSpPr>
+          <p:nvPr>
+            <p:ph type="ftr" sz="quarter" idx="11"/>
+          </p:nvPr>
+        </p:nvSpPr>
+        <p:spPr/>
+        <p:txBody>
+          <a:bodyPr/>
+          <a:lstStyle/>
+          <a:p>
+            <a:r>
+              <a:rPr lang="pt-BR" smtClean="0"/>
+              <a:t>Pedro H. Affonso - Nov/2016</a:t>
+            </a:r>
+            <a:endParaRPr lang="pt-BR"/>
+          </a:p>
+        </p:txBody>
+      </p:sp>
+      <p:sp>
+        <p:nvSpPr>
+          <p:cNvPr id="4" name="Slide Number Placeholder 3"/>
+          <p:cNvSpPr>
+            <a:spLocks noGrp="1"/>
+          </p:cNvSpPr>
+          <p:nvPr>
+            <p:ph type="sldNum" sz="quarter" idx="12"/>
+          </p:nvPr>
+        </p:nvSpPr>
+        <p:spPr/>
+        <p:txBody>
+          <a:bodyPr/>
+          <a:lstStyle/>
+          <a:p>
+            <a:fld id="{1A58531D-7D0D-4E0A-8DC4-FF322C7609E7}" type="slidenum">
+              <a:rPr lang="pt-BR" smtClean="0"/>
+              <a:t>5</a:t>
+            </a:fld>
+            <a:endParaRPr lang="pt-BR"/>
+          </a:p>
+        </p:txBody>
+      </p:sp>
     </p:spTree>
     <p:extLst>
       <p:ext uri="{BB962C8B-B14F-4D97-AF65-F5344CB8AC3E}">
@@ -6457,6 +8266,52 @@
           </a:p>
         </p:txBody>
       </p:sp>
+      <p:sp>
+        <p:nvSpPr>
+          <p:cNvPr id="4" name="Footer Placeholder 3"/>
+          <p:cNvSpPr>
+            <a:spLocks noGrp="1"/>
+          </p:cNvSpPr>
+          <p:nvPr>
+            <p:ph type="ftr" sz="quarter" idx="11"/>
+          </p:nvPr>
+        </p:nvSpPr>
+        <p:spPr/>
+        <p:txBody>
+          <a:bodyPr/>
+          <a:lstStyle/>
+          <a:p>
+            <a:r>
+              <a:rPr lang="pt-BR" smtClean="0"/>
+              <a:t>Pedro H. Affonso - Nov/2016</a:t>
+            </a:r>
+            <a:endParaRPr lang="pt-BR"/>
+          </a:p>
+        </p:txBody>
+      </p:sp>
+      <p:sp>
+        <p:nvSpPr>
+          <p:cNvPr id="5" name="Slide Number Placeholder 4"/>
+          <p:cNvSpPr>
+            <a:spLocks noGrp="1"/>
+          </p:cNvSpPr>
+          <p:nvPr>
+            <p:ph type="sldNum" sz="quarter" idx="12"/>
+          </p:nvPr>
+        </p:nvSpPr>
+        <p:spPr/>
+        <p:txBody>
+          <a:bodyPr/>
+          <a:lstStyle/>
+          <a:p>
+            <a:fld id="{1A58531D-7D0D-4E0A-8DC4-FF322C7609E7}" type="slidenum">
+              <a:rPr lang="pt-BR" smtClean="0"/>
+              <a:t>6</a:t>
+            </a:fld>
+            <a:endParaRPr lang="pt-BR"/>
+          </a:p>
+        </p:txBody>
+      </p:sp>
     </p:spTree>
     <p:extLst>
       <p:ext uri="{BB962C8B-B14F-4D97-AF65-F5344CB8AC3E}">
@@ -6585,6 +8440,52 @@
           </a:p>
         </p:txBody>
       </p:sp>
+      <p:sp>
+        <p:nvSpPr>
+          <p:cNvPr id="4" name="Footer Placeholder 3"/>
+          <p:cNvSpPr>
+            <a:spLocks noGrp="1"/>
+          </p:cNvSpPr>
+          <p:nvPr>
+            <p:ph type="ftr" sz="quarter" idx="11"/>
+          </p:nvPr>
+        </p:nvSpPr>
+        <p:spPr/>
+        <p:txBody>
+          <a:bodyPr/>
+          <a:lstStyle/>
+          <a:p>
+            <a:r>
+              <a:rPr lang="pt-BR" smtClean="0"/>
+              <a:t>Pedro H. Affonso - Nov/2016</a:t>
+            </a:r>
+            <a:endParaRPr lang="pt-BR"/>
+          </a:p>
+        </p:txBody>
+      </p:sp>
+      <p:sp>
+        <p:nvSpPr>
+          <p:cNvPr id="5" name="Slide Number Placeholder 4"/>
+          <p:cNvSpPr>
+            <a:spLocks noGrp="1"/>
+          </p:cNvSpPr>
+          <p:nvPr>
+            <p:ph type="sldNum" sz="quarter" idx="12"/>
+          </p:nvPr>
+        </p:nvSpPr>
+        <p:spPr/>
+        <p:txBody>
+          <a:bodyPr/>
+          <a:lstStyle/>
+          <a:p>
+            <a:fld id="{1A58531D-7D0D-4E0A-8DC4-FF322C7609E7}" type="slidenum">
+              <a:rPr lang="pt-BR" smtClean="0"/>
+              <a:t>7</a:t>
+            </a:fld>
+            <a:endParaRPr lang="pt-BR"/>
+          </a:p>
+        </p:txBody>
+      </p:sp>
     </p:spTree>
     <p:extLst>
       <p:ext uri="{BB962C8B-B14F-4D97-AF65-F5344CB8AC3E}">
@@ -6625,14 +8526,19 @@
             <p:ph type="title"/>
           </p:nvPr>
         </p:nvSpPr>
-        <p:spPr/>
-        <p:txBody>
-          <a:bodyPr/>
-          <a:lstStyle/>
-          <a:p>
-            <a:r>
-              <a:rPr lang="pt-BR" dirty="0" smtClean="0"/>
-              <a:t>Semelhanças com RSSF e convergência</a:t>
+        <p:spPr>
+          <a:xfrm>
+            <a:off x="467544" y="2924944"/>
+            <a:ext cx="8229600" cy="990600"/>
+          </a:xfrm>
+        </p:spPr>
+        <p:txBody>
+          <a:bodyPr/>
+          <a:lstStyle/>
+          <a:p>
+            <a:r>
+              <a:rPr lang="pt-BR" dirty="0" smtClean="0"/>
+              <a:t>Robótica e IoT</a:t>
             </a:r>
             <a:endParaRPr lang="pt-BR" dirty="0"/>
           </a:p>
@@ -6640,71 +8546,54 @@
       </p:sp>
       <p:sp>
         <p:nvSpPr>
-          <p:cNvPr id="3" name="Content Placeholder 2"/>
-          <p:cNvSpPr>
-            <a:spLocks noGrp="1"/>
-          </p:cNvSpPr>
-          <p:nvPr>
-            <p:ph sz="quarter" idx="1"/>
-          </p:nvPr>
-        </p:nvSpPr>
-        <p:spPr/>
-        <p:txBody>
-          <a:bodyPr>
-            <a:normAutofit/>
-          </a:bodyPr>
-          <a:lstStyle/>
-          <a:p>
-            <a:r>
-              <a:rPr lang="pt-BR" dirty="0" smtClean="0"/>
-              <a:t>Rede de nós capazes de comunicação M2M</a:t>
-            </a:r>
-          </a:p>
-          <a:p>
-            <a:r>
-              <a:rPr lang="pt-BR" dirty="0" smtClean="0"/>
-              <a:t>Dispositivos capazes de sensoriamento, processamento, transmissão de dados</a:t>
-            </a:r>
-          </a:p>
-          <a:p>
-            <a:r>
-              <a:rPr lang="pt-BR" dirty="0" smtClean="0"/>
-              <a:t>Segurança é uma questão importante</a:t>
-            </a:r>
-          </a:p>
-          <a:p>
-            <a:r>
-              <a:rPr lang="pt-BR" dirty="0" smtClean="0"/>
-              <a:t>Pode-se pensar em uma Rede de Robôs Móveis e Sensores como uma RSSF com nós móveis</a:t>
-            </a:r>
-          </a:p>
-          <a:p>
-            <a:r>
-              <a:rPr lang="pt-BR" dirty="0" smtClean="0"/>
-              <a:t>Diferenças</a:t>
-            </a:r>
-          </a:p>
-          <a:p>
-            <a:pPr lvl="1"/>
-            <a:r>
-              <a:rPr lang="pt-BR" dirty="0" smtClean="0"/>
-              <a:t>Largura de banda: imagens, vídeo e alguns sensores – LIDAR</a:t>
-            </a:r>
-          </a:p>
-          <a:p>
-            <a:pPr lvl="1"/>
-            <a:r>
-              <a:rPr lang="pt-BR" dirty="0" smtClean="0"/>
-              <a:t>Vida útil da bateria</a:t>
-            </a:r>
-            <a:endParaRPr lang="pt-BR" dirty="0"/>
+          <p:cNvPr id="3" name="Footer Placeholder 2"/>
+          <p:cNvSpPr>
+            <a:spLocks noGrp="1"/>
+          </p:cNvSpPr>
+          <p:nvPr>
+            <p:ph type="ftr" sz="quarter" idx="11"/>
+          </p:nvPr>
+        </p:nvSpPr>
+        <p:spPr/>
+        <p:txBody>
+          <a:bodyPr/>
+          <a:lstStyle/>
+          <a:p>
+            <a:r>
+              <a:rPr lang="pt-BR" smtClean="0"/>
+              <a:t>Pedro H. Affonso - Nov/2016</a:t>
+            </a:r>
+            <a:endParaRPr lang="pt-BR"/>
+          </a:p>
+        </p:txBody>
+      </p:sp>
+      <p:sp>
+        <p:nvSpPr>
+          <p:cNvPr id="4" name="Slide Number Placeholder 3"/>
+          <p:cNvSpPr>
+            <a:spLocks noGrp="1"/>
+          </p:cNvSpPr>
+          <p:nvPr>
+            <p:ph type="sldNum" sz="quarter" idx="12"/>
+          </p:nvPr>
+        </p:nvSpPr>
+        <p:spPr/>
+        <p:txBody>
+          <a:bodyPr/>
+          <a:lstStyle/>
+          <a:p>
+            <a:fld id="{1A58531D-7D0D-4E0A-8DC4-FF322C7609E7}" type="slidenum">
+              <a:rPr lang="pt-BR" smtClean="0"/>
+              <a:t>8</a:t>
+            </a:fld>
+            <a:endParaRPr lang="pt-BR"/>
           </a:p>
         </p:txBody>
       </p:sp>
     </p:spTree>
     <p:extLst>
       <p:ext uri="{BB962C8B-B14F-4D97-AF65-F5344CB8AC3E}">
-        <p14:creationId xmlns:p14="http://schemas.microsoft.com/office/powerpoint/2010/main" val="2426608752"/>
+        <p14:creationId xmlns:p14="http://schemas.microsoft.com/office/powerpoint/2010/main" val="2963067081"/>
       </p:ext>
     </p:extLst>
   </p:cSld>
@@ -6748,181 +8637,125 @@
           <a:p>
             <a:r>
               <a:rPr lang="pt-BR" dirty="0" smtClean="0"/>
-              <a:t>Robôs de baixo custo cooperativos</a:t>
+              <a:t>Semelhanças com RSSF e convergência</a:t>
             </a:r>
             <a:endParaRPr lang="pt-BR" dirty="0"/>
           </a:p>
         </p:txBody>
       </p:sp>
-      <p:pic>
-        <p:nvPicPr>
-          <p:cNvPr id="2050" name="Picture 2"/>
-          <p:cNvPicPr>
-            <a:picLocks noChangeAspect="1" noChangeArrowheads="1"/>
-          </p:cNvPicPr>
-          <p:nvPr/>
-        </p:nvPicPr>
-        <p:blipFill>
-          <a:blip r:embed="rId2" cstate="print">
-            <a:extLst>
-              <a:ext uri="{28A0092B-C50C-407E-A947-70E740481C1C}">
-                <a14:useLocalDpi xmlns:a14="http://schemas.microsoft.com/office/drawing/2010/main" val="0"/>
-              </a:ext>
-            </a:extLst>
-          </a:blip>
-          <a:srcRect/>
-          <a:stretch>
-            <a:fillRect/>
-          </a:stretch>
-        </p:blipFill>
-        <p:spPr bwMode="auto">
-          <a:xfrm>
-            <a:off x="465899" y="1484784"/>
-            <a:ext cx="3840427" cy="2880320"/>
-          </a:xfrm>
-          <a:prstGeom prst="rect">
-            <a:avLst/>
-          </a:prstGeom>
-          <a:noFill/>
-          <a:ln>
-            <a:noFill/>
-          </a:ln>
-          <a:effectLst/>
-          <a:extLst>
-            <a:ext uri="{909E8E84-426E-40DD-AFC4-6F175D3DCCD1}">
-              <a14:hiddenFill xmlns:a14="http://schemas.microsoft.com/office/drawing/2010/main">
-                <a:solidFill>
-                  <a:schemeClr val="accent1"/>
-                </a:solidFill>
-              </a14:hiddenFill>
-            </a:ext>
-            <a:ext uri="{91240B29-F687-4F45-9708-019B960494DF}">
-              <a14:hiddenLine xmlns:a14="http://schemas.microsoft.com/office/drawing/2010/main" w="9525">
-                <a:solidFill>
-                  <a:schemeClr val="tx1"/>
-                </a:solidFill>
-                <a:miter lim="800000"/>
-                <a:headEnd/>
-                <a:tailEnd/>
-              </a14:hiddenLine>
-            </a:ext>
-            <a:ext uri="{AF507438-7753-43E0-B8FC-AC1667EBCBE1}">
-              <a14:hiddenEffects xmlns:a14="http://schemas.microsoft.com/office/drawing/2010/main">
-                <a:effectLst>
-                  <a:outerShdw dist="35921" dir="2700000" algn="ctr" rotWithShape="0">
-                    <a:schemeClr val="bg2"/>
-                  </a:outerShdw>
-                </a:effectLst>
-              </a14:hiddenEffects>
-            </a:ext>
-          </a:extLst>
-        </p:spPr>
-      </p:pic>
-      <p:sp>
-        <p:nvSpPr>
-          <p:cNvPr id="4" name="TextBox 3"/>
-          <p:cNvSpPr txBox="1"/>
-          <p:nvPr/>
-        </p:nvSpPr>
-        <p:spPr>
-          <a:xfrm>
-            <a:off x="1691680" y="4476684"/>
-            <a:ext cx="1184940" cy="369332"/>
-          </a:xfrm>
-          <a:prstGeom prst="rect">
-            <a:avLst/>
-          </a:prstGeom>
-          <a:noFill/>
-        </p:spPr>
-        <p:txBody>
-          <a:bodyPr wrap="none" rtlCol="0">
-            <a:spAutoFit/>
+      <p:sp>
+        <p:nvSpPr>
+          <p:cNvPr id="3" name="Content Placeholder 2"/>
+          <p:cNvSpPr>
+            <a:spLocks noGrp="1"/>
+          </p:cNvSpPr>
+          <p:nvPr>
+            <p:ph sz="quarter" idx="1"/>
+          </p:nvPr>
+        </p:nvSpPr>
+        <p:spPr/>
+        <p:txBody>
+          <a:bodyPr>
+            <a:normAutofit/>
           </a:bodyPr>
           <a:lstStyle/>
           <a:p>
             <a:r>
               <a:rPr lang="pt-BR" dirty="0" smtClean="0"/>
-              <a:t>Robomote</a:t>
+              <a:t>Rede de nós capazes de comunicação M2M</a:t>
+            </a:r>
+          </a:p>
+          <a:p>
+            <a:r>
+              <a:rPr lang="pt-BR" dirty="0" smtClean="0"/>
+              <a:t>Dispositivos capazes de sensoriamento, processamento, transmissão de dados</a:t>
+            </a:r>
+          </a:p>
+          <a:p>
+            <a:r>
+              <a:rPr lang="pt-BR" dirty="0" smtClean="0"/>
+              <a:t>Segurança é uma questão importante</a:t>
+            </a:r>
+          </a:p>
+          <a:p>
+            <a:r>
+              <a:rPr lang="pt-BR" dirty="0" smtClean="0"/>
+              <a:t>Pode-se pensar em uma Rede de Robôs Móveis e Sensores como uma RSSF com nós móveis</a:t>
+            </a:r>
+          </a:p>
+          <a:p>
+            <a:r>
+              <a:rPr lang="pt-BR" dirty="0" smtClean="0"/>
+              <a:t>Diferenças</a:t>
+            </a:r>
+          </a:p>
+          <a:p>
+            <a:pPr lvl="1"/>
+            <a:r>
+              <a:rPr lang="pt-BR" dirty="0" smtClean="0"/>
+              <a:t>Largura de banda: imagens, vídeo e alguns sensores – LIDAR</a:t>
+            </a:r>
+          </a:p>
+          <a:p>
+            <a:pPr lvl="1"/>
+            <a:r>
+              <a:rPr lang="pt-BR" dirty="0" smtClean="0"/>
+              <a:t>Vida útil da bateria</a:t>
             </a:r>
             <a:endParaRPr lang="pt-BR" dirty="0"/>
           </a:p>
         </p:txBody>
       </p:sp>
-      <p:pic>
-        <p:nvPicPr>
-          <p:cNvPr id="2054" name="Picture 6" descr="http://www.hizook.com/files/users/3/Alice_Micro_Robot_Swarm.jpg"/>
-          <p:cNvPicPr>
-            <a:picLocks noChangeAspect="1" noChangeArrowheads="1"/>
-          </p:cNvPicPr>
-          <p:nvPr/>
-        </p:nvPicPr>
-        <p:blipFill>
-          <a:blip r:embed="rId3" cstate="print">
-            <a:extLst>
-              <a:ext uri="{28A0092B-C50C-407E-A947-70E740481C1C}">
-                <a14:useLocalDpi xmlns:a14="http://schemas.microsoft.com/office/drawing/2010/main" val="0"/>
-              </a:ext>
-            </a:extLst>
-          </a:blip>
-          <a:srcRect/>
-          <a:stretch>
-            <a:fillRect/>
-          </a:stretch>
-        </p:blipFill>
-        <p:spPr bwMode="auto">
-          <a:xfrm>
-            <a:off x="4572874" y="1484784"/>
-            <a:ext cx="3936438" cy="2952328"/>
-          </a:xfrm>
-          <a:prstGeom prst="rect">
-            <a:avLst/>
-          </a:prstGeom>
-          <a:noFill/>
-          <a:extLst>
-            <a:ext uri="{909E8E84-426E-40DD-AFC4-6F175D3DCCD1}">
-              <a14:hiddenFill xmlns:a14="http://schemas.microsoft.com/office/drawing/2010/main">
-                <a:solidFill>
-                  <a:srgbClr val="FFFFFF"/>
-                </a:solidFill>
-              </a14:hiddenFill>
-            </a:ext>
-          </a:extLst>
-        </p:spPr>
-      </p:pic>
-      <p:sp>
-        <p:nvSpPr>
-          <p:cNvPr id="8" name="TextBox 7"/>
-          <p:cNvSpPr txBox="1"/>
-          <p:nvPr/>
-        </p:nvSpPr>
-        <p:spPr>
-          <a:xfrm>
-            <a:off x="6084168" y="4487464"/>
-            <a:ext cx="652743" cy="369332"/>
-          </a:xfrm>
-          <a:prstGeom prst="rect">
-            <a:avLst/>
-          </a:prstGeom>
-          <a:noFill/>
-        </p:spPr>
-        <p:txBody>
-          <a:bodyPr wrap="none" rtlCol="0">
-            <a:spAutoFit/>
-          </a:bodyPr>
-          <a:lstStyle/>
-          <a:p>
-            <a:r>
-              <a:rPr lang="pt-BR" dirty="0" smtClean="0"/>
-              <a:t>Alice</a:t>
-            </a:r>
-            <a:endParaRPr lang="pt-BR" dirty="0"/>
+      <p:sp>
+        <p:nvSpPr>
+          <p:cNvPr id="4" name="Footer Placeholder 3"/>
+          <p:cNvSpPr>
+            <a:spLocks noGrp="1"/>
+          </p:cNvSpPr>
+          <p:nvPr>
+            <p:ph type="ftr" sz="quarter" idx="11"/>
+          </p:nvPr>
+        </p:nvSpPr>
+        <p:spPr/>
+        <p:txBody>
+          <a:bodyPr/>
+          <a:lstStyle/>
+          <a:p>
+            <a:r>
+              <a:rPr lang="pt-BR" smtClean="0"/>
+              <a:t>Pedro H. Affonso - Nov/2016</a:t>
+            </a:r>
+            <a:endParaRPr lang="pt-BR"/>
+          </a:p>
+        </p:txBody>
+      </p:sp>
+      <p:sp>
+        <p:nvSpPr>
+          <p:cNvPr id="5" name="Slide Number Placeholder 4"/>
+          <p:cNvSpPr>
+            <a:spLocks noGrp="1"/>
+          </p:cNvSpPr>
+          <p:nvPr>
+            <p:ph type="sldNum" sz="quarter" idx="12"/>
+          </p:nvPr>
+        </p:nvSpPr>
+        <p:spPr/>
+        <p:txBody>
+          <a:bodyPr/>
+          <a:lstStyle/>
+          <a:p>
+            <a:fld id="{1A58531D-7D0D-4E0A-8DC4-FF322C7609E7}" type="slidenum">
+              <a:rPr lang="pt-BR" smtClean="0"/>
+              <a:t>9</a:t>
+            </a:fld>
+            <a:endParaRPr lang="pt-BR"/>
           </a:p>
         </p:txBody>
       </p:sp>
     </p:spTree>
     <p:extLst>
       <p:ext uri="{BB962C8B-B14F-4D97-AF65-F5344CB8AC3E}">
-        <p14:creationId xmlns:p14="http://schemas.microsoft.com/office/powerpoint/2010/main" val="3308404715"/>
+        <p14:creationId xmlns:p14="http://schemas.microsoft.com/office/powerpoint/2010/main" val="2426608752"/>
       </p:ext>
     </p:extLst>
   </p:cSld>
@@ -7264,4 +9097,289 @@
   <a:objectDefaults/>
   <a:extraClrSchemeLst/>
 </a:theme>
+</file>
+
+<file path=ppt/theme/theme2.xml><?xml version="1.0" encoding="utf-8"?>
+<a:theme xmlns:a="http://schemas.openxmlformats.org/drawingml/2006/main" name="Office Theme">
+  <a:themeElements>
+    <a:clrScheme name="Office">
+      <a:dk1>
+        <a:sysClr val="windowText" lastClr="000000"/>
+      </a:dk1>
+      <a:lt1>
+        <a:sysClr val="window" lastClr="FFFFFF"/>
+      </a:lt1>
+      <a:dk2>
+        <a:srgbClr val="1F497D"/>
+      </a:dk2>
+      <a:lt2>
+        <a:srgbClr val="EEECE1"/>
+      </a:lt2>
+      <a:accent1>
+        <a:srgbClr val="4F81BD"/>
+      </a:accent1>
+      <a:accent2>
+        <a:srgbClr val="C0504D"/>
+      </a:accent2>
+      <a:accent3>
+        <a:srgbClr val="9BBB59"/>
+      </a:accent3>
+      <a:accent4>
+        <a:srgbClr val="8064A2"/>
+      </a:accent4>
+      <a:accent5>
+        <a:srgbClr val="4BACC6"/>
+      </a:accent5>
+      <a:accent6>
+        <a:srgbClr val="F79646"/>
+      </a:accent6>
+      <a:hlink>
+        <a:srgbClr val="0000FF"/>
+      </a:hlink>
+      <a:folHlink>
+        <a:srgbClr val="800080"/>
+      </a:folHlink>
+    </a:clrScheme>
+    <a:fontScheme name="Office">
+      <a:majorFont>
+        <a:latin typeface="Calibri"/>
+        <a:ea typeface=""/>
+        <a:cs typeface=""/>
+        <a:font script="Jpan" typeface="ＭＳ Ｐゴシック"/>
+        <a:font script="Hang" typeface="맑은 고딕"/>
+        <a:font script="Hans" typeface="宋体"/>
+        <a:font script="Hant" typeface="新細明體"/>
+        <a:font script="Arab" typeface="Times New Roman"/>
+        <a:font script="Hebr" typeface="Times New Roman"/>
+        <a:font script="Thai" typeface="Angsana New"/>
+        <a:font script="Ethi" typeface="Nyala"/>
+        <a:font script="Beng" typeface="Vrinda"/>
+        <a:font script="Gujr" typeface="Shruti"/>
+        <a:font script="Khmr" typeface="MoolBoran"/>
+        <a:font script="Knda" typeface="Tunga"/>
+        <a:font script="Guru" typeface="Raavi"/>
+        <a:font script="Cans" typeface="Euphemia"/>
+        <a:font script="Cher" typeface="Plantagenet Cherokee"/>
+        <a:font script="Yiii" typeface="Microsoft Yi Baiti"/>
+        <a:font script="Tibt" typeface="Microsoft Himalaya"/>
+        <a:font script="Thaa" typeface="MV Boli"/>
+        <a:font script="Deva" typeface="Mangal"/>
+        <a:font script="Telu" typeface="Gautami"/>
+        <a:font script="Taml" typeface="Latha"/>
+        <a:font script="Syrc" typeface="Estrangelo Edessa"/>
+        <a:font script="Orya" typeface="Kalinga"/>
+        <a:font script="Mlym" typeface="Kartika"/>
+        <a:font script="Laoo" typeface="DokChampa"/>
+        <a:font script="Sinh" typeface="Iskoola Pota"/>
+        <a:font script="Mong" typeface="Mongolian Baiti"/>
+        <a:font script="Viet" typeface="Times New Roman"/>
+        <a:font script="Uigh" typeface="Microsoft Uighur"/>
+        <a:font script="Geor" typeface="Sylfaen"/>
+      </a:majorFont>
+      <a:minorFont>
+        <a:latin typeface="Calibri"/>
+        <a:ea typeface=""/>
+        <a:cs typeface=""/>
+        <a:font script="Jpan" typeface="ＭＳ Ｐゴシック"/>
+        <a:font script="Hang" typeface="맑은 고딕"/>
+        <a:font script="Hans" typeface="宋体"/>
+        <a:font script="Hant" typeface="新細明體"/>
+        <a:font script="Arab" typeface="Arial"/>
+        <a:font script="Hebr" typeface="Arial"/>
+        <a:font script="Thai" typeface="Cordia New"/>
+        <a:font script="Ethi" typeface="Nyala"/>
+        <a:font script="Beng" typeface="Vrinda"/>
+        <a:font script="Gujr" typeface="Shruti"/>
+        <a:font script="Khmr" typeface="DaunPenh"/>
+        <a:font script="Knda" typeface="Tunga"/>
+        <a:font script="Guru" typeface="Raavi"/>
+        <a:font script="Cans" typeface="Euphemia"/>
+        <a:font script="Cher" typeface="Plantagenet Cherokee"/>
+        <a:font script="Yiii" typeface="Microsoft Yi Baiti"/>
+        <a:font script="Tibt" typeface="Microsoft Himalaya"/>
+        <a:font script="Thaa" typeface="MV Boli"/>
+        <a:font script="Deva" typeface="Mangal"/>
+        <a:font script="Telu" typeface="Gautami"/>
+        <a:font script="Taml" typeface="Latha"/>
+        <a:font script="Syrc" typeface="Estrangelo Edessa"/>
+        <a:font script="Orya" typeface="Kalinga"/>
+        <a:font script="Mlym" typeface="Kartika"/>
+        <a:font script="Laoo" typeface="DokChampa"/>
+        <a:font script="Sinh" typeface="Iskoola Pota"/>
+        <a:font script="Mong" typeface="Mongolian Baiti"/>
+        <a:font script="Viet" typeface="Arial"/>
+        <a:font script="Uigh" typeface="Microsoft Uighur"/>
+        <a:font script="Geor" typeface="Sylfaen"/>
+      </a:minorFont>
+    </a:fontScheme>
+    <a:fmtScheme name="Office">
+      <a:fillStyleLst>
+        <a:solidFill>
+          <a:schemeClr val="phClr"/>
+        </a:solidFill>
+        <a:gradFill rotWithShape="1">
+          <a:gsLst>
+            <a:gs pos="0">
+              <a:schemeClr val="phClr">
+                <a:tint val="50000"/>
+                <a:satMod val="300000"/>
+              </a:schemeClr>
+            </a:gs>
+            <a:gs pos="35000">
+              <a:schemeClr val="phClr">
+                <a:tint val="37000"/>
+                <a:satMod val="300000"/>
+              </a:schemeClr>
+            </a:gs>
+            <a:gs pos="100000">
+              <a:schemeClr val="phClr">
+                <a:tint val="15000"/>
+                <a:satMod val="350000"/>
+              </a:schemeClr>
+            </a:gs>
+          </a:gsLst>
+          <a:lin ang="16200000" scaled="1"/>
+        </a:gradFill>
+        <a:gradFill rotWithShape="1">
+          <a:gsLst>
+            <a:gs pos="0">
+              <a:schemeClr val="phClr">
+                <a:shade val="51000"/>
+                <a:satMod val="130000"/>
+              </a:schemeClr>
+            </a:gs>
+            <a:gs pos="80000">
+              <a:schemeClr val="phClr">
+                <a:shade val="93000"/>
+                <a:satMod val="130000"/>
+              </a:schemeClr>
+            </a:gs>
+            <a:gs pos="100000">
+              <a:schemeClr val="phClr">
+                <a:shade val="94000"/>
+                <a:satMod val="135000"/>
+              </a:schemeClr>
+            </a:gs>
+          </a:gsLst>
+          <a:lin ang="16200000" scaled="0"/>
+        </a:gradFill>
+      </a:fillStyleLst>
+      <a:lnStyleLst>
+        <a:ln w="9525" cap="flat" cmpd="sng" algn="ctr">
+          <a:solidFill>
+            <a:schemeClr val="phClr">
+              <a:shade val="95000"/>
+              <a:satMod val="105000"/>
+            </a:schemeClr>
+          </a:solidFill>
+          <a:prstDash val="solid"/>
+        </a:ln>
+        <a:ln w="25400" cap="flat" cmpd="sng" algn="ctr">
+          <a:solidFill>
+            <a:schemeClr val="phClr"/>
+          </a:solidFill>
+          <a:prstDash val="solid"/>
+        </a:ln>
+        <a:ln w="38100" cap="flat" cmpd="sng" algn="ctr">
+          <a:solidFill>
+            <a:schemeClr val="phClr"/>
+          </a:solidFill>
+          <a:prstDash val="solid"/>
+        </a:ln>
+      </a:lnStyleLst>
+      <a:effectStyleLst>
+        <a:effectStyle>
+          <a:effectLst>
+            <a:outerShdw blurRad="40000" dist="20000" dir="5400000" rotWithShape="0">
+              <a:srgbClr val="000000">
+                <a:alpha val="38000"/>
+              </a:srgbClr>
+            </a:outerShdw>
+          </a:effectLst>
+        </a:effectStyle>
+        <a:effectStyle>
+          <a:effectLst>
+            <a:outerShdw blurRad="40000" dist="23000" dir="5400000" rotWithShape="0">
+              <a:srgbClr val="000000">
+                <a:alpha val="35000"/>
+              </a:srgbClr>
+            </a:outerShdw>
+          </a:effectLst>
+        </a:effectStyle>
+        <a:effectStyle>
+          <a:effectLst>
+            <a:outerShdw blurRad="40000" dist="23000" dir="5400000" rotWithShape="0">
+              <a:srgbClr val="000000">
+                <a:alpha val="35000"/>
+              </a:srgbClr>
+            </a:outerShdw>
+          </a:effectLst>
+          <a:scene3d>
+            <a:camera prst="orthographicFront">
+              <a:rot lat="0" lon="0" rev="0"/>
+            </a:camera>
+            <a:lightRig rig="threePt" dir="t">
+              <a:rot lat="0" lon="0" rev="1200000"/>
+            </a:lightRig>
+          </a:scene3d>
+          <a:sp3d>
+            <a:bevelT w="63500" h="25400"/>
+          </a:sp3d>
+        </a:effectStyle>
+      </a:effectStyleLst>
+      <a:bgFillStyleLst>
+        <a:solidFill>
+          <a:schemeClr val="phClr"/>
+        </a:solidFill>
+        <a:gradFill rotWithShape="1">
+          <a:gsLst>
+            <a:gs pos="0">
+              <a:schemeClr val="phClr">
+                <a:tint val="40000"/>
+                <a:satMod val="350000"/>
+              </a:schemeClr>
+            </a:gs>
+            <a:gs pos="40000">
+              <a:schemeClr val="phClr">
+                <a:tint val="45000"/>
+                <a:shade val="99000"/>
+                <a:satMod val="350000"/>
+              </a:schemeClr>
+            </a:gs>
+            <a:gs pos="100000">
+              <a:schemeClr val="phClr">
+                <a:shade val="20000"/>
+                <a:satMod val="255000"/>
+              </a:schemeClr>
+            </a:gs>
+          </a:gsLst>
+          <a:path path="circle">
+            <a:fillToRect l="50000" t="-80000" r="50000" b="180000"/>
+          </a:path>
+        </a:gradFill>
+        <a:gradFill rotWithShape="1">
+          <a:gsLst>
+            <a:gs pos="0">
+              <a:schemeClr val="phClr">
+                <a:tint val="80000"/>
+                <a:satMod val="300000"/>
+              </a:schemeClr>
+            </a:gs>
+            <a:gs pos="100000">
+              <a:schemeClr val="phClr">
+                <a:shade val="30000"/>
+                <a:satMod val="200000"/>
+              </a:schemeClr>
+            </a:gs>
+          </a:gsLst>
+          <a:path path="circle">
+            <a:fillToRect l="50000" t="50000" r="50000" b="50000"/>
+          </a:path>
+        </a:gradFill>
+      </a:bgFillStyleLst>
+    </a:fmtScheme>
+  </a:themeElements>
+  <a:objectDefaults/>
+  <a:extraClrSchemeLst/>
+</a:theme>
 </file>